--- a/Obrona_JPSZEFLER/JPSZEFLER_ObronaDoktoratu_v0.1.pptx
+++ b/Obrona_JPSZEFLER/JPSZEFLER_ObronaDoktoratu_v0.1.pptx
@@ -5,10 +5,10 @@
     <p:sldMasterId id="2147483660" r:id="rId1"/>
   </p:sldMasterIdLst>
   <p:notesMasterIdLst>
-    <p:notesMasterId r:id="rId30"/>
+    <p:notesMasterId r:id="rId28"/>
   </p:notesMasterIdLst>
   <p:handoutMasterIdLst>
-    <p:handoutMasterId r:id="rId31"/>
+    <p:handoutMasterId r:id="rId29"/>
   </p:handoutMasterIdLst>
   <p:sldIdLst>
     <p:sldId id="276" r:id="rId2"/>
@@ -20,25 +20,23 @@
     <p:sldId id="288" r:id="rId8"/>
     <p:sldId id="290" r:id="rId9"/>
     <p:sldId id="270" r:id="rId10"/>
-    <p:sldId id="272" r:id="rId11"/>
-    <p:sldId id="273" r:id="rId12"/>
-    <p:sldId id="259" r:id="rId13"/>
-    <p:sldId id="291" r:id="rId14"/>
-    <p:sldId id="261" r:id="rId15"/>
-    <p:sldId id="279" r:id="rId16"/>
-    <p:sldId id="271" r:id="rId17"/>
-    <p:sldId id="282" r:id="rId18"/>
-    <p:sldId id="260" r:id="rId19"/>
-    <p:sldId id="283" r:id="rId20"/>
-    <p:sldId id="284" r:id="rId21"/>
-    <p:sldId id="285" r:id="rId22"/>
-    <p:sldId id="286" r:id="rId23"/>
-    <p:sldId id="287" r:id="rId24"/>
-    <p:sldId id="280" r:id="rId25"/>
-    <p:sldId id="264" r:id="rId26"/>
-    <p:sldId id="265" r:id="rId27"/>
-    <p:sldId id="267" r:id="rId28"/>
-    <p:sldId id="268" r:id="rId29"/>
+    <p:sldId id="295" r:id="rId11"/>
+    <p:sldId id="272" r:id="rId12"/>
+    <p:sldId id="273" r:id="rId13"/>
+    <p:sldId id="259" r:id="rId14"/>
+    <p:sldId id="291" r:id="rId15"/>
+    <p:sldId id="261" r:id="rId16"/>
+    <p:sldId id="279" r:id="rId17"/>
+    <p:sldId id="283" r:id="rId18"/>
+    <p:sldId id="284" r:id="rId19"/>
+    <p:sldId id="285" r:id="rId20"/>
+    <p:sldId id="286" r:id="rId21"/>
+    <p:sldId id="271" r:id="rId22"/>
+    <p:sldId id="282" r:id="rId23"/>
+    <p:sldId id="260" r:id="rId24"/>
+    <p:sldId id="287" r:id="rId25"/>
+    <p:sldId id="293" r:id="rId26"/>
+    <p:sldId id="294" r:id="rId27"/>
   </p:sldIdLst>
   <p:sldSz cx="12192000" cy="6858000"/>
   <p:notesSz cx="6858000" cy="9144000"/>
@@ -242,7 +240,7 @@
           <a:p>
             <a:fld id="{243069A2-C3F6-4081-B1AB-8D760EE424CE}" type="datetimeFigureOut">
               <a:rPr lang="pl-PL" smtClean="0"/>
-              <a:t>28.11.2024</a:t>
+              <a:t>02.12.2024</a:t>
             </a:fld>
             <a:endParaRPr lang="pl-PL"/>
           </a:p>
@@ -419,7 +417,7 @@
           <a:p>
             <a:fld id="{82C31221-F8E4-4014-8698-73F505210C60}" type="datetimeFigureOut">
               <a:rPr lang="pl-PL" smtClean="0"/>
-              <a:t>28.11.2024</a:t>
+              <a:t>02.12.2024</a:t>
             </a:fld>
             <a:endParaRPr lang="pl-PL"/>
           </a:p>
@@ -822,10 +820,113 @@
   <p:cSld>
     <p:spTree>
       <p:nvGrpSpPr>
+        <p:cNvPr id="1" name=""/>
+        <p:cNvGrpSpPr/>
+        <p:nvPr/>
+      </p:nvGrpSpPr>
+      <p:grpSpPr>
+        <a:xfrm>
+          <a:off x="0" y="0"/>
+          <a:ext cx="0" cy="0"/>
+          <a:chOff x="0" y="0"/>
+          <a:chExt cx="0" cy="0"/>
+        </a:xfrm>
+      </p:grpSpPr>
+      <p:sp>
+        <p:nvSpPr>
+          <p:cNvPr id="2" name="Slide Image Placeholder 1"/>
+          <p:cNvSpPr>
+            <a:spLocks noGrp="1" noRot="1" noChangeAspect="1"/>
+          </p:cNvSpPr>
+          <p:nvPr>
+            <p:ph type="sldImg"/>
+          </p:nvPr>
+        </p:nvSpPr>
+        <p:spPr/>
+      </p:sp>
+      <p:sp>
+        <p:nvSpPr>
+          <p:cNvPr id="3" name="Notes Placeholder 2"/>
+          <p:cNvSpPr>
+            <a:spLocks noGrp="1"/>
+          </p:cNvSpPr>
+          <p:nvPr>
+            <p:ph type="body" idx="1"/>
+          </p:nvPr>
+        </p:nvSpPr>
+        <p:spPr/>
+        <p:txBody>
+          <a:bodyPr/>
+          <a:lstStyle/>
+          <a:p>
+            <a:r>
+              <a:rPr lang="pl-PL" dirty="0"/>
+              <a:t>Uczelnie techniczne nadzorowane przez Ministerstwo Edukacji i Nauki plus Politechnika Bydgoska (klasyfikowana przez Ministerstwo jako uczelnia przyrodnicza)</a:t>
+            </a:r>
+          </a:p>
+          <a:p>
+            <a:r>
+              <a:rPr lang="pl-PL" dirty="0"/>
+              <a:t>Uczelnie nadzorowane przez Ministerstwo Infrastruktury: Politechnika Morska w Szczecinie, Uniwersytet Morski w Gdyni</a:t>
+            </a:r>
+          </a:p>
+          <a:p>
+            <a:r>
+              <a:rPr lang="pl-PL" dirty="0"/>
+              <a:t>Nadzorowane przez Ministerstwo Obrony Narodowej: WAT (Wojskowa Akademia Techniczna)</a:t>
+            </a:r>
+            <a:br>
+              <a:rPr lang="pl-PL" dirty="0"/>
+            </a:br>
+            <a:endParaRPr lang="pl-PL" dirty="0"/>
+          </a:p>
+        </p:txBody>
+      </p:sp>
+      <p:sp>
+        <p:nvSpPr>
+          <p:cNvPr id="4" name="Slide Number Placeholder 3"/>
+          <p:cNvSpPr>
+            <a:spLocks noGrp="1"/>
+          </p:cNvSpPr>
+          <p:nvPr>
+            <p:ph type="sldNum" sz="quarter" idx="5"/>
+          </p:nvPr>
+        </p:nvSpPr>
+        <p:spPr/>
+        <p:txBody>
+          <a:bodyPr/>
+          <a:lstStyle/>
+          <a:p>
+            <a:fld id="{95B655DE-FF30-4D5D-A50E-CFE6AC1E1D06}" type="slidenum">
+              <a:rPr lang="pl-PL" smtClean="0"/>
+              <a:t>23</a:t>
+            </a:fld>
+            <a:endParaRPr lang="pl-PL"/>
+          </a:p>
+        </p:txBody>
+      </p:sp>
+    </p:spTree>
+    <p:extLst>
+      <p:ext uri="{BB962C8B-B14F-4D97-AF65-F5344CB8AC3E}">
+        <p14:creationId xmlns:p14="http://schemas.microsoft.com/office/powerpoint/2010/main" val="2717885610"/>
+      </p:ext>
+    </p:extLst>
+  </p:cSld>
+  <p:clrMapOvr>
+    <a:masterClrMapping/>
+  </p:clrMapOvr>
+</p:notes>
+</file>
+
+<file path=ppt/notesSlides/notesSlide11.xml><?xml version="1.0" encoding="utf-8"?>
+<p:notes xmlns:a="http://schemas.openxmlformats.org/drawingml/2006/main" xmlns:r="http://schemas.openxmlformats.org/officeDocument/2006/relationships" xmlns:p="http://schemas.openxmlformats.org/presentationml/2006/main">
+  <p:cSld>
+    <p:spTree>
+      <p:nvGrpSpPr>
         <p:cNvPr id="1" name="">
           <a:extLst>
             <a:ext uri="{FF2B5EF4-FFF2-40B4-BE49-F238E27FC236}">
-              <a16:creationId xmlns:a16="http://schemas.microsoft.com/office/drawing/2014/main" id="{5D7997AD-3100-D38E-1988-D18356F68DD8}"/>
+              <a16:creationId xmlns:a16="http://schemas.microsoft.com/office/drawing/2014/main" id="{1135AB04-2053-2F9B-73AE-A92FD481CBDC}"/>
             </a:ext>
           </a:extLst>
         </p:cNvPr>
@@ -845,7 +946,7 @@
           <p:cNvPr id="2" name="Slide Image Placeholder 1">
             <a:extLst>
               <a:ext uri="{FF2B5EF4-FFF2-40B4-BE49-F238E27FC236}">
-                <a16:creationId xmlns:a16="http://schemas.microsoft.com/office/drawing/2014/main" id="{68B4D5AB-D2B8-C0B4-1343-51FB35D88F17}"/>
+                <a16:creationId xmlns:a16="http://schemas.microsoft.com/office/drawing/2014/main" id="{B6E20778-5DC0-9CF0-9D8E-44CAED097BC9}"/>
               </a:ext>
             </a:extLst>
           </p:cNvPr>
@@ -863,7 +964,7 @@
           <p:cNvPr id="3" name="Notes Placeholder 2">
             <a:extLst>
               <a:ext uri="{FF2B5EF4-FFF2-40B4-BE49-F238E27FC236}">
-                <a16:creationId xmlns:a16="http://schemas.microsoft.com/office/drawing/2014/main" id="{10A143BB-F61B-C657-1800-BE96425DCC46}"/>
+                <a16:creationId xmlns:a16="http://schemas.microsoft.com/office/drawing/2014/main" id="{1F7737C8-411A-F7AA-C2EA-3D7DDFEE0C2C}"/>
               </a:ext>
             </a:extLst>
           </p:cNvPr>
@@ -879,38 +980,28 @@
           <a:bodyPr/>
           <a:lstStyle/>
           <a:p>
-            <a:pPr marL="0" marR="0" lvl="0" indent="0" algn="l" defTabSz="914400" rtl="0" eaLnBrk="1" fontAlgn="auto" latinLnBrk="0" hangingPunct="1">
-              <a:lnSpc>
-                <a:spcPct val="100000"/>
-              </a:lnSpc>
-              <a:spcBef>
-                <a:spcPts val="0"/>
-              </a:spcBef>
-              <a:spcAft>
-                <a:spcPts val="0"/>
-              </a:spcAft>
-              <a:buClrTx/>
-              <a:buSzTx/>
-              <a:buFontTx/>
-              <a:buNone/>
-              <a:tabLst/>
-              <a:defRPr/>
-            </a:pPr>
-            <a:r>
-              <a:rPr lang="en-US" sz="1200" b="0" i="0" u="none" strike="noStrike" baseline="0" dirty="0"/>
-              <a:t>features typical of</a:t>
-            </a:r>
-            <a:r>
-              <a:rPr lang="pl-PL" sz="1200" b="0" i="0" u="none" strike="noStrike" baseline="0" dirty="0"/>
-              <a:t> </a:t>
-            </a:r>
-            <a:r>
-              <a:rPr lang="en-US" sz="1200" b="0" i="0" u="none" strike="noStrike" baseline="0" dirty="0"/>
-              <a:t>academic culture,</a:t>
-            </a:r>
-            <a:endParaRPr lang="pl-PL" sz="1200" b="0" i="0" u="none" strike="noStrike" baseline="0" dirty="0"/>
-          </a:p>
-          <a:p>
+            <a:pPr algn="l"/>
+            <a:r>
+              <a:rPr lang="pl-PL" sz="1200" b="0" i="0" u="none" strike="noStrike" baseline="0" dirty="0">
+                <a:latin typeface="CIDFont+F1"/>
+              </a:rPr>
+              <a:t>Cel poznawczy (</a:t>
+            </a:r>
+            <a:r>
+              <a:rPr lang="pl-PL" sz="1200" b="0" i="1" u="none" strike="noStrike" baseline="0" dirty="0">
+                <a:latin typeface="CIDFont+F3"/>
+              </a:rPr>
+              <a:t>identyfikacja skutecznych z perspektywy doskonalenia systemu zarządzania jakością metod pomiaru i analizy poziomu satysfakcji interesariuszy jako miernika jakości)</a:t>
+            </a:r>
+          </a:p>
+          <a:p>
+            <a:pPr algn="l"/>
+            <a:r>
+              <a:rPr lang="pl-PL" sz="1200" b="0" i="0" u="none" strike="noStrike" baseline="0" dirty="0">
+                <a:latin typeface="CIDFont+F1"/>
+              </a:rPr>
+              <a:t>Cel utylitarny (opracowanie metody doskonalenia systemu zarządzania jakością uczelni, dostosowanego do specyfiki polskich uczelni technicznych, z wykorzystaniem pomiaru satysfakcji różnych grup interesariuszy jako jednego z mierników efektów działania uczelni) </a:t>
+            </a:r>
             <a:endParaRPr lang="pl-PL" dirty="0"/>
           </a:p>
         </p:txBody>
@@ -920,195 +1011,10 @@
           <p:cNvPr id="4" name="Slide Number Placeholder 3">
             <a:extLst>
               <a:ext uri="{FF2B5EF4-FFF2-40B4-BE49-F238E27FC236}">
-                <a16:creationId xmlns:a16="http://schemas.microsoft.com/office/drawing/2014/main" id="{C9E4A4A8-FBAD-C81A-A473-EB2CFA9E26CB}"/>
-              </a:ext>
-            </a:extLst>
-          </p:cNvPr>
-          <p:cNvSpPr>
-            <a:spLocks noGrp="1"/>
-          </p:cNvSpPr>
-          <p:nvPr>
-            <p:ph type="sldNum" sz="quarter" idx="5"/>
-          </p:nvPr>
-        </p:nvSpPr>
-        <p:spPr/>
-        <p:txBody>
-          <a:bodyPr/>
-          <a:lstStyle/>
-          <a:p>
-            <a:fld id="{95B655DE-FF30-4D5D-A50E-CFE6AC1E1D06}" type="slidenum">
-              <a:rPr lang="pl-PL" smtClean="0"/>
-              <a:t>24</a:t>
-            </a:fld>
-            <a:endParaRPr lang="pl-PL"/>
-          </a:p>
-        </p:txBody>
-      </p:sp>
-    </p:spTree>
-    <p:extLst>
-      <p:ext uri="{BB962C8B-B14F-4D97-AF65-F5344CB8AC3E}">
-        <p14:creationId xmlns:p14="http://schemas.microsoft.com/office/powerpoint/2010/main" val="3484781527"/>
-      </p:ext>
-    </p:extLst>
-  </p:cSld>
-  <p:clrMapOvr>
-    <a:masterClrMapping/>
-  </p:clrMapOvr>
-</p:notes>
-</file>
-
-<file path=ppt/notesSlides/notesSlide11.xml><?xml version="1.0" encoding="utf-8"?>
-<p:notes xmlns:a="http://schemas.openxmlformats.org/drawingml/2006/main" xmlns:r="http://schemas.openxmlformats.org/officeDocument/2006/relationships" xmlns:p="http://schemas.openxmlformats.org/presentationml/2006/main">
-  <p:cSld>
-    <p:spTree>
-      <p:nvGrpSpPr>
-        <p:cNvPr id="1" name=""/>
-        <p:cNvGrpSpPr/>
-        <p:nvPr/>
-      </p:nvGrpSpPr>
-      <p:grpSpPr>
-        <a:xfrm>
-          <a:off x="0" y="0"/>
-          <a:ext cx="0" cy="0"/>
-          <a:chOff x="0" y="0"/>
-          <a:chExt cx="0" cy="0"/>
-        </a:xfrm>
-      </p:grpSpPr>
-      <p:sp>
-        <p:nvSpPr>
-          <p:cNvPr id="2" name="Slide Image Placeholder 1"/>
-          <p:cNvSpPr>
-            <a:spLocks noGrp="1" noRot="1" noChangeAspect="1"/>
-          </p:cNvSpPr>
-          <p:nvPr>
-            <p:ph type="sldImg"/>
-          </p:nvPr>
-        </p:nvSpPr>
-        <p:spPr/>
-      </p:sp>
-      <p:sp>
-        <p:nvSpPr>
-          <p:cNvPr id="3" name="Notes Placeholder 2"/>
-          <p:cNvSpPr>
-            <a:spLocks noGrp="1"/>
-          </p:cNvSpPr>
-          <p:nvPr>
-            <p:ph type="body" idx="1"/>
-          </p:nvPr>
-        </p:nvSpPr>
-        <p:spPr/>
-        <p:txBody>
-          <a:bodyPr/>
-          <a:lstStyle/>
-          <a:p>
-            <a:pPr marL="0" marR="0" lvl="0" indent="0" algn="l" defTabSz="914400" rtl="0" eaLnBrk="1" fontAlgn="auto" latinLnBrk="0" hangingPunct="1">
-              <a:lnSpc>
-                <a:spcPct val="100000"/>
-              </a:lnSpc>
-              <a:spcBef>
-                <a:spcPts val="0"/>
-              </a:spcBef>
-              <a:spcAft>
-                <a:spcPts val="0"/>
-              </a:spcAft>
-              <a:buClrTx/>
-              <a:buSzTx/>
-              <a:buFontTx/>
-              <a:buNone/>
-              <a:tabLst/>
-              <a:defRPr/>
-            </a:pPr>
-            <a:r>
-              <a:rPr lang="pl-PL" sz="1200" b="0" i="0" u="none" strike="noStrike" baseline="0" dirty="0"/>
-              <a:t>Tabela 12: 27 przykładów sprzeczności interesów</a:t>
-            </a:r>
-          </a:p>
-          <a:p>
-            <a:pPr marL="0" marR="0" lvl="0" indent="0" algn="l" defTabSz="914400" rtl="0" eaLnBrk="1" fontAlgn="auto" latinLnBrk="0" hangingPunct="1">
-              <a:lnSpc>
-                <a:spcPct val="100000"/>
-              </a:lnSpc>
-              <a:spcBef>
-                <a:spcPts val="0"/>
-              </a:spcBef>
-              <a:spcAft>
-                <a:spcPts val="0"/>
-              </a:spcAft>
-              <a:buClrTx/>
-              <a:buSzTx/>
-              <a:buFontTx/>
-              <a:buNone/>
-              <a:tabLst/>
-              <a:defRPr/>
-            </a:pPr>
-            <a:endParaRPr lang="pl-PL" sz="1200" b="0" i="0" u="none" strike="noStrike" baseline="0" dirty="0"/>
-          </a:p>
-          <a:p>
-            <a:pPr marL="0" marR="0" lvl="0" indent="0" algn="l" defTabSz="914400" rtl="0" eaLnBrk="1" fontAlgn="auto" latinLnBrk="0" hangingPunct="1">
-              <a:lnSpc>
-                <a:spcPct val="100000"/>
-              </a:lnSpc>
-              <a:spcBef>
-                <a:spcPts val="0"/>
-              </a:spcBef>
-              <a:spcAft>
-                <a:spcPts val="0"/>
-              </a:spcAft>
-              <a:buClrTx/>
-              <a:buSzTx/>
-              <a:buFontTx/>
-              <a:buNone/>
-              <a:tabLst/>
-              <a:defRPr/>
-            </a:pPr>
-            <a:r>
-              <a:rPr lang="en-US" sz="1200" b="0" i="0" u="none" strike="noStrike" baseline="0" dirty="0"/>
-              <a:t>Universities, due to the complexity of relationships between many groups of people associated</a:t>
-            </a:r>
-            <a:r>
-              <a:rPr lang="pl-PL" sz="1200" b="0" i="0" u="none" strike="noStrike" baseline="0" dirty="0"/>
-              <a:t> </a:t>
-            </a:r>
-            <a:r>
-              <a:rPr lang="en-US" sz="1200" b="0" i="0" u="none" strike="noStrike" baseline="0" dirty="0"/>
-              <a:t>with them, often with divergent interests, are a particularly challenging environment for implementing</a:t>
-            </a:r>
-            <a:r>
-              <a:rPr lang="pl-PL" sz="1200" b="0" i="0" u="none" strike="noStrike" baseline="0" dirty="0"/>
-              <a:t> </a:t>
-            </a:r>
-            <a:r>
-              <a:rPr lang="en-US" sz="1200" b="0" i="0" u="none" strike="noStrike" baseline="0" dirty="0"/>
-              <a:t>modern, mature quality management systems, which is confirmed by the results of the literature research</a:t>
-            </a:r>
-            <a:r>
-              <a:rPr lang="pl-PL" sz="1200" b="0" i="0" u="none" strike="noStrike" baseline="0" dirty="0"/>
-              <a:t> </a:t>
-            </a:r>
-            <a:r>
-              <a:rPr lang="pl-PL" sz="1200" b="0" i="0" u="none" strike="noStrike" baseline="0" dirty="0" err="1"/>
-              <a:t>conducted</a:t>
-            </a:r>
-            <a:r>
-              <a:rPr lang="pl-PL" sz="1200" b="0" i="0" u="none" strike="noStrike" baseline="0" dirty="0"/>
-              <a:t>.</a:t>
-            </a:r>
-          </a:p>
-          <a:p>
-            <a:endParaRPr lang="pl-PL" sz="1200" b="0" i="0" u="none" strike="noStrike" baseline="0" dirty="0"/>
-          </a:p>
-          <a:p>
-            <a:r>
-              <a:rPr lang="en-US" sz="1200" b="0" i="0" u="none" strike="noStrike" baseline="0" dirty="0"/>
-              <a:t>complexity of the structure</a:t>
-            </a:r>
-            <a:endParaRPr lang="pl-PL" dirty="0"/>
-          </a:p>
-        </p:txBody>
-      </p:sp>
-      <p:sp>
-        <p:nvSpPr>
-          <p:cNvPr id="4" name="Slide Number Placeholder 3"/>
+                <a16:creationId xmlns:a16="http://schemas.microsoft.com/office/drawing/2014/main" id="{47C5522D-C257-FDC2-2FA4-DDA118FB7136}"/>
+              </a:ext>
+            </a:extLst>
+          </p:cNvPr>
           <p:cNvSpPr>
             <a:spLocks noGrp="1"/>
           </p:cNvSpPr>
@@ -1132,7 +1038,7 @@
     </p:spTree>
     <p:extLst>
       <p:ext uri="{BB962C8B-B14F-4D97-AF65-F5344CB8AC3E}">
-        <p14:creationId xmlns:p14="http://schemas.microsoft.com/office/powerpoint/2010/main" val="4121279202"/>
+        <p14:creationId xmlns:p14="http://schemas.microsoft.com/office/powerpoint/2010/main" val="573865017"/>
       </p:ext>
     </p:extLst>
   </p:cSld>
@@ -1147,7 +1053,13 @@
   <p:cSld>
     <p:spTree>
       <p:nvGrpSpPr>
-        <p:cNvPr id="1" name=""/>
+        <p:cNvPr id="1" name="">
+          <a:extLst>
+            <a:ext uri="{FF2B5EF4-FFF2-40B4-BE49-F238E27FC236}">
+              <a16:creationId xmlns:a16="http://schemas.microsoft.com/office/drawing/2014/main" id="{98045931-A6E2-2590-EAEA-B51CC9184F4B}"/>
+            </a:ext>
+          </a:extLst>
+        </p:cNvPr>
         <p:cNvGrpSpPr/>
         <p:nvPr/>
       </p:nvGrpSpPr>
@@ -1161,7 +1073,13 @@
       </p:grpSpPr>
       <p:sp>
         <p:nvSpPr>
-          <p:cNvPr id="2" name="Slide Image Placeholder 1"/>
+          <p:cNvPr id="2" name="Slide Image Placeholder 1">
+            <a:extLst>
+              <a:ext uri="{FF2B5EF4-FFF2-40B4-BE49-F238E27FC236}">
+                <a16:creationId xmlns:a16="http://schemas.microsoft.com/office/drawing/2014/main" id="{8124A534-2457-9728-D20B-AF666CEE2E65}"/>
+              </a:ext>
+            </a:extLst>
+          </p:cNvPr>
           <p:cNvSpPr>
             <a:spLocks noGrp="1" noRot="1" noChangeAspect="1"/>
           </p:cNvSpPr>
@@ -1173,7 +1091,13 @@
       </p:sp>
       <p:sp>
         <p:nvSpPr>
-          <p:cNvPr id="3" name="Notes Placeholder 2"/>
+          <p:cNvPr id="3" name="Notes Placeholder 2">
+            <a:extLst>
+              <a:ext uri="{FF2B5EF4-FFF2-40B4-BE49-F238E27FC236}">
+                <a16:creationId xmlns:a16="http://schemas.microsoft.com/office/drawing/2014/main" id="{AF260E01-C01C-0A23-58D5-BC9FE5B018CB}"/>
+              </a:ext>
+            </a:extLst>
+          </p:cNvPr>
           <p:cNvSpPr>
             <a:spLocks noGrp="1"/>
           </p:cNvSpPr>
@@ -1186,151 +1110,41 @@
           <a:bodyPr/>
           <a:lstStyle/>
           <a:p>
-            <a:r>
-              <a:rPr lang="en-US" sz="1200" b="0" i="0" u="none" strike="noStrike" baseline="0" dirty="0"/>
-              <a:t>difficulties in defining the customer</a:t>
-            </a:r>
-            <a:endParaRPr lang="pl-PL" sz="1200" b="0" i="0" u="none" strike="noStrike" baseline="0" dirty="0"/>
-          </a:p>
-          <a:p>
-            <a:pPr marL="0" marR="0" lvl="0" indent="0" algn="l" defTabSz="914400" rtl="0" eaLnBrk="1" fontAlgn="auto" latinLnBrk="0" hangingPunct="1">
-              <a:lnSpc>
-                <a:spcPct val="100000"/>
-              </a:lnSpc>
-              <a:spcBef>
-                <a:spcPts val="0"/>
-              </a:spcBef>
-              <a:spcAft>
-                <a:spcPts val="0"/>
-              </a:spcAft>
-              <a:buClrTx/>
-              <a:buSzTx/>
-              <a:buFontTx/>
-              <a:buNone/>
-              <a:tabLst/>
-              <a:defRPr/>
-            </a:pPr>
-            <a:r>
-              <a:rPr lang="pl-PL" sz="1200" b="0" i="0" u="none" strike="noStrike" baseline="0" dirty="0" err="1"/>
-              <a:t>Since</a:t>
-            </a:r>
-            <a:r>
-              <a:rPr lang="pl-PL" sz="1200" b="0" i="0" u="none" strike="noStrike" baseline="0" dirty="0"/>
-              <a:t> </a:t>
-            </a:r>
-            <a:r>
-              <a:rPr lang="en-US" sz="1200" b="0" i="0" u="none" strike="noStrike" baseline="0" dirty="0"/>
-              <a:t>the idea of customer centricity lies at the foundation of contemporary quality management philosophies,</a:t>
-            </a:r>
-            <a:r>
-              <a:rPr lang="pl-PL" sz="1200" b="0" i="0" u="none" strike="noStrike" baseline="0" dirty="0"/>
-              <a:t> </a:t>
-            </a:r>
-            <a:r>
-              <a:rPr lang="en-US" sz="1200" b="0" i="0" u="none" strike="noStrike" baseline="0" dirty="0"/>
-              <a:t>when the customer cannot be unequivocally identified, the basic goals of quality improvement activities</a:t>
-            </a:r>
-            <a:r>
-              <a:rPr lang="pl-PL" sz="1200" b="0" i="0" u="none" strike="noStrike" baseline="0" dirty="0"/>
-              <a:t> </a:t>
-            </a:r>
-            <a:r>
-              <a:rPr lang="pl-PL" sz="1200" b="0" i="0" u="none" strike="noStrike" baseline="0" dirty="0" err="1"/>
-              <a:t>become</a:t>
-            </a:r>
-            <a:r>
-              <a:rPr lang="pl-PL" sz="1200" b="0" i="0" u="none" strike="noStrike" baseline="0" dirty="0"/>
-              <a:t> </a:t>
-            </a:r>
-            <a:r>
-              <a:rPr lang="pl-PL" sz="1200" b="0" i="0" u="none" strike="noStrike" baseline="0" dirty="0" err="1"/>
-              <a:t>unclear</a:t>
-            </a:r>
-            <a:r>
-              <a:rPr lang="pl-PL" sz="1200" b="0" i="0" u="none" strike="noStrike" baseline="0" dirty="0"/>
-              <a:t>.</a:t>
-            </a:r>
-          </a:p>
-          <a:p>
-            <a:pPr marL="0" marR="0" lvl="0" indent="0" algn="l" defTabSz="914400" rtl="0" eaLnBrk="1" fontAlgn="auto" latinLnBrk="0" hangingPunct="1">
-              <a:lnSpc>
-                <a:spcPct val="100000"/>
-              </a:lnSpc>
-              <a:spcBef>
-                <a:spcPts val="0"/>
-              </a:spcBef>
-              <a:spcAft>
-                <a:spcPts val="0"/>
-              </a:spcAft>
-              <a:buClrTx/>
-              <a:buSzTx/>
-              <a:buFontTx/>
-              <a:buNone/>
-              <a:tabLst/>
-              <a:defRPr/>
-            </a:pPr>
-            <a:r>
-              <a:rPr lang="en-US" sz="1200" b="0" i="0" u="none" strike="noStrike" baseline="0" dirty="0">
-                <a:latin typeface="CIDFont+F1"/>
-              </a:rPr>
-              <a:t>Nowadays, in the context of universities, the concept of the customer is commonly</a:t>
-            </a:r>
+            <a:pPr algn="l"/>
             <a:r>
               <a:rPr lang="pl-PL" sz="1200" b="0" i="0" u="none" strike="noStrike" baseline="0" dirty="0">
                 <a:latin typeface="CIDFont+F1"/>
               </a:rPr>
-              <a:t> </a:t>
-            </a:r>
-            <a:r>
-              <a:rPr lang="en-US" sz="1200" b="0" i="0" u="none" strike="noStrike" baseline="0" dirty="0">
-                <a:latin typeface="CIDFont+F1"/>
+              <a:t>Cel poznawczy (</a:t>
+            </a:r>
+            <a:r>
+              <a:rPr lang="pl-PL" sz="1200" b="0" i="1" u="none" strike="noStrike" baseline="0" dirty="0">
+                <a:latin typeface="CIDFont+F3"/>
               </a:rPr>
-              <a:t>replaced by the concept of stakeholders. Therefore, the author suggests that stakeholder analysis and</a:t>
-            </a:r>
+              <a:t>identyfikacja skutecznych z perspektywy doskonalenia systemu zarządzania jakością metod pomiaru i analizy poziomu satysfakcji interesariuszy jako miernika jakości)</a:t>
+            </a:r>
+          </a:p>
+          <a:p>
+            <a:pPr algn="l"/>
             <a:r>
               <a:rPr lang="pl-PL" sz="1200" b="0" i="0" u="none" strike="noStrike" baseline="0" dirty="0">
                 <a:latin typeface="CIDFont+F1"/>
               </a:rPr>
-              <a:t> </a:t>
-            </a:r>
-            <a:r>
-              <a:rPr lang="en-US" sz="1200" b="0" i="0" u="none" strike="noStrike" baseline="0" dirty="0">
-                <a:latin typeface="CIDFont+F1"/>
-              </a:rPr>
-              <a:t>the measurement of stakeholder satisfaction should form the basis of all improvement actions.</a:t>
-            </a:r>
-            <a:endParaRPr lang="pl-PL" sz="1200" b="0" i="0" u="none" strike="noStrike" baseline="0" dirty="0">
-              <a:latin typeface="CIDFont+F1"/>
-            </a:endParaRPr>
-          </a:p>
-          <a:p>
-            <a:pPr marL="0" marR="0" lvl="0" indent="0" algn="l" defTabSz="914400" rtl="0" eaLnBrk="1" fontAlgn="auto" latinLnBrk="0" hangingPunct="1">
-              <a:lnSpc>
-                <a:spcPct val="100000"/>
-              </a:lnSpc>
-              <a:spcBef>
-                <a:spcPts val="0"/>
-              </a:spcBef>
-              <a:spcAft>
-                <a:spcPts val="0"/>
-              </a:spcAft>
-              <a:buClrTx/>
-              <a:buSzTx/>
-              <a:buFontTx/>
-              <a:buNone/>
-              <a:tabLst/>
-              <a:defRPr/>
-            </a:pPr>
-            <a:endParaRPr lang="pl-PL" sz="1200" b="0" i="0" u="none" strike="noStrike" baseline="0" dirty="0"/>
-          </a:p>
-          <a:p>
+              <a:t>Cel utylitarny (opracowanie metody doskonalenia systemu zarządzania jakością uczelni, dostosowanego do specyfiki polskich uczelni technicznych, z wykorzystaniem pomiaru satysfakcji różnych grup interesariuszy jako jednego z mierników efektów działania uczelni) </a:t>
+            </a:r>
             <a:endParaRPr lang="pl-PL" dirty="0"/>
           </a:p>
         </p:txBody>
       </p:sp>
       <p:sp>
         <p:nvSpPr>
-          <p:cNvPr id="4" name="Slide Number Placeholder 3"/>
+          <p:cNvPr id="4" name="Slide Number Placeholder 3">
+            <a:extLst>
+              <a:ext uri="{FF2B5EF4-FFF2-40B4-BE49-F238E27FC236}">
+                <a16:creationId xmlns:a16="http://schemas.microsoft.com/office/drawing/2014/main" id="{82C63DC4-78B4-8F90-A9EA-718B97177BDD}"/>
+              </a:ext>
+            </a:extLst>
+          </p:cNvPr>
           <p:cNvSpPr>
             <a:spLocks noGrp="1"/>
           </p:cNvSpPr>
@@ -1345,7 +1159,7 @@
           <a:p>
             <a:fld id="{95B655DE-FF30-4D5D-A50E-CFE6AC1E1D06}" type="slidenum">
               <a:rPr lang="pl-PL" smtClean="0"/>
-              <a:t>28</a:t>
+              <a:t>26</a:t>
             </a:fld>
             <a:endParaRPr lang="pl-PL"/>
           </a:p>
@@ -1354,7 +1168,7 @@
     </p:spTree>
     <p:extLst>
       <p:ext uri="{BB962C8B-B14F-4D97-AF65-F5344CB8AC3E}">
-        <p14:creationId xmlns:p14="http://schemas.microsoft.com/office/powerpoint/2010/main" val="3492758184"/>
+        <p14:creationId xmlns:p14="http://schemas.microsoft.com/office/powerpoint/2010/main" val="4148074130"/>
       </p:ext>
     </p:extLst>
   </p:cSld>
@@ -1871,7 +1685,13 @@
   <p:cSld>
     <p:spTree>
       <p:nvGrpSpPr>
-        <p:cNvPr id="1" name=""/>
+        <p:cNvPr id="1" name="">
+          <a:extLst>
+            <a:ext uri="{FF2B5EF4-FFF2-40B4-BE49-F238E27FC236}">
+              <a16:creationId xmlns:a16="http://schemas.microsoft.com/office/drawing/2014/main" id="{BEF2C0A9-3340-3BA7-A0E0-0E811A49A3C7}"/>
+            </a:ext>
+          </a:extLst>
+        </p:cNvPr>
         <p:cNvGrpSpPr/>
         <p:nvPr/>
       </p:nvGrpSpPr>
@@ -1885,7 +1705,13 @@
       </p:grpSpPr>
       <p:sp>
         <p:nvSpPr>
-          <p:cNvPr id="2" name="Symbol zastępczy obrazu slajdu 1"/>
+          <p:cNvPr id="2" name="Slide Image Placeholder 1">
+            <a:extLst>
+              <a:ext uri="{FF2B5EF4-FFF2-40B4-BE49-F238E27FC236}">
+                <a16:creationId xmlns:a16="http://schemas.microsoft.com/office/drawing/2014/main" id="{928EC20D-AF08-56D9-9EB2-1246729F6142}"/>
+              </a:ext>
+            </a:extLst>
+          </p:cNvPr>
           <p:cNvSpPr>
             <a:spLocks noGrp="1" noRot="1" noChangeAspect="1"/>
           </p:cNvSpPr>
@@ -1897,7 +1723,13 @@
       </p:sp>
       <p:sp>
         <p:nvSpPr>
-          <p:cNvPr id="3" name="Symbol zastępczy notatek 2"/>
+          <p:cNvPr id="3" name="Notes Placeholder 2">
+            <a:extLst>
+              <a:ext uri="{FF2B5EF4-FFF2-40B4-BE49-F238E27FC236}">
+                <a16:creationId xmlns:a16="http://schemas.microsoft.com/office/drawing/2014/main" id="{173C16E5-5E92-ADBD-16C3-AF10FD6AC526}"/>
+              </a:ext>
+            </a:extLst>
+          </p:cNvPr>
           <p:cNvSpPr>
             <a:spLocks noGrp="1"/>
           </p:cNvSpPr>
@@ -1910,29 +1742,27 @@
           <a:bodyPr/>
           <a:lstStyle/>
           <a:p>
-            <a:r>
-              <a:rPr lang="pl-PL" dirty="0"/>
-              <a:t>Ad. 3. </a:t>
-            </a:r>
-            <a:r>
-              <a:rPr lang="en-US" dirty="0"/>
-              <a:t>Number of rights for awarding the degree</a:t>
-            </a:r>
-            <a:r>
-              <a:rPr lang="pl-PL" dirty="0"/>
-              <a:t> of </a:t>
-            </a:r>
-            <a:r>
-              <a:rPr lang="pl-PL" dirty="0" err="1"/>
-              <a:t>doctor</a:t>
-            </a:r>
-            <a:r>
-              <a:rPr lang="pl-PL" dirty="0"/>
-              <a:t> </a:t>
-            </a:r>
-            <a:r>
-              <a:rPr lang="pl-PL" dirty="0" err="1"/>
-              <a:t>habilitus</a:t>
+            <a:pPr algn="l"/>
+            <a:r>
+              <a:rPr lang="pl-PL" sz="1200" b="0" i="0" u="none" strike="noStrike" baseline="0" dirty="0">
+                <a:latin typeface="CIDFont+F1"/>
+              </a:rPr>
+              <a:t>Cel poznawczy (</a:t>
+            </a:r>
+            <a:r>
+              <a:rPr lang="pl-PL" sz="1200" b="0" i="1" u="none" strike="noStrike" baseline="0" dirty="0">
+                <a:latin typeface="CIDFont+F3"/>
+              </a:rPr>
+              <a:t>identyfikacja skutecznych z perspektywy doskonalenia systemu zarządzania jakością metod pomiaru i analizy poziomu satysfakcji interesariuszy jako miernika jakości)</a:t>
+            </a:r>
+          </a:p>
+          <a:p>
+            <a:pPr algn="l"/>
+            <a:r>
+              <a:rPr lang="pl-PL" sz="1200" b="0" i="0" u="none" strike="noStrike" baseline="0" dirty="0">
+                <a:latin typeface="CIDFont+F1"/>
+              </a:rPr>
+              <a:t>Cel utylitarny (opracowanie metody doskonalenia systemu zarządzania jakością uczelni, dostosowanego do specyfiki polskich uczelni technicznych, z wykorzystaniem pomiaru satysfakcji różnych grup interesariuszy jako jednego z mierników efektów działania uczelni) </a:t>
             </a:r>
             <a:endParaRPr lang="pl-PL" dirty="0"/>
           </a:p>
@@ -1940,7 +1770,13 @@
       </p:sp>
       <p:sp>
         <p:nvSpPr>
-          <p:cNvPr id="4" name="Symbol zastępczy numeru slajdu 3"/>
+          <p:cNvPr id="4" name="Slide Number Placeholder 3">
+            <a:extLst>
+              <a:ext uri="{FF2B5EF4-FFF2-40B4-BE49-F238E27FC236}">
+                <a16:creationId xmlns:a16="http://schemas.microsoft.com/office/drawing/2014/main" id="{9AF23F1A-E7F9-D59D-C895-E98314CB5127}"/>
+              </a:ext>
+            </a:extLst>
+          </p:cNvPr>
           <p:cNvSpPr>
             <a:spLocks noGrp="1"/>
           </p:cNvSpPr>
@@ -1955,7 +1791,7 @@
           <a:p>
             <a:fld id="{95B655DE-FF30-4D5D-A50E-CFE6AC1E1D06}" type="slidenum">
               <a:rPr lang="pl-PL" smtClean="0"/>
-              <a:t>11</a:t>
+              <a:t>10</a:t>
             </a:fld>
             <a:endParaRPr lang="pl-PL"/>
           </a:p>
@@ -1964,7 +1800,7 @@
     </p:spTree>
     <p:extLst>
       <p:ext uri="{BB962C8B-B14F-4D97-AF65-F5344CB8AC3E}">
-        <p14:creationId xmlns:p14="http://schemas.microsoft.com/office/powerpoint/2010/main" val="3999551788"/>
+        <p14:creationId xmlns:p14="http://schemas.microsoft.com/office/powerpoint/2010/main" val="4274058200"/>
       </p:ext>
     </p:extLst>
   </p:cSld>
@@ -1993,6 +1829,114 @@
       </p:grpSpPr>
       <p:sp>
         <p:nvSpPr>
+          <p:cNvPr id="2" name="Symbol zastępczy obrazu slajdu 1"/>
+          <p:cNvSpPr>
+            <a:spLocks noGrp="1" noRot="1" noChangeAspect="1"/>
+          </p:cNvSpPr>
+          <p:nvPr>
+            <p:ph type="sldImg"/>
+          </p:nvPr>
+        </p:nvSpPr>
+        <p:spPr/>
+      </p:sp>
+      <p:sp>
+        <p:nvSpPr>
+          <p:cNvPr id="3" name="Symbol zastępczy notatek 2"/>
+          <p:cNvSpPr>
+            <a:spLocks noGrp="1"/>
+          </p:cNvSpPr>
+          <p:nvPr>
+            <p:ph type="body" idx="1"/>
+          </p:nvPr>
+        </p:nvSpPr>
+        <p:spPr/>
+        <p:txBody>
+          <a:bodyPr/>
+          <a:lstStyle/>
+          <a:p>
+            <a:r>
+              <a:rPr lang="pl-PL" dirty="0"/>
+              <a:t>Ad. 3. </a:t>
+            </a:r>
+            <a:r>
+              <a:rPr lang="en-US" dirty="0"/>
+              <a:t>Number of rights for awarding the degree</a:t>
+            </a:r>
+            <a:r>
+              <a:rPr lang="pl-PL" dirty="0"/>
+              <a:t> of </a:t>
+            </a:r>
+            <a:r>
+              <a:rPr lang="pl-PL" dirty="0" err="1"/>
+              <a:t>doctor</a:t>
+            </a:r>
+            <a:r>
+              <a:rPr lang="pl-PL" dirty="0"/>
+              <a:t> </a:t>
+            </a:r>
+            <a:r>
+              <a:rPr lang="pl-PL" dirty="0" err="1"/>
+              <a:t>habilitus</a:t>
+            </a:r>
+            <a:endParaRPr lang="pl-PL" dirty="0"/>
+          </a:p>
+        </p:txBody>
+      </p:sp>
+      <p:sp>
+        <p:nvSpPr>
+          <p:cNvPr id="4" name="Symbol zastępczy numeru slajdu 3"/>
+          <p:cNvSpPr>
+            <a:spLocks noGrp="1"/>
+          </p:cNvSpPr>
+          <p:nvPr>
+            <p:ph type="sldNum" sz="quarter" idx="5"/>
+          </p:nvPr>
+        </p:nvSpPr>
+        <p:spPr/>
+        <p:txBody>
+          <a:bodyPr/>
+          <a:lstStyle/>
+          <a:p>
+            <a:fld id="{95B655DE-FF30-4D5D-A50E-CFE6AC1E1D06}" type="slidenum">
+              <a:rPr lang="pl-PL" smtClean="0"/>
+              <a:t>12</a:t>
+            </a:fld>
+            <a:endParaRPr lang="pl-PL"/>
+          </a:p>
+        </p:txBody>
+      </p:sp>
+    </p:spTree>
+    <p:extLst>
+      <p:ext uri="{BB962C8B-B14F-4D97-AF65-F5344CB8AC3E}">
+        <p14:creationId xmlns:p14="http://schemas.microsoft.com/office/powerpoint/2010/main" val="3999551788"/>
+      </p:ext>
+    </p:extLst>
+  </p:cSld>
+  <p:clrMapOvr>
+    <a:masterClrMapping/>
+  </p:clrMapOvr>
+</p:notes>
+</file>
+
+<file path=ppt/notesSlides/notesSlide7.xml><?xml version="1.0" encoding="utf-8"?>
+<p:notes xmlns:a="http://schemas.openxmlformats.org/drawingml/2006/main" xmlns:r="http://schemas.openxmlformats.org/officeDocument/2006/relationships" xmlns:p="http://schemas.openxmlformats.org/presentationml/2006/main">
+  <p:cSld>
+    <p:spTree>
+      <p:nvGrpSpPr>
+        <p:cNvPr id="1" name=""/>
+        <p:cNvGrpSpPr/>
+        <p:nvPr/>
+      </p:nvGrpSpPr>
+      <p:grpSpPr>
+        <a:xfrm>
+          <a:off x="0" y="0"/>
+          <a:ext cx="0" cy="0"/>
+          <a:chOff x="0" y="0"/>
+          <a:chExt cx="0" cy="0"/>
+        </a:xfrm>
+      </p:grpSpPr>
+      <p:sp>
+        <p:nvSpPr>
           <p:cNvPr id="2" name="Slide Image Placeholder 1"/>
           <p:cNvSpPr>
             <a:spLocks noGrp="1" noRot="1" noChangeAspect="1"/>
@@ -2061,7 +2005,7 @@
           <a:p>
             <a:fld id="{95B655DE-FF30-4D5D-A50E-CFE6AC1E1D06}" type="slidenum">
               <a:rPr lang="pl-PL" smtClean="0"/>
-              <a:t>12</a:t>
+              <a:t>13</a:t>
             </a:fld>
             <a:endParaRPr lang="pl-PL"/>
           </a:p>
@@ -2080,7 +2024,7 @@
 </p:notes>
 </file>
 
-<file path=ppt/notesSlides/notesSlide7.xml><?xml version="1.0" encoding="utf-8"?>
+<file path=ppt/notesSlides/notesSlide8.xml><?xml version="1.0" encoding="utf-8"?>
 <p:notes xmlns:a="http://schemas.openxmlformats.org/drawingml/2006/main" xmlns:r="http://schemas.openxmlformats.org/officeDocument/2006/relationships" xmlns:p="http://schemas.openxmlformats.org/presentationml/2006/main">
   <p:cSld>
     <p:spTree>
@@ -2191,7 +2135,7 @@
           <a:p>
             <a:fld id="{95B655DE-FF30-4D5D-A50E-CFE6AC1E1D06}" type="slidenum">
               <a:rPr lang="pl-PL" smtClean="0"/>
-              <a:t>13</a:t>
+              <a:t>14</a:t>
             </a:fld>
             <a:endParaRPr lang="pl-PL"/>
           </a:p>
@@ -2201,102 +2145,6 @@
     <p:extLst>
       <p:ext uri="{BB962C8B-B14F-4D97-AF65-F5344CB8AC3E}">
         <p14:creationId xmlns:p14="http://schemas.microsoft.com/office/powerpoint/2010/main" val="981100439"/>
-      </p:ext>
-    </p:extLst>
-  </p:cSld>
-  <p:clrMapOvr>
-    <a:masterClrMapping/>
-  </p:clrMapOvr>
-</p:notes>
-</file>
-
-<file path=ppt/notesSlides/notesSlide8.xml><?xml version="1.0" encoding="utf-8"?>
-<p:notes xmlns:a="http://schemas.openxmlformats.org/drawingml/2006/main" xmlns:r="http://schemas.openxmlformats.org/officeDocument/2006/relationships" xmlns:p="http://schemas.openxmlformats.org/presentationml/2006/main">
-  <p:cSld>
-    <p:spTree>
-      <p:nvGrpSpPr>
-        <p:cNvPr id="1" name=""/>
-        <p:cNvGrpSpPr/>
-        <p:nvPr/>
-      </p:nvGrpSpPr>
-      <p:grpSpPr>
-        <a:xfrm>
-          <a:off x="0" y="0"/>
-          <a:ext cx="0" cy="0"/>
-          <a:chOff x="0" y="0"/>
-          <a:chExt cx="0" cy="0"/>
-        </a:xfrm>
-      </p:grpSpPr>
-      <p:sp>
-        <p:nvSpPr>
-          <p:cNvPr id="2" name="Slide Image Placeholder 1"/>
-          <p:cNvSpPr>
-            <a:spLocks noGrp="1" noRot="1" noChangeAspect="1"/>
-          </p:cNvSpPr>
-          <p:nvPr>
-            <p:ph type="sldImg"/>
-          </p:nvPr>
-        </p:nvSpPr>
-        <p:spPr/>
-      </p:sp>
-      <p:sp>
-        <p:nvSpPr>
-          <p:cNvPr id="3" name="Notes Placeholder 2"/>
-          <p:cNvSpPr>
-            <a:spLocks noGrp="1"/>
-          </p:cNvSpPr>
-          <p:nvPr>
-            <p:ph type="body" idx="1"/>
-          </p:nvPr>
-        </p:nvSpPr>
-        <p:spPr/>
-        <p:txBody>
-          <a:bodyPr/>
-          <a:lstStyle/>
-          <a:p>
-            <a:r>
-              <a:rPr lang="en-US" sz="1200" b="0" i="0" u="none" strike="noStrike" baseline="0" dirty="0"/>
-              <a:t>The notion of quality of education and conditions of its quantification at the</a:t>
-            </a:r>
-            <a:r>
-              <a:rPr lang="pl-PL" sz="1200" b="0" i="0" u="none" strike="noStrike" baseline="0" dirty="0"/>
-              <a:t> </a:t>
-            </a:r>
-            <a:r>
-              <a:rPr lang="en-US" sz="1200" b="0" i="0" u="none" strike="noStrike" baseline="0" dirty="0"/>
-              <a:t>universities</a:t>
-            </a:r>
-            <a:endParaRPr lang="pl-PL" dirty="0"/>
-          </a:p>
-        </p:txBody>
-      </p:sp>
-      <p:sp>
-        <p:nvSpPr>
-          <p:cNvPr id="4" name="Slide Number Placeholder 3"/>
-          <p:cNvSpPr>
-            <a:spLocks noGrp="1"/>
-          </p:cNvSpPr>
-          <p:nvPr>
-            <p:ph type="sldNum" sz="quarter" idx="5"/>
-          </p:nvPr>
-        </p:nvSpPr>
-        <p:spPr/>
-        <p:txBody>
-          <a:bodyPr/>
-          <a:lstStyle/>
-          <a:p>
-            <a:fld id="{95B655DE-FF30-4D5D-A50E-CFE6AC1E1D06}" type="slidenum">
-              <a:rPr lang="pl-PL" smtClean="0"/>
-              <a:t>14</a:t>
-            </a:fld>
-            <a:endParaRPr lang="pl-PL"/>
-          </a:p>
-        </p:txBody>
-      </p:sp>
-    </p:spTree>
-    <p:extLst>
-      <p:ext uri="{BB962C8B-B14F-4D97-AF65-F5344CB8AC3E}">
-        <p14:creationId xmlns:p14="http://schemas.microsoft.com/office/powerpoint/2010/main" val="4248253610"/>
       </p:ext>
     </p:extLst>
   </p:cSld>
@@ -2351,24 +2199,17 @@
           <a:lstStyle/>
           <a:p>
             <a:r>
-              <a:rPr lang="pl-PL" dirty="0"/>
-              <a:t>Uczelnie techniczne nadzorowane przez Ministerstwo Edukacji i Nauki plus Politechnika Bydgoska (klasyfikowana przez Ministerstwo jako uczelnia przyrodnicza)</a:t>
-            </a:r>
-          </a:p>
-          <a:p>
-            <a:r>
-              <a:rPr lang="pl-PL" dirty="0"/>
-              <a:t>Uczelnie nadzorowane przez Ministerstwo Infrastruktury: Politechnika Morska w Szczecinie, Uniwersytet Morski w Gdyni</a:t>
-            </a:r>
-          </a:p>
-          <a:p>
-            <a:r>
-              <a:rPr lang="pl-PL" dirty="0"/>
-              <a:t>Nadzorowane przez Ministerstwo Obrony Narodowej: WAT (Wojskowa Akademia Techniczna)</a:t>
-            </a:r>
-            <a:br>
-              <a:rPr lang="pl-PL" dirty="0"/>
-            </a:br>
+              <a:rPr lang="en-US" sz="1200" b="0" i="0" u="none" strike="noStrike" baseline="0" dirty="0"/>
+              <a:t>The notion of quality of education and conditions of its quantification at the</a:t>
+            </a:r>
+            <a:r>
+              <a:rPr lang="pl-PL" sz="1200" b="0" i="0" u="none" strike="noStrike" baseline="0" dirty="0"/>
+              <a:t> </a:t>
+            </a:r>
+            <a:r>
+              <a:rPr lang="en-US" sz="1200" b="0" i="0" u="none" strike="noStrike" baseline="0" dirty="0"/>
+              <a:t>universities</a:t>
+            </a:r>
             <a:endParaRPr lang="pl-PL" dirty="0"/>
           </a:p>
         </p:txBody>
@@ -2390,7 +2231,7 @@
           <a:p>
             <a:fld id="{95B655DE-FF30-4D5D-A50E-CFE6AC1E1D06}" type="slidenum">
               <a:rPr lang="pl-PL" smtClean="0"/>
-              <a:t>18</a:t>
+              <a:t>15</a:t>
             </a:fld>
             <a:endParaRPr lang="pl-PL"/>
           </a:p>
@@ -2399,7 +2240,7 @@
     </p:spTree>
     <p:extLst>
       <p:ext uri="{BB962C8B-B14F-4D97-AF65-F5344CB8AC3E}">
-        <p14:creationId xmlns:p14="http://schemas.microsoft.com/office/powerpoint/2010/main" val="2717885610"/>
+        <p14:creationId xmlns:p14="http://schemas.microsoft.com/office/powerpoint/2010/main" val="4248253610"/>
       </p:ext>
     </p:extLst>
   </p:cSld>
@@ -2586,7 +2427,7 @@
           <a:p>
             <a:fld id="{F0EF8B8A-156A-435C-AD97-E523B40FBEC6}" type="datetime1">
               <a:rPr lang="pl-PL" smtClean="0"/>
-              <a:t>28.11.2024</a:t>
+              <a:t>02.12.2024</a:t>
             </a:fld>
             <a:endParaRPr lang="pl-PL" dirty="0"/>
           </a:p>
@@ -2837,7 +2678,7 @@
           <a:p>
             <a:fld id="{6D267998-9FE6-4DC5-B510-9D5DDF5DDD4E}" type="datetime1">
               <a:rPr lang="pl-PL" smtClean="0"/>
-              <a:t>28.11.2024</a:t>
+              <a:t>02.12.2024</a:t>
             </a:fld>
             <a:endParaRPr lang="pl-PL"/>
           </a:p>
@@ -3047,7 +2888,7 @@
           <a:p>
             <a:fld id="{0D4DDDB4-675E-47A0-B021-EDCA5866B50A}" type="datetime1">
               <a:rPr lang="pl-PL" smtClean="0"/>
-              <a:t>28.11.2024</a:t>
+              <a:t>02.12.2024</a:t>
             </a:fld>
             <a:endParaRPr lang="pl-PL"/>
           </a:p>
@@ -3398,7 +3239,7 @@
           <a:p>
             <a:fld id="{DA999596-79E2-47B9-BE05-8BA149DDBEB8}" type="datetime1">
               <a:rPr lang="pl-PL" smtClean="0"/>
-              <a:t>28.11.2024</a:t>
+              <a:t>02.12.2024</a:t>
             </a:fld>
             <a:endParaRPr lang="pl-PL" dirty="0"/>
           </a:p>
@@ -3694,7 +3535,7 @@
           <a:p>
             <a:fld id="{75B5E9CE-1D79-43DA-9F33-E75AC39DFDD8}" type="datetime1">
               <a:rPr lang="pl-PL" smtClean="0"/>
-              <a:t>28.11.2024</a:t>
+              <a:t>02.12.2024</a:t>
             </a:fld>
             <a:endParaRPr lang="pl-PL"/>
           </a:p>
@@ -4068,7 +3909,7 @@
           <a:p>
             <a:fld id="{7C3477A2-E204-4FE0-9357-9D746BEC6204}" type="datetime1">
               <a:rPr lang="pl-PL" smtClean="0"/>
-              <a:t>28.11.2024</a:t>
+              <a:t>02.12.2024</a:t>
             </a:fld>
             <a:endParaRPr lang="pl-PL" dirty="0"/>
           </a:p>
@@ -4570,7 +4411,7 @@
           <a:p>
             <a:fld id="{ABFFCD06-3475-4CDD-804B-4C2809B5A13A}" type="datetime1">
               <a:rPr lang="pl-PL" smtClean="0"/>
-              <a:t>28.11.2024</a:t>
+              <a:t>02.12.2024</a:t>
             </a:fld>
             <a:endParaRPr lang="pl-PL"/>
           </a:p>
@@ -4712,7 +4553,7 @@
           <a:p>
             <a:fld id="{D5BDAB46-48FF-4D68-9F01-A14A7B3B09A5}" type="datetime1">
               <a:rPr lang="pl-PL" smtClean="0"/>
-              <a:t>28.11.2024</a:t>
+              <a:t>02.12.2024</a:t>
             </a:fld>
             <a:endParaRPr lang="pl-PL"/>
           </a:p>
@@ -4825,7 +4666,7 @@
           <a:p>
             <a:fld id="{3723169C-5DAD-43A4-A9F4-0546DD4F92EF}" type="datetime1">
               <a:rPr lang="pl-PL" smtClean="0"/>
-              <a:t>28.11.2024</a:t>
+              <a:t>02.12.2024</a:t>
             </a:fld>
             <a:endParaRPr lang="pl-PL"/>
           </a:p>
@@ -5174,7 +5015,7 @@
           <a:p>
             <a:fld id="{84232DA5-5ACB-4357-B607-7FAA6ABE8D2E}" type="datetime1">
               <a:rPr lang="pl-PL" smtClean="0"/>
-              <a:t>28.11.2024</a:t>
+              <a:t>02.12.2024</a:t>
             </a:fld>
             <a:endParaRPr lang="pl-PL"/>
           </a:p>
@@ -5467,7 +5308,7 @@
           <a:p>
             <a:fld id="{D6D8E8D5-B667-465B-923C-8AE64D9B5C50}" type="datetime1">
               <a:rPr lang="pl-PL" smtClean="0"/>
-              <a:t>28.11.2024</a:t>
+              <a:t>02.12.2024</a:t>
             </a:fld>
             <a:endParaRPr lang="pl-PL"/>
           </a:p>
@@ -5710,7 +5551,7 @@
           <a:p>
             <a:fld id="{CF5EBC61-B65A-4F86-AC7A-820DD48DEEE0}" type="datetime1">
               <a:rPr lang="pl-PL" smtClean="0"/>
-              <a:t>28.11.2024</a:t>
+              <a:t>02.12.2024</a:t>
             </a:fld>
             <a:endParaRPr lang="pl-PL" dirty="0"/>
           </a:p>
@@ -6267,6 +6108,253 @@
   <p:cSld>
     <p:spTree>
       <p:nvGrpSpPr>
+        <p:cNvPr id="1" name="">
+          <a:extLst>
+            <a:ext uri="{FF2B5EF4-FFF2-40B4-BE49-F238E27FC236}">
+              <a16:creationId xmlns:a16="http://schemas.microsoft.com/office/drawing/2014/main" id="{781D2269-FAD9-5B18-90A4-912F7B46E83A}"/>
+            </a:ext>
+          </a:extLst>
+        </p:cNvPr>
+        <p:cNvGrpSpPr/>
+        <p:nvPr/>
+      </p:nvGrpSpPr>
+      <p:grpSpPr>
+        <a:xfrm>
+          <a:off x="0" y="0"/>
+          <a:ext cx="0" cy="0"/>
+          <a:chOff x="0" y="0"/>
+          <a:chExt cx="0" cy="0"/>
+        </a:xfrm>
+      </p:grpSpPr>
+      <p:sp>
+        <p:nvSpPr>
+          <p:cNvPr id="2" name="Tytuł 1">
+            <a:extLst>
+              <a:ext uri="{FF2B5EF4-FFF2-40B4-BE49-F238E27FC236}">
+                <a16:creationId xmlns:a16="http://schemas.microsoft.com/office/drawing/2014/main" id="{EF212325-BC55-E779-65B5-DD417C01BDD0}"/>
+              </a:ext>
+            </a:extLst>
+          </p:cNvPr>
+          <p:cNvSpPr>
+            <a:spLocks noGrp="1"/>
+          </p:cNvSpPr>
+          <p:nvPr>
+            <p:ph type="title"/>
+          </p:nvPr>
+        </p:nvSpPr>
+        <p:spPr/>
+        <p:txBody>
+          <a:bodyPr/>
+          <a:lstStyle/>
+          <a:p>
+            <a:r>
+              <a:rPr lang="pl-PL" dirty="0"/>
+              <a:t>Ważniejsze wnioski z badań</a:t>
+            </a:r>
+          </a:p>
+        </p:txBody>
+      </p:sp>
+      <p:sp>
+        <p:nvSpPr>
+          <p:cNvPr id="3" name="Symbol zastępczy zawartości 2">
+            <a:extLst>
+              <a:ext uri="{FF2B5EF4-FFF2-40B4-BE49-F238E27FC236}">
+                <a16:creationId xmlns:a16="http://schemas.microsoft.com/office/drawing/2014/main" id="{B2BC0BE2-7152-0051-1C58-7AA30D178B43}"/>
+              </a:ext>
+            </a:extLst>
+          </p:cNvPr>
+          <p:cNvSpPr>
+            <a:spLocks noGrp="1"/>
+          </p:cNvSpPr>
+          <p:nvPr>
+            <p:ph idx="1"/>
+          </p:nvPr>
+        </p:nvSpPr>
+        <p:spPr/>
+        <p:txBody>
+          <a:bodyPr>
+            <a:normAutofit/>
+          </a:bodyPr>
+          <a:lstStyle/>
+          <a:p>
+            <a:pPr algn="l"/>
+            <a:r>
+              <a:rPr lang="pl-PL" sz="2400" dirty="0">
+                <a:latin typeface="Calibri" panose="020F0502020204030204" pitchFamily="34" charset="0"/>
+                <a:cs typeface="Calibri" panose="020F0502020204030204" pitchFamily="34" charset="0"/>
+              </a:rPr>
+              <a:t>Brak reprezentatywności badania satysfakcji interesariuszy</a:t>
+            </a:r>
+          </a:p>
+          <a:p>
+            <a:pPr marL="457200" lvl="1" indent="0">
+              <a:buNone/>
+            </a:pPr>
+            <a:r>
+              <a:rPr lang="pl-PL" sz="2200" dirty="0">
+                <a:latin typeface="Calibri" panose="020F0502020204030204" pitchFamily="34" charset="0"/>
+                <a:cs typeface="Calibri" panose="020F0502020204030204" pitchFamily="34" charset="0"/>
+              </a:rPr>
+              <a:t>[ograniczenia badania kwestionariuszowego]</a:t>
+            </a:r>
+          </a:p>
+          <a:p>
+            <a:pPr algn="l"/>
+            <a:r>
+              <a:rPr lang="pl-PL" sz="2400" b="0" i="0" u="none" strike="noStrike" baseline="0" dirty="0">
+                <a:latin typeface="Calibri" panose="020F0502020204030204" pitchFamily="34" charset="0"/>
+                <a:cs typeface="Calibri" panose="020F0502020204030204" pitchFamily="34" charset="0"/>
+              </a:rPr>
+              <a:t>Absolwenci uczelni technicznych – wyższe zarobki po 3 latach</a:t>
+            </a:r>
+            <a:endParaRPr lang="pl-PL" sz="2400" dirty="0">
+              <a:latin typeface="Calibri" panose="020F0502020204030204" pitchFamily="34" charset="0"/>
+              <a:cs typeface="Calibri" panose="020F0502020204030204" pitchFamily="34" charset="0"/>
+            </a:endParaRPr>
+          </a:p>
+          <a:p>
+            <a:pPr algn="l"/>
+            <a:r>
+              <a:rPr lang="pl-PL" sz="2400" dirty="0">
+                <a:latin typeface="Calibri" panose="020F0502020204030204" pitchFamily="34" charset="0"/>
+                <a:cs typeface="Calibri" panose="020F0502020204030204" pitchFamily="34" charset="0"/>
+              </a:rPr>
+              <a:t>Absolwenci uczelni technicznych – w pierwszym roku niższa stopa zatrudnienia</a:t>
+            </a:r>
+          </a:p>
+          <a:p>
+            <a:pPr algn="l"/>
+            <a:r>
+              <a:rPr lang="pl-PL" sz="2400" b="0" i="0" u="none" strike="noStrike" baseline="0" dirty="0">
+                <a:latin typeface="Calibri" panose="020F0502020204030204" pitchFamily="34" charset="0"/>
+                <a:cs typeface="Calibri" panose="020F0502020204030204" pitchFamily="34" charset="0"/>
+              </a:rPr>
+              <a:t>Uczelnie techniczne – wyższe pozycje w rankingach</a:t>
+            </a:r>
+          </a:p>
+          <a:p>
+            <a:pPr marL="457200" lvl="1" indent="0">
+              <a:buNone/>
+            </a:pPr>
+            <a:r>
+              <a:rPr lang="pl-PL" sz="2200" dirty="0">
+                <a:latin typeface="Calibri" panose="020F0502020204030204" pitchFamily="34" charset="0"/>
+                <a:cs typeface="Calibri" panose="020F0502020204030204" pitchFamily="34" charset="0"/>
+              </a:rPr>
+              <a:t>[</a:t>
+            </a:r>
+            <a:r>
+              <a:rPr lang="pl-PL" sz="2200" i="1" dirty="0">
+                <a:latin typeface="Calibri" panose="020F0502020204030204" pitchFamily="34" charset="0"/>
+                <a:cs typeface="Calibri" panose="020F0502020204030204" pitchFamily="34" charset="0"/>
+              </a:rPr>
+              <a:t>brak podstaw do odrzucenia H4</a:t>
+            </a:r>
+            <a:r>
+              <a:rPr lang="pl-PL" sz="2200" dirty="0">
+                <a:latin typeface="Calibri" panose="020F0502020204030204" pitchFamily="34" charset="0"/>
+                <a:cs typeface="Calibri" panose="020F0502020204030204" pitchFamily="34" charset="0"/>
+              </a:rPr>
+              <a:t>]</a:t>
+            </a:r>
+            <a:endParaRPr lang="pl-PL" sz="2200" b="0" i="0" u="none" strike="noStrike" baseline="0" dirty="0">
+              <a:latin typeface="Calibri" panose="020F0502020204030204" pitchFamily="34" charset="0"/>
+              <a:cs typeface="Calibri" panose="020F0502020204030204" pitchFamily="34" charset="0"/>
+            </a:endParaRPr>
+          </a:p>
+          <a:p>
+            <a:pPr algn="l"/>
+            <a:r>
+              <a:rPr lang="pl-PL" sz="2400" dirty="0">
+                <a:latin typeface="Calibri" panose="020F0502020204030204" pitchFamily="34" charset="0"/>
+                <a:cs typeface="Calibri" panose="020F0502020204030204" pitchFamily="34" charset="0"/>
+              </a:rPr>
+              <a:t>Uczelnie techniczne – wyższe oceny prestiżu</a:t>
+            </a:r>
+          </a:p>
+          <a:p>
+            <a:pPr marL="457200" lvl="1" indent="0">
+              <a:buNone/>
+            </a:pPr>
+            <a:r>
+              <a:rPr lang="pl-PL" sz="2200" b="0" i="0" u="none" strike="noStrike" baseline="0" dirty="0">
+                <a:latin typeface="Calibri" panose="020F0502020204030204" pitchFamily="34" charset="0"/>
+                <a:cs typeface="Calibri" panose="020F0502020204030204" pitchFamily="34" charset="0"/>
+              </a:rPr>
+              <a:t>[</a:t>
+            </a:r>
+            <a:r>
+              <a:rPr lang="pl-PL" sz="2200" b="0" i="1" u="none" strike="noStrike" baseline="0" dirty="0">
+                <a:latin typeface="Calibri" panose="020F0502020204030204" pitchFamily="34" charset="0"/>
+                <a:cs typeface="Calibri" panose="020F0502020204030204" pitchFamily="34" charset="0"/>
+              </a:rPr>
+              <a:t>brak podstaw do odrzucenia H5</a:t>
+            </a:r>
+            <a:r>
+              <a:rPr lang="pl-PL" sz="2200" b="0" i="0" u="none" strike="noStrike" baseline="0" dirty="0">
+                <a:latin typeface="Calibri" panose="020F0502020204030204" pitchFamily="34" charset="0"/>
+                <a:cs typeface="Calibri" panose="020F0502020204030204" pitchFamily="34" charset="0"/>
+              </a:rPr>
+              <a:t>]</a:t>
+            </a:r>
+          </a:p>
+          <a:p>
+            <a:pPr algn="l"/>
+            <a:endParaRPr lang="pl-PL" sz="2400" b="0" i="0" u="none" strike="noStrike" baseline="0" dirty="0">
+              <a:latin typeface="Calibri" panose="020F0502020204030204" pitchFamily="34" charset="0"/>
+              <a:cs typeface="Calibri" panose="020F0502020204030204" pitchFamily="34" charset="0"/>
+            </a:endParaRPr>
+          </a:p>
+        </p:txBody>
+      </p:sp>
+      <p:sp>
+        <p:nvSpPr>
+          <p:cNvPr id="4" name="Slide Number Placeholder 3">
+            <a:extLst>
+              <a:ext uri="{FF2B5EF4-FFF2-40B4-BE49-F238E27FC236}">
+                <a16:creationId xmlns:a16="http://schemas.microsoft.com/office/drawing/2014/main" id="{5FA00D05-2F5D-F290-1724-F02AEC267064}"/>
+              </a:ext>
+            </a:extLst>
+          </p:cNvPr>
+          <p:cNvSpPr>
+            <a:spLocks noGrp="1"/>
+          </p:cNvSpPr>
+          <p:nvPr>
+            <p:ph type="sldNum" sz="quarter" idx="12"/>
+          </p:nvPr>
+        </p:nvSpPr>
+        <p:spPr/>
+        <p:txBody>
+          <a:bodyPr/>
+          <a:lstStyle/>
+          <a:p>
+            <a:fld id="{ADC9AAA0-29FB-4B62-AB65-7094BA6E939A}" type="slidenum">
+              <a:rPr lang="pl-PL" smtClean="0"/>
+              <a:pPr/>
+              <a:t>10</a:t>
+            </a:fld>
+            <a:endParaRPr lang="pl-PL" dirty="0"/>
+          </a:p>
+        </p:txBody>
+      </p:sp>
+    </p:spTree>
+    <p:extLst>
+      <p:ext uri="{BB962C8B-B14F-4D97-AF65-F5344CB8AC3E}">
+        <p14:creationId xmlns:p14="http://schemas.microsoft.com/office/powerpoint/2010/main" val="1259756568"/>
+      </p:ext>
+    </p:extLst>
+  </p:cSld>
+  <p:clrMapOvr>
+    <a:masterClrMapping/>
+  </p:clrMapOvr>
+</p:sld>
+</file>
+
+<file path=ppt/slides/slide11.xml><?xml version="1.0" encoding="utf-8"?>
+<p:sld xmlns:a="http://schemas.openxmlformats.org/drawingml/2006/main" xmlns:r="http://schemas.openxmlformats.org/officeDocument/2006/relationships" xmlns:p="http://schemas.openxmlformats.org/presentationml/2006/main">
+  <p:cSld>
+    <p:spTree>
+      <p:nvGrpSpPr>
         <p:cNvPr id="1" name=""/>
         <p:cNvGrpSpPr/>
         <p:nvPr/>
@@ -6326,18 +6414,13 @@
             <a:spLocks noGrp="1"/>
           </p:cNvSpPr>
           <p:nvPr>
-            <p:ph sz="half" idx="1"/>
-          </p:nvPr>
-        </p:nvSpPr>
-        <p:spPr>
-          <a:xfrm>
-            <a:off x="838199" y="1825625"/>
-            <a:ext cx="4565073" cy="4351338"/>
-          </a:xfrm>
-        </p:spPr>
+            <p:ph idx="1"/>
+          </p:nvPr>
+        </p:nvSpPr>
+        <p:spPr/>
         <p:txBody>
           <a:bodyPr>
-            <a:normAutofit fontScale="85000" lnSpcReduction="10000"/>
+            <a:normAutofit/>
           </a:bodyPr>
           <a:lstStyle/>
           <a:p>
@@ -6350,13 +6433,8 @@
             </a:br>
             <a:r>
               <a:rPr lang="pl-PL" sz="2400" dirty="0"/>
-              <a:t>(główne etapy)</a:t>
-            </a:r>
-          </a:p>
-          <a:p>
-            <a:pPr marL="0" indent="0">
-              <a:buNone/>
-            </a:pPr>
+              <a:t>(</a:t>
+            </a:r>
             <a:r>
               <a:rPr lang="en-GB" sz="2200" b="1" i="1" dirty="0"/>
               <a:t>S</a:t>
@@ -6396,16 +6474,79 @@
             <a:r>
               <a:rPr lang="en-GB" sz="2200" i="1" dirty="0"/>
               <a:t>anagement Model</a:t>
+            </a:r>
+            <a:r>
+              <a:rPr lang="pl-PL" sz="2200" i="1" dirty="0"/>
+              <a:t>)</a:t>
             </a:r>
             <a:br>
               <a:rPr lang="en-GB" sz="2200" dirty="0"/>
             </a:br>
-            <a:endParaRPr lang="pl-PL" sz="2200" dirty="0"/>
+            <a:endParaRPr lang="pl-PL" sz="2400" dirty="0"/>
           </a:p>
           <a:p>
             <a:r>
               <a:rPr lang="pl-PL" sz="2400" dirty="0"/>
-              <a:t>Wspiera zgodność z</a:t>
+              <a:t>fundamentem analiza interesariuszy</a:t>
+            </a:r>
+          </a:p>
+          <a:p>
+            <a:r>
+              <a:rPr lang="pl-PL" sz="2400" dirty="0"/>
+              <a:t>badania jakościowe i ilościowe</a:t>
+            </a:r>
+            <a:r>
+              <a:rPr lang="en-GB" sz="2400" dirty="0"/>
+              <a:t> </a:t>
+            </a:r>
+            <a:r>
+              <a:rPr lang="en-GB" sz="2400" b="1" dirty="0"/>
+              <a:t>→</a:t>
+            </a:r>
+            <a:r>
+              <a:rPr lang="en-GB" sz="2400" dirty="0"/>
+              <a:t> </a:t>
+            </a:r>
+            <a:r>
+              <a:rPr lang="pl-PL" sz="2400" u="sng" dirty="0"/>
+              <a:t>etapy</a:t>
+            </a:r>
+            <a:r>
+              <a:rPr lang="en-GB" sz="2400" u="sng" dirty="0"/>
+              <a:t> 3, 4, 5</a:t>
+            </a:r>
+          </a:p>
+          <a:p>
+            <a:r>
+              <a:rPr lang="pl-PL" sz="2400" dirty="0"/>
+              <a:t>wdrażanie - wybór metod zwinnych lub projektowych</a:t>
+            </a:r>
+            <a:r>
+              <a:rPr lang="en-GB" sz="2400" dirty="0"/>
+              <a:t> </a:t>
+            </a:r>
+            <a:r>
+              <a:rPr lang="en-GB" sz="2400" b="1" dirty="0"/>
+              <a:t>→</a:t>
+            </a:r>
+            <a:r>
+              <a:rPr lang="en-GB" sz="2400" dirty="0"/>
+              <a:t> </a:t>
+            </a:r>
+            <a:r>
+              <a:rPr lang="pl-PL" sz="2400" u="sng" dirty="0"/>
+              <a:t>etap</a:t>
+            </a:r>
+            <a:r>
+              <a:rPr lang="en-GB" sz="2400" u="sng" dirty="0"/>
+              <a:t> 7</a:t>
+            </a:r>
+            <a:endParaRPr lang="pl-PL" sz="2400" u="sng" dirty="0"/>
+          </a:p>
+          <a:p>
+            <a:r>
+              <a:rPr lang="pl-PL" sz="2400" dirty="0"/>
+              <a:t>wspiera zgodność z</a:t>
             </a:r>
             <a:r>
               <a:rPr lang="en-GB" sz="2400" dirty="0"/>
@@ -6415,6 +6556,49 @@
           <a:p>
             <a:pPr lvl="1"/>
             <a:r>
+              <a:rPr lang="pl-PL" sz="2000" dirty="0"/>
+              <a:t>wymaganiami </a:t>
+            </a:r>
+            <a:r>
+              <a:rPr lang="en-GB" sz="2000" dirty="0"/>
+              <a:t>P</a:t>
+            </a:r>
+            <a:r>
+              <a:rPr lang="pl-PL" sz="2000" dirty="0" err="1"/>
+              <a:t>olskiej</a:t>
+            </a:r>
+            <a:r>
+              <a:rPr lang="pl-PL" sz="2000" dirty="0"/>
+              <a:t> </a:t>
+            </a:r>
+            <a:r>
+              <a:rPr lang="en-GB" sz="2000" dirty="0"/>
+              <a:t>K</a:t>
+            </a:r>
+            <a:r>
+              <a:rPr lang="pl-PL" sz="2000" dirty="0" err="1"/>
+              <a:t>omisji</a:t>
+            </a:r>
+            <a:r>
+              <a:rPr lang="pl-PL" sz="2000" dirty="0"/>
+              <a:t> </a:t>
+            </a:r>
+            <a:r>
+              <a:rPr lang="en-GB" sz="2000" dirty="0"/>
+              <a:t>A</a:t>
+            </a:r>
+            <a:r>
+              <a:rPr lang="pl-PL" sz="2000" dirty="0" err="1"/>
+              <a:t>kredytacyjnej</a:t>
+            </a:r>
+            <a:r>
+              <a:rPr lang="pl-PL" sz="2000" dirty="0"/>
+              <a:t> (10 kryteriów jakości)</a:t>
+            </a:r>
+          </a:p>
+          <a:p>
+            <a:pPr lvl="1"/>
+            <a:r>
               <a:rPr lang="en-GB" sz="2000" dirty="0"/>
               <a:t>ISO</a:t>
             </a:r>
@@ -6426,86 +6610,18 @@
               <a:rPr lang="en-GB" sz="2000" dirty="0"/>
               <a:t>21001:2018</a:t>
             </a:r>
+            <a:r>
+              <a:rPr lang="pl-PL" sz="2000" dirty="0"/>
+              <a:t> (np. jako przygotowanie organizacji)</a:t>
+            </a:r>
+            <a:endParaRPr lang="en-GB" sz="2000" dirty="0"/>
           </a:p>
           <a:p>
             <a:pPr lvl="1"/>
-            <a:r>
-              <a:rPr lang="pl-PL" sz="2000" dirty="0"/>
-              <a:t>wymaganiami </a:t>
-            </a:r>
-            <a:r>
-              <a:rPr lang="en-GB" sz="2000" dirty="0"/>
-              <a:t>PKA</a:t>
-            </a:r>
-          </a:p>
-          <a:p>
-            <a:r>
-              <a:rPr lang="pl-PL" sz="2400" dirty="0"/>
-              <a:t>na podstawie faktów</a:t>
-            </a:r>
-            <a:r>
-              <a:rPr lang="en-GB" sz="2400" dirty="0"/>
-              <a:t> </a:t>
-            </a:r>
-            <a:r>
-              <a:rPr lang="en-GB" sz="2400" b="1" dirty="0"/>
-              <a:t>→</a:t>
-            </a:r>
-            <a:r>
-              <a:rPr lang="en-GB" sz="2400" dirty="0"/>
-              <a:t> </a:t>
-            </a:r>
-            <a:r>
-              <a:rPr lang="pl-PL" sz="2400" dirty="0"/>
-              <a:t>badania jakościowe i ilościowe</a:t>
-            </a:r>
-            <a:r>
-              <a:rPr lang="en-GB" sz="2400" dirty="0"/>
-              <a:t> </a:t>
-            </a:r>
-            <a:r>
-              <a:rPr lang="pl-PL" sz="2400" dirty="0"/>
-              <a:t>(</a:t>
-            </a:r>
-            <a:r>
-              <a:rPr lang="pl-PL" sz="2400" u="sng" dirty="0"/>
-              <a:t>etapy</a:t>
-            </a:r>
-            <a:r>
-              <a:rPr lang="en-GB" sz="2400" u="sng" dirty="0"/>
-              <a:t> 3, 4, 5</a:t>
-            </a:r>
-            <a:r>
-              <a:rPr lang="pl-PL" sz="2400" u="sng" dirty="0"/>
-              <a:t>)</a:t>
-            </a:r>
+            <a:endParaRPr lang="en-GB" sz="2000" dirty="0"/>
+          </a:p>
+          <a:p>
             <a:endParaRPr lang="en-GB" sz="2400" u="sng" dirty="0"/>
-          </a:p>
-          <a:p>
-            <a:r>
-              <a:rPr lang="pl-PL" sz="2400" dirty="0"/>
-              <a:t>wdrażanie - wybór metod zwinnych lub projektowych</a:t>
-            </a:r>
-            <a:r>
-              <a:rPr lang="en-GB" sz="2400" dirty="0"/>
-              <a:t> </a:t>
-            </a:r>
-            <a:r>
-              <a:rPr lang="en-GB" sz="2400" b="1" dirty="0"/>
-              <a:t>→</a:t>
-            </a:r>
-            <a:r>
-              <a:rPr lang="en-GB" sz="2400" dirty="0"/>
-              <a:t> </a:t>
-            </a:r>
-            <a:r>
-              <a:rPr lang="pl-PL" sz="2400" u="sng" dirty="0"/>
-              <a:t>etap</a:t>
-            </a:r>
-            <a:r>
-              <a:rPr lang="en-GB" sz="2400" u="sng" dirty="0"/>
-              <a:t> 7</a:t>
-            </a:r>
           </a:p>
           <a:p>
             <a:endParaRPr lang="en-GB" dirty="0"/>
@@ -6536,47 +6652,12 @@
             <a:fld id="{ADC9AAA0-29FB-4B62-AB65-7094BA6E939A}" type="slidenum">
               <a:rPr lang="pl-PL" smtClean="0"/>
               <a:pPr/>
-              <a:t>10</a:t>
+              <a:t>11</a:t>
             </a:fld>
             <a:endParaRPr lang="pl-PL" dirty="0"/>
           </a:p>
         </p:txBody>
       </p:sp>
-      <p:pic>
-        <p:nvPicPr>
-          <p:cNvPr id="13" name="Content Placeholder 12">
-            <a:extLst>
-              <a:ext uri="{FF2B5EF4-FFF2-40B4-BE49-F238E27FC236}">
-                <a16:creationId xmlns:a16="http://schemas.microsoft.com/office/drawing/2014/main" id="{832F76EC-66D5-F8D1-556C-8062AB273C47}"/>
-              </a:ext>
-            </a:extLst>
-          </p:cNvPr>
-          <p:cNvPicPr>
-            <a:picLocks noGrp="1" noChangeAspect="1"/>
-          </p:cNvPicPr>
-          <p:nvPr>
-            <p:ph sz="half" idx="2"/>
-          </p:nvPr>
-        </p:nvPicPr>
-        <p:blipFill>
-          <a:blip r:embed="rId2">
-            <a:extLst>
-              <a:ext uri="{28A0092B-C50C-407E-A947-70E740481C1C}">
-                <a14:useLocalDpi xmlns:a14="http://schemas.microsoft.com/office/drawing/2010/main" val="0"/>
-              </a:ext>
-            </a:extLst>
-          </a:blip>
-          <a:stretch>
-            <a:fillRect/>
-          </a:stretch>
-        </p:blipFill>
-        <p:spPr>
-          <a:xfrm>
-            <a:off x="5388072" y="1909646"/>
-            <a:ext cx="6641315" cy="3888000"/>
-          </a:xfrm>
-        </p:spPr>
-      </p:pic>
     </p:spTree>
     <p:extLst>
       <p:ext uri="{BB962C8B-B14F-4D97-AF65-F5344CB8AC3E}">
@@ -6590,7 +6671,7 @@
 </p:sld>
 </file>
 
-<file path=ppt/slides/slide11.xml><?xml version="1.0" encoding="utf-8"?>
+<file path=ppt/slides/slide12.xml><?xml version="1.0" encoding="utf-8"?>
 <p:sld xmlns:a="http://schemas.openxmlformats.org/drawingml/2006/main" xmlns:r="http://schemas.openxmlformats.org/officeDocument/2006/relationships" xmlns:p="http://schemas.openxmlformats.org/presentationml/2006/main">
   <p:cSld>
     <p:spTree>
@@ -7293,7 +7374,7 @@
             <a:fld id="{ADC9AAA0-29FB-4B62-AB65-7094BA6E939A}" type="slidenum">
               <a:rPr lang="pl-PL" smtClean="0"/>
               <a:pPr/>
-              <a:t>11</a:t>
+              <a:t>12</a:t>
             </a:fld>
             <a:endParaRPr lang="pl-PL" dirty="0"/>
           </a:p>
@@ -7312,7 +7393,7 @@
 </p:sld>
 </file>
 
-<file path=ppt/slides/slide12.xml><?xml version="1.0" encoding="utf-8"?>
+<file path=ppt/slides/slide13.xml><?xml version="1.0" encoding="utf-8"?>
 <p:sld xmlns:a="http://schemas.openxmlformats.org/drawingml/2006/main" xmlns:r="http://schemas.openxmlformats.org/officeDocument/2006/relationships" xmlns:p="http://schemas.openxmlformats.org/presentationml/2006/main">
   <p:cSld>
     <p:spTree>
@@ -7396,7 +7477,7 @@
                 <a:latin typeface="Calibri" panose="020F0502020204030204" pitchFamily="34" charset="0"/>
                 <a:cs typeface="Calibri" panose="020F0502020204030204" pitchFamily="34" charset="0"/>
               </a:rPr>
-              <a:t>…</a:t>
+              <a:t>Badanie korelacji pomiędzy wynikami SSI, a innymi miarami wyników uczelni</a:t>
             </a:r>
           </a:p>
           <a:p>
@@ -7406,9 +7487,73 @@
                 <a:latin typeface="Calibri" panose="020F0502020204030204" pitchFamily="34" charset="0"/>
                 <a:cs typeface="Calibri" panose="020F0502020204030204" pitchFamily="34" charset="0"/>
               </a:rPr>
-              <a:t>…</a:t>
-            </a:r>
-            <a:endParaRPr lang="pl-PL" sz="2400" b="0" i="0" u="none" strike="noStrike" baseline="0" dirty="0">
+              <a:t>Badanie skuteczności stosowania SSDQM</a:t>
+            </a:r>
+          </a:p>
+          <a:p>
+            <a:pPr algn="l"/>
+            <a:r>
+              <a:rPr lang="pl-PL" sz="2400" b="0" i="0" u="none" strike="noStrike" baseline="0" dirty="0">
+                <a:latin typeface="Calibri" panose="020F0502020204030204" pitchFamily="34" charset="0"/>
+                <a:cs typeface="Calibri" panose="020F0502020204030204" pitchFamily="34" charset="0"/>
+              </a:rPr>
+              <a:t>Badanie wdrożeń w innych rodzajach organizacji </a:t>
+            </a:r>
+            <a:r>
+              <a:rPr lang="pl-PL" sz="2400" dirty="0">
+                <a:latin typeface="Calibri" panose="020F0502020204030204" pitchFamily="34" charset="0"/>
+                <a:cs typeface="Calibri" panose="020F0502020204030204" pitchFamily="34" charset="0"/>
+              </a:rPr>
+              <a:t>(</a:t>
+            </a:r>
+            <a:r>
+              <a:rPr lang="pl-PL" sz="2400" dirty="0" err="1">
+                <a:latin typeface="Calibri" panose="020F0502020204030204" pitchFamily="34" charset="0"/>
+                <a:cs typeface="Calibri" panose="020F0502020204030204" pitchFamily="34" charset="0"/>
+              </a:rPr>
+              <a:t>interesariuszocentryzm</a:t>
+            </a:r>
+            <a:r>
+              <a:rPr lang="pl-PL" sz="2400" dirty="0">
+                <a:latin typeface="Calibri" panose="020F0502020204030204" pitchFamily="34" charset="0"/>
+                <a:cs typeface="Calibri" panose="020F0502020204030204" pitchFamily="34" charset="0"/>
+              </a:rPr>
+              <a:t>), np.:</a:t>
+            </a:r>
+          </a:p>
+          <a:p>
+            <a:pPr lvl="1"/>
+            <a:r>
+              <a:rPr lang="pl-PL" sz="2200" dirty="0">
+                <a:latin typeface="Calibri" panose="020F0502020204030204" pitchFamily="34" charset="0"/>
+                <a:cs typeface="Calibri" panose="020F0502020204030204" pitchFamily="34" charset="0"/>
+              </a:rPr>
+              <a:t>sektor publiczny</a:t>
+            </a:r>
+          </a:p>
+          <a:p>
+            <a:pPr lvl="1"/>
+            <a:r>
+              <a:rPr lang="pl-PL" sz="2200" dirty="0">
+                <a:latin typeface="Calibri" panose="020F0502020204030204" pitchFamily="34" charset="0"/>
+                <a:cs typeface="Calibri" panose="020F0502020204030204" pitchFamily="34" charset="0"/>
+              </a:rPr>
+              <a:t>branże silnie regulowane</a:t>
+            </a:r>
+          </a:p>
+          <a:p>
+            <a:pPr lvl="1"/>
+            <a:r>
+              <a:rPr lang="pl-PL" sz="2200" dirty="0">
+                <a:latin typeface="Calibri" panose="020F0502020204030204" pitchFamily="34" charset="0"/>
+                <a:cs typeface="Calibri" panose="020F0502020204030204" pitchFamily="34" charset="0"/>
+              </a:rPr>
+              <a:t>organizacje o rozbudowanej strukturze interesariuszy</a:t>
+            </a:r>
+          </a:p>
+          <a:p>
+            <a:pPr lvl="1"/>
+            <a:endParaRPr lang="pl-PL" sz="2200" b="0" i="0" u="none" strike="noStrike" baseline="0" dirty="0">
               <a:latin typeface="Calibri" panose="020F0502020204030204" pitchFamily="34" charset="0"/>
               <a:cs typeface="Calibri" panose="020F0502020204030204" pitchFamily="34" charset="0"/>
             </a:endParaRPr>
@@ -7439,7 +7584,7 @@
             <a:fld id="{ADC9AAA0-29FB-4B62-AB65-7094BA6E939A}" type="slidenum">
               <a:rPr lang="pl-PL" smtClean="0"/>
               <a:pPr/>
-              <a:t>12</a:t>
+              <a:t>13</a:t>
             </a:fld>
             <a:endParaRPr lang="pl-PL" dirty="0"/>
           </a:p>
@@ -7458,7 +7603,7 @@
 </p:sld>
 </file>
 
-<file path=ppt/slides/slide13.xml><?xml version="1.0" encoding="utf-8"?>
+<file path=ppt/slides/slide14.xml><?xml version="1.0" encoding="utf-8"?>
 <p:sld xmlns:a="http://schemas.openxmlformats.org/drawingml/2006/main" xmlns:r="http://schemas.openxmlformats.org/officeDocument/2006/relationships" xmlns:p="http://schemas.openxmlformats.org/presentationml/2006/main">
   <p:cSld>
     <p:spTree>
@@ -7609,7 +7754,7 @@
             <a:fld id="{ADC9AAA0-29FB-4B62-AB65-7094BA6E939A}" type="slidenum">
               <a:rPr lang="pl-PL" smtClean="0"/>
               <a:pPr/>
-              <a:t>13</a:t>
+              <a:t>14</a:t>
             </a:fld>
             <a:endParaRPr lang="pl-PL" dirty="0"/>
           </a:p>
@@ -7619,359 +7764,6 @@
     <p:extLst>
       <p:ext uri="{BB962C8B-B14F-4D97-AF65-F5344CB8AC3E}">
         <p14:creationId xmlns:p14="http://schemas.microsoft.com/office/powerpoint/2010/main" val="1061883230"/>
-      </p:ext>
-    </p:extLst>
-  </p:cSld>
-  <p:clrMapOvr>
-    <a:masterClrMapping/>
-  </p:clrMapOvr>
-</p:sld>
-</file>
-
-<file path=ppt/slides/slide14.xml><?xml version="1.0" encoding="utf-8"?>
-<p:sld xmlns:a="http://schemas.openxmlformats.org/drawingml/2006/main" xmlns:r="http://schemas.openxmlformats.org/officeDocument/2006/relationships" xmlns:p="http://schemas.openxmlformats.org/presentationml/2006/main">
-  <p:cSld>
-    <p:spTree>
-      <p:nvGrpSpPr>
-        <p:cNvPr id="1" name=""/>
-        <p:cNvGrpSpPr/>
-        <p:nvPr/>
-      </p:nvGrpSpPr>
-      <p:grpSpPr>
-        <a:xfrm>
-          <a:off x="0" y="0"/>
-          <a:ext cx="0" cy="0"/>
-          <a:chOff x="0" y="0"/>
-          <a:chExt cx="0" cy="0"/>
-        </a:xfrm>
-      </p:grpSpPr>
-      <p:sp>
-        <p:nvSpPr>
-          <p:cNvPr id="2" name="Tytuł 1">
-            <a:extLst>
-              <a:ext uri="{FF2B5EF4-FFF2-40B4-BE49-F238E27FC236}">
-                <a16:creationId xmlns:a16="http://schemas.microsoft.com/office/drawing/2014/main" id="{01EAFA99-E6F6-9C32-FCD9-295254D965A1}"/>
-              </a:ext>
-            </a:extLst>
-          </p:cNvPr>
-          <p:cNvSpPr>
-            <a:spLocks noGrp="1"/>
-          </p:cNvSpPr>
-          <p:nvPr>
-            <p:ph type="title"/>
-          </p:nvPr>
-        </p:nvSpPr>
-        <p:spPr/>
-        <p:txBody>
-          <a:bodyPr/>
-          <a:lstStyle/>
-          <a:p>
-            <a:r>
-              <a:rPr lang="pl-PL" dirty="0"/>
-              <a:t>Literatura</a:t>
-            </a:r>
-          </a:p>
-        </p:txBody>
-      </p:sp>
-      <p:sp>
-        <p:nvSpPr>
-          <p:cNvPr id="3" name="Symbol zastępczy zawartości 2">
-            <a:extLst>
-              <a:ext uri="{FF2B5EF4-FFF2-40B4-BE49-F238E27FC236}">
-                <a16:creationId xmlns:a16="http://schemas.microsoft.com/office/drawing/2014/main" id="{9AEEA72C-DA17-8133-04DC-5D0CEE84D90D}"/>
-              </a:ext>
-            </a:extLst>
-          </p:cNvPr>
-          <p:cNvSpPr>
-            <a:spLocks noGrp="1"/>
-          </p:cNvSpPr>
-          <p:nvPr>
-            <p:ph idx="1"/>
-          </p:nvPr>
-        </p:nvSpPr>
-        <p:spPr/>
-        <p:txBody>
-          <a:bodyPr>
-            <a:normAutofit fontScale="62500" lnSpcReduction="20000"/>
-          </a:bodyPr>
-          <a:lstStyle/>
-          <a:p>
-            <a:r>
-              <a:rPr lang="en-US" b="0" i="0" u="none" strike="noStrike" baseline="0" dirty="0"/>
-              <a:t>Anderson, J. C., </a:t>
-            </a:r>
-            <a:r>
-              <a:rPr lang="en-US" b="0" i="0" u="none" strike="noStrike" baseline="0" dirty="0" err="1"/>
-              <a:t>Rungtusanatham</a:t>
-            </a:r>
-            <a:r>
-              <a:rPr lang="en-US" b="0" i="0" u="none" strike="noStrike" baseline="0" dirty="0"/>
-              <a:t>, M., &amp; Schroeder, R. G. (1994)</a:t>
-            </a:r>
-            <a:r>
-              <a:rPr lang="pl-PL" b="0" i="0" u="none" strike="noStrike" baseline="0" dirty="0"/>
-              <a:t>,</a:t>
-            </a:r>
-            <a:r>
-              <a:rPr lang="en-US" b="0" i="0" u="none" strike="noStrike" baseline="0" dirty="0"/>
-              <a:t> A Theory Of Quality Management Underlying The Deming Management Method</a:t>
-            </a:r>
-            <a:r>
-              <a:rPr lang="pl-PL" b="0" i="0" u="none" strike="noStrike" baseline="0" dirty="0"/>
-              <a:t>,</a:t>
-            </a:r>
-            <a:r>
-              <a:rPr lang="en-US" b="0" i="0" u="none" strike="noStrike" baseline="0" dirty="0"/>
-              <a:t> Academy of Management Review, 19(3), 472–509</a:t>
-            </a:r>
-            <a:endParaRPr lang="pl-PL" b="0" i="0" u="none" strike="noStrike" baseline="0" dirty="0"/>
-          </a:p>
-          <a:p>
-            <a:r>
-              <a:rPr lang="en-US" b="0" i="0" u="none" strike="noStrike" baseline="0" dirty="0" err="1"/>
-              <a:t>Cwynar</a:t>
-            </a:r>
-            <a:r>
-              <a:rPr lang="en-US" b="0" i="0" u="none" strike="noStrike" baseline="0" dirty="0"/>
-              <a:t>, K. M. (2005)</a:t>
-            </a:r>
-            <a:r>
-              <a:rPr lang="pl-PL" b="0" i="0" u="none" strike="noStrike" baseline="0" dirty="0"/>
-              <a:t>,</a:t>
-            </a:r>
-            <a:r>
-              <a:rPr lang="en-US" b="0" i="0" u="none" strike="noStrike" baseline="0" dirty="0"/>
-              <a:t> The Idea Of The University In European Culture</a:t>
-            </a:r>
-            <a:r>
-              <a:rPr lang="pl-PL" b="0" i="0" u="none" strike="noStrike" baseline="0" dirty="0"/>
-              <a:t>,</a:t>
-            </a:r>
-            <a:r>
-              <a:rPr lang="en-US" b="0" i="0" u="none" strike="noStrike" baseline="0" dirty="0"/>
-              <a:t> </a:t>
-            </a:r>
-            <a:r>
-              <a:rPr lang="en-US" b="0" i="0" u="none" strike="noStrike" baseline="0" dirty="0" err="1"/>
-              <a:t>Polityka</a:t>
-            </a:r>
-            <a:r>
-              <a:rPr lang="en-US" b="0" i="0" u="none" strike="noStrike" baseline="0" dirty="0"/>
-              <a:t> </a:t>
-            </a:r>
-            <a:r>
-              <a:rPr lang="en-US" b="0" i="0" u="none" strike="noStrike" baseline="0" dirty="0" err="1"/>
-              <a:t>i</a:t>
-            </a:r>
-            <a:r>
-              <a:rPr lang="en-US" b="0" i="0" u="none" strike="noStrike" baseline="0" dirty="0"/>
-              <a:t> </a:t>
-            </a:r>
-            <a:r>
-              <a:rPr lang="en-US" b="0" i="0" u="none" strike="noStrike" baseline="0" dirty="0" err="1"/>
-              <a:t>Społeczeństwo</a:t>
-            </a:r>
-            <a:r>
-              <a:rPr lang="en-US" b="0" i="0" u="none" strike="noStrike" baseline="0" dirty="0"/>
-              <a:t> </a:t>
-            </a:r>
-            <a:r>
-              <a:rPr lang="pl-PL" b="0" i="0" u="none" strike="noStrike" baseline="0" dirty="0"/>
-              <a:t>(s. </a:t>
-            </a:r>
-            <a:r>
-              <a:rPr lang="en-US" b="0" i="0" u="none" strike="noStrike" baseline="0" dirty="0"/>
-              <a:t>60–72</a:t>
-            </a:r>
-            <a:r>
-              <a:rPr lang="pl-PL" dirty="0"/>
-              <a:t>)</a:t>
-            </a:r>
-            <a:endParaRPr lang="pl-PL" b="0" i="0" u="none" strike="noStrike" baseline="0" dirty="0"/>
-          </a:p>
-          <a:p>
-            <a:r>
-              <a:rPr lang="en-US" b="0" i="0" u="none" strike="noStrike" baseline="0" dirty="0"/>
-              <a:t>De Ridder-</a:t>
-            </a:r>
-            <a:r>
-              <a:rPr lang="en-US" b="0" i="0" u="none" strike="noStrike" baseline="0" dirty="0" err="1"/>
-              <a:t>Symoens</a:t>
-            </a:r>
-            <a:r>
-              <a:rPr lang="en-US" b="0" i="0" u="none" strike="noStrike" baseline="0" dirty="0"/>
-              <a:t>, H. (2020)</a:t>
-            </a:r>
-            <a:r>
-              <a:rPr lang="pl-PL" b="0" i="0" u="none" strike="noStrike" baseline="0" dirty="0"/>
-              <a:t>,</a:t>
-            </a:r>
-            <a:r>
-              <a:rPr lang="en-US" b="0" i="0" u="none" strike="noStrike" baseline="0" dirty="0"/>
-              <a:t> Universities and Their Missions in Early Modern Times. W L. </a:t>
-            </a:r>
-            <a:r>
-              <a:rPr lang="en-US" b="0" i="0" u="none" strike="noStrike" baseline="0" dirty="0" err="1"/>
-              <a:t>Engwall</a:t>
-            </a:r>
-            <a:r>
-              <a:rPr lang="en-US" b="0" i="0" u="none" strike="noStrike" baseline="0" dirty="0"/>
-              <a:t> (Red.), Missions of Universities: Past, Present, Future (s. 43–61)</a:t>
-            </a:r>
-            <a:r>
-              <a:rPr lang="pl-PL" b="0" i="0" u="none" strike="noStrike" baseline="0" dirty="0"/>
-              <a:t>,</a:t>
-            </a:r>
-            <a:r>
-              <a:rPr lang="en-US" b="0" i="0" u="none" strike="noStrike" baseline="0" dirty="0"/>
-              <a:t> Springer International Publishing</a:t>
-            </a:r>
-            <a:endParaRPr lang="pl-PL" b="0" i="0" u="none" strike="noStrike" baseline="0" dirty="0"/>
-          </a:p>
-          <a:p>
-            <a:pPr algn="l"/>
-            <a:r>
-              <a:rPr lang="en-US" dirty="0"/>
-              <a:t>Freeman, R. E. (2010). Strategic Management: A stakeholder </a:t>
-            </a:r>
-            <a:r>
-              <a:rPr lang="en-US" dirty="0" err="1"/>
-              <a:t>apporach</a:t>
-            </a:r>
-            <a:r>
-              <a:rPr lang="en-US" dirty="0"/>
-              <a:t>. Cambridge</a:t>
-            </a:r>
-            <a:r>
-              <a:rPr lang="pl-PL" dirty="0"/>
-              <a:t> University Press</a:t>
-            </a:r>
-          </a:p>
-          <a:p>
-            <a:r>
-              <a:rPr lang="pl-PL" b="0" i="0" u="none" strike="noStrike" baseline="0" dirty="0" err="1"/>
-              <a:t>Grudowski</a:t>
-            </a:r>
-            <a:r>
-              <a:rPr lang="pl-PL" b="0" i="0" u="none" strike="noStrike" baseline="0" dirty="0"/>
-              <a:t> </a:t>
-            </a:r>
-            <a:r>
-              <a:rPr lang="pl-PL" dirty="0"/>
-              <a:t>P.,</a:t>
-            </a:r>
-            <a:r>
-              <a:rPr lang="pl-PL" b="0" i="0" u="none" strike="noStrike" baseline="0" dirty="0"/>
-              <a:t> Lewandowski K. (2012), Pojęcie jakości kształcenia i uwarunkowania jej kwantyfikacji w uczelniach wyższych, Zarządzanie i Finanse, nr 3, cz. 1</a:t>
-            </a:r>
-            <a:endParaRPr lang="pl-PL" dirty="0"/>
-          </a:p>
-          <a:p>
-            <a:pPr algn="l"/>
-            <a:r>
-              <a:rPr lang="pl-PL" dirty="0"/>
-              <a:t>Leja K. (2011), Koncepcje zarządzania współczesnym uniwersytetem, 10.13140/RG.2.1.3539.1529. </a:t>
-            </a:r>
-          </a:p>
-          <a:p>
-            <a:pPr algn="l"/>
-            <a:r>
-              <a:rPr lang="pl-PL" dirty="0"/>
-              <a:t>Leja K. (2019), Misja społecznie odpowiedzialnego uniwersytetu, w: Jastrzębska, E., Przybysz, M. (red.), Społeczna odpowiedzialność uczelni znaczenie dla uczelni i sposoby jej wdrażania (s. 11-13), Ministerstwo Nauki i Szkolnictwa Wyższego i Ministerstwo Inwestycji i Rozwoju, Warszawa</a:t>
-            </a:r>
-          </a:p>
-          <a:p>
-            <a:pPr algn="l"/>
-            <a:r>
-              <a:rPr lang="pl-PL" dirty="0" err="1"/>
-              <a:t>Puente</a:t>
-            </a:r>
-            <a:r>
-              <a:rPr lang="pl-PL" dirty="0"/>
-              <a:t> C., </a:t>
-            </a:r>
-            <a:r>
-              <a:rPr lang="pl-PL" dirty="0" err="1"/>
-              <a:t>Fabra</a:t>
-            </a:r>
-            <a:r>
-              <a:rPr lang="pl-PL" dirty="0"/>
-              <a:t> M., Mason C. et al. (2021), Role of the </a:t>
-            </a:r>
-            <a:r>
-              <a:rPr lang="pl-PL" dirty="0" err="1"/>
-              <a:t>Universities</a:t>
-            </a:r>
-            <a:r>
-              <a:rPr lang="pl-PL" dirty="0"/>
-              <a:t> as Drivers of </a:t>
-            </a:r>
-            <a:r>
-              <a:rPr lang="pl-PL" dirty="0" err="1"/>
-              <a:t>Social</a:t>
-            </a:r>
-            <a:r>
-              <a:rPr lang="pl-PL" dirty="0"/>
-              <a:t> </a:t>
-            </a:r>
-            <a:r>
-              <a:rPr lang="pl-PL" dirty="0" err="1"/>
-              <a:t>Innovation</a:t>
-            </a:r>
-            <a:r>
-              <a:rPr lang="pl-PL" dirty="0"/>
-              <a:t>, </a:t>
-            </a:r>
-            <a:r>
-              <a:rPr lang="pl-PL" dirty="0" err="1"/>
-              <a:t>Sustainability</a:t>
-            </a:r>
-            <a:r>
-              <a:rPr lang="pl-PL" dirty="0"/>
-              <a:t>, 13, 13727, 10.3390/su132413727</a:t>
-            </a:r>
-            <a:endParaRPr lang="en-US" dirty="0"/>
-          </a:p>
-          <a:p>
-            <a:pPr algn="l"/>
-            <a:endParaRPr lang="pl-PL" dirty="0"/>
-          </a:p>
-        </p:txBody>
-      </p:sp>
-      <p:sp>
-        <p:nvSpPr>
-          <p:cNvPr id="4" name="Slide Number Placeholder 3">
-            <a:extLst>
-              <a:ext uri="{FF2B5EF4-FFF2-40B4-BE49-F238E27FC236}">
-                <a16:creationId xmlns:a16="http://schemas.microsoft.com/office/drawing/2014/main" id="{8CE4049D-1C83-5BCB-31E1-B99EF9414431}"/>
-              </a:ext>
-            </a:extLst>
-          </p:cNvPr>
-          <p:cNvSpPr>
-            <a:spLocks noGrp="1"/>
-          </p:cNvSpPr>
-          <p:nvPr>
-            <p:ph type="sldNum" sz="quarter" idx="12"/>
-          </p:nvPr>
-        </p:nvSpPr>
-        <p:spPr/>
-        <p:txBody>
-          <a:bodyPr/>
-          <a:lstStyle/>
-          <a:p>
-            <a:fld id="{ADC9AAA0-29FB-4B62-AB65-7094BA6E939A}" type="slidenum">
-              <a:rPr lang="pl-PL" smtClean="0"/>
-              <a:pPr/>
-              <a:t>14</a:t>
-            </a:fld>
-            <a:endParaRPr lang="pl-PL" dirty="0"/>
-          </a:p>
-        </p:txBody>
-      </p:sp>
-    </p:spTree>
-    <p:extLst>
-      <p:ext uri="{BB962C8B-B14F-4D97-AF65-F5344CB8AC3E}">
-        <p14:creationId xmlns:p14="http://schemas.microsoft.com/office/powerpoint/2010/main" val="2905408895"/>
       </p:ext>
     </p:extLst>
   </p:cSld>
@@ -7998,12 +7790,339 @@
           <a:chExt cx="0" cy="0"/>
         </a:xfrm>
       </p:grpSpPr>
+      <p:sp>
+        <p:nvSpPr>
+          <p:cNvPr id="2" name="Tytuł 1">
+            <a:extLst>
+              <a:ext uri="{FF2B5EF4-FFF2-40B4-BE49-F238E27FC236}">
+                <a16:creationId xmlns:a16="http://schemas.microsoft.com/office/drawing/2014/main" id="{01EAFA99-E6F6-9C32-FCD9-295254D965A1}"/>
+              </a:ext>
+            </a:extLst>
+          </p:cNvPr>
+          <p:cNvSpPr>
+            <a:spLocks noGrp="1"/>
+          </p:cNvSpPr>
+          <p:nvPr>
+            <p:ph type="title"/>
+          </p:nvPr>
+        </p:nvSpPr>
+        <p:spPr/>
+        <p:txBody>
+          <a:bodyPr/>
+          <a:lstStyle/>
+          <a:p>
+            <a:r>
+              <a:rPr lang="pl-PL" dirty="0"/>
+              <a:t>Literatura</a:t>
+            </a:r>
+          </a:p>
+        </p:txBody>
+      </p:sp>
+      <p:sp>
+        <p:nvSpPr>
+          <p:cNvPr id="3" name="Symbol zastępczy zawartości 2">
+            <a:extLst>
+              <a:ext uri="{FF2B5EF4-FFF2-40B4-BE49-F238E27FC236}">
+                <a16:creationId xmlns:a16="http://schemas.microsoft.com/office/drawing/2014/main" id="{9AEEA72C-DA17-8133-04DC-5D0CEE84D90D}"/>
+              </a:ext>
+            </a:extLst>
+          </p:cNvPr>
+          <p:cNvSpPr>
+            <a:spLocks noGrp="1"/>
+          </p:cNvSpPr>
+          <p:nvPr>
+            <p:ph idx="1"/>
+          </p:nvPr>
+        </p:nvSpPr>
+        <p:spPr/>
+        <p:txBody>
+          <a:bodyPr>
+            <a:normAutofit fontScale="62500" lnSpcReduction="20000"/>
+          </a:bodyPr>
+          <a:lstStyle/>
+          <a:p>
+            <a:r>
+              <a:rPr lang="en-US" b="0" i="0" u="none" strike="noStrike" baseline="0" dirty="0"/>
+              <a:t>Anderson, J. C., </a:t>
+            </a:r>
+            <a:r>
+              <a:rPr lang="en-US" b="0" i="0" u="none" strike="noStrike" baseline="0" dirty="0" err="1"/>
+              <a:t>Rungtusanatham</a:t>
+            </a:r>
+            <a:r>
+              <a:rPr lang="en-US" b="0" i="0" u="none" strike="noStrike" baseline="0" dirty="0"/>
+              <a:t>, M., &amp; Schroeder, R. G. (1994)</a:t>
+            </a:r>
+            <a:r>
+              <a:rPr lang="pl-PL" b="0" i="0" u="none" strike="noStrike" baseline="0" dirty="0"/>
+              <a:t>,</a:t>
+            </a:r>
+            <a:r>
+              <a:rPr lang="en-US" b="0" i="0" u="none" strike="noStrike" baseline="0" dirty="0"/>
+              <a:t> A Theory Of Quality Management Underlying The Deming Management Method</a:t>
+            </a:r>
+            <a:r>
+              <a:rPr lang="pl-PL" b="0" i="0" u="none" strike="noStrike" baseline="0" dirty="0"/>
+              <a:t>,</a:t>
+            </a:r>
+            <a:r>
+              <a:rPr lang="en-US" b="0" i="0" u="none" strike="noStrike" baseline="0" dirty="0"/>
+              <a:t> Academy of Management Review, 19(3), 472–509</a:t>
+            </a:r>
+            <a:endParaRPr lang="pl-PL" b="0" i="0" u="none" strike="noStrike" baseline="0" dirty="0"/>
+          </a:p>
+          <a:p>
+            <a:r>
+              <a:rPr lang="en-US" b="0" i="0" u="none" strike="noStrike" baseline="0" dirty="0" err="1"/>
+              <a:t>Cwynar</a:t>
+            </a:r>
+            <a:r>
+              <a:rPr lang="en-US" b="0" i="0" u="none" strike="noStrike" baseline="0" dirty="0"/>
+              <a:t>, K. M. (2005)</a:t>
+            </a:r>
+            <a:r>
+              <a:rPr lang="pl-PL" b="0" i="0" u="none" strike="noStrike" baseline="0" dirty="0"/>
+              <a:t>,</a:t>
+            </a:r>
+            <a:r>
+              <a:rPr lang="en-US" b="0" i="0" u="none" strike="noStrike" baseline="0" dirty="0"/>
+              <a:t> The Idea Of The University In European Culture</a:t>
+            </a:r>
+            <a:r>
+              <a:rPr lang="pl-PL" b="0" i="0" u="none" strike="noStrike" baseline="0" dirty="0"/>
+              <a:t>,</a:t>
+            </a:r>
+            <a:r>
+              <a:rPr lang="en-US" b="0" i="0" u="none" strike="noStrike" baseline="0" dirty="0"/>
+              <a:t> </a:t>
+            </a:r>
+            <a:r>
+              <a:rPr lang="en-US" b="0" i="0" u="none" strike="noStrike" baseline="0" dirty="0" err="1"/>
+              <a:t>Polityka</a:t>
+            </a:r>
+            <a:r>
+              <a:rPr lang="en-US" b="0" i="0" u="none" strike="noStrike" baseline="0" dirty="0"/>
+              <a:t> </a:t>
+            </a:r>
+            <a:r>
+              <a:rPr lang="en-US" b="0" i="0" u="none" strike="noStrike" baseline="0" dirty="0" err="1"/>
+              <a:t>i</a:t>
+            </a:r>
+            <a:r>
+              <a:rPr lang="en-US" b="0" i="0" u="none" strike="noStrike" baseline="0" dirty="0"/>
+              <a:t> </a:t>
+            </a:r>
+            <a:r>
+              <a:rPr lang="en-US" b="0" i="0" u="none" strike="noStrike" baseline="0" dirty="0" err="1"/>
+              <a:t>Społeczeństwo</a:t>
+            </a:r>
+            <a:r>
+              <a:rPr lang="en-US" b="0" i="0" u="none" strike="noStrike" baseline="0" dirty="0"/>
+              <a:t> </a:t>
+            </a:r>
+            <a:r>
+              <a:rPr lang="pl-PL" b="0" i="0" u="none" strike="noStrike" baseline="0" dirty="0"/>
+              <a:t>(s. </a:t>
+            </a:r>
+            <a:r>
+              <a:rPr lang="en-US" b="0" i="0" u="none" strike="noStrike" baseline="0" dirty="0"/>
+              <a:t>60–72</a:t>
+            </a:r>
+            <a:r>
+              <a:rPr lang="pl-PL" dirty="0"/>
+              <a:t>)</a:t>
+            </a:r>
+            <a:endParaRPr lang="pl-PL" b="0" i="0" u="none" strike="noStrike" baseline="0" dirty="0"/>
+          </a:p>
+          <a:p>
+            <a:r>
+              <a:rPr lang="en-US" b="0" i="0" u="none" strike="noStrike" baseline="0" dirty="0"/>
+              <a:t>De Ridder-</a:t>
+            </a:r>
+            <a:r>
+              <a:rPr lang="en-US" b="0" i="0" u="none" strike="noStrike" baseline="0" dirty="0" err="1"/>
+              <a:t>Symoens</a:t>
+            </a:r>
+            <a:r>
+              <a:rPr lang="en-US" b="0" i="0" u="none" strike="noStrike" baseline="0" dirty="0"/>
+              <a:t>, H. (2020)</a:t>
+            </a:r>
+            <a:r>
+              <a:rPr lang="pl-PL" b="0" i="0" u="none" strike="noStrike" baseline="0" dirty="0"/>
+              <a:t>,</a:t>
+            </a:r>
+            <a:r>
+              <a:rPr lang="en-US" b="0" i="0" u="none" strike="noStrike" baseline="0" dirty="0"/>
+              <a:t> Universities and Their Missions in Early Modern Times. W L. </a:t>
+            </a:r>
+            <a:r>
+              <a:rPr lang="en-US" b="0" i="0" u="none" strike="noStrike" baseline="0" dirty="0" err="1"/>
+              <a:t>Engwall</a:t>
+            </a:r>
+            <a:r>
+              <a:rPr lang="en-US" b="0" i="0" u="none" strike="noStrike" baseline="0" dirty="0"/>
+              <a:t> (Red.), Missions of Universities: Past, Present, Future (s. 43–61)</a:t>
+            </a:r>
+            <a:r>
+              <a:rPr lang="pl-PL" b="0" i="0" u="none" strike="noStrike" baseline="0" dirty="0"/>
+              <a:t>,</a:t>
+            </a:r>
+            <a:r>
+              <a:rPr lang="en-US" b="0" i="0" u="none" strike="noStrike" baseline="0" dirty="0"/>
+              <a:t> Springer International Publishing</a:t>
+            </a:r>
+            <a:endParaRPr lang="pl-PL" b="0" i="0" u="none" strike="noStrike" baseline="0" dirty="0"/>
+          </a:p>
+          <a:p>
+            <a:pPr algn="l"/>
+            <a:r>
+              <a:rPr lang="en-US" dirty="0"/>
+              <a:t>Freeman, R. E. (2010). Strategic Management: A stakeholder </a:t>
+            </a:r>
+            <a:r>
+              <a:rPr lang="en-US" dirty="0" err="1"/>
+              <a:t>apporach</a:t>
+            </a:r>
+            <a:r>
+              <a:rPr lang="en-US" dirty="0"/>
+              <a:t>. Cambridge</a:t>
+            </a:r>
+            <a:r>
+              <a:rPr lang="pl-PL" dirty="0"/>
+              <a:t> University Press</a:t>
+            </a:r>
+          </a:p>
+          <a:p>
+            <a:r>
+              <a:rPr lang="pl-PL" b="0" i="0" u="none" strike="noStrike" baseline="0" dirty="0" err="1"/>
+              <a:t>Grudowski</a:t>
+            </a:r>
+            <a:r>
+              <a:rPr lang="pl-PL" b="0" i="0" u="none" strike="noStrike" baseline="0" dirty="0"/>
+              <a:t> </a:t>
+            </a:r>
+            <a:r>
+              <a:rPr lang="pl-PL" dirty="0"/>
+              <a:t>P.,</a:t>
+            </a:r>
+            <a:r>
+              <a:rPr lang="pl-PL" b="0" i="0" u="none" strike="noStrike" baseline="0" dirty="0"/>
+              <a:t> Lewandowski K. (2012), Pojęcie jakości kształcenia i uwarunkowania jej kwantyfikacji w uczelniach wyższych, Zarządzanie i Finanse, nr 3, cz. 1</a:t>
+            </a:r>
+            <a:endParaRPr lang="pl-PL" dirty="0"/>
+          </a:p>
+          <a:p>
+            <a:pPr algn="l"/>
+            <a:r>
+              <a:rPr lang="pl-PL" dirty="0"/>
+              <a:t>Leja K. (2011), Koncepcje zarządzania współczesnym uniwersytetem, 10.13140/RG.2.1.3539.1529. </a:t>
+            </a:r>
+          </a:p>
+          <a:p>
+            <a:pPr algn="l"/>
+            <a:r>
+              <a:rPr lang="pl-PL" dirty="0"/>
+              <a:t>Leja K. (2019), Misja społecznie odpowiedzialnego uniwersytetu, w: Jastrzębska, E., Przybysz, M. (red.), Społeczna odpowiedzialność uczelni znaczenie dla uczelni i sposoby jej wdrażania (s. 11-13), Ministerstwo Nauki i Szkolnictwa Wyższego i Ministerstwo Inwestycji i Rozwoju, Warszawa</a:t>
+            </a:r>
+          </a:p>
+          <a:p>
+            <a:pPr algn="l"/>
+            <a:r>
+              <a:rPr lang="pl-PL" dirty="0" err="1"/>
+              <a:t>Puente</a:t>
+            </a:r>
+            <a:r>
+              <a:rPr lang="pl-PL" dirty="0"/>
+              <a:t> C., </a:t>
+            </a:r>
+            <a:r>
+              <a:rPr lang="pl-PL" dirty="0" err="1"/>
+              <a:t>Fabra</a:t>
+            </a:r>
+            <a:r>
+              <a:rPr lang="pl-PL" dirty="0"/>
+              <a:t> M., Mason C. et al. (2021), Role of the </a:t>
+            </a:r>
+            <a:r>
+              <a:rPr lang="pl-PL" dirty="0" err="1"/>
+              <a:t>Universities</a:t>
+            </a:r>
+            <a:r>
+              <a:rPr lang="pl-PL" dirty="0"/>
+              <a:t> as Drivers of </a:t>
+            </a:r>
+            <a:r>
+              <a:rPr lang="pl-PL" dirty="0" err="1"/>
+              <a:t>Social</a:t>
+            </a:r>
+            <a:r>
+              <a:rPr lang="pl-PL" dirty="0"/>
+              <a:t> </a:t>
+            </a:r>
+            <a:r>
+              <a:rPr lang="pl-PL" dirty="0" err="1"/>
+              <a:t>Innovation</a:t>
+            </a:r>
+            <a:r>
+              <a:rPr lang="pl-PL" dirty="0"/>
+              <a:t>, </a:t>
+            </a:r>
+            <a:r>
+              <a:rPr lang="pl-PL" dirty="0" err="1"/>
+              <a:t>Sustainability</a:t>
+            </a:r>
+            <a:r>
+              <a:rPr lang="pl-PL" dirty="0"/>
+              <a:t>, 13, 13727, 10.3390/su132413727</a:t>
+            </a:r>
+            <a:endParaRPr lang="en-US" dirty="0"/>
+          </a:p>
+          <a:p>
+            <a:pPr algn="l"/>
+            <a:endParaRPr lang="pl-PL" dirty="0"/>
+          </a:p>
+        </p:txBody>
+      </p:sp>
+      <p:sp>
+        <p:nvSpPr>
+          <p:cNvPr id="4" name="Slide Number Placeholder 3">
+            <a:extLst>
+              <a:ext uri="{FF2B5EF4-FFF2-40B4-BE49-F238E27FC236}">
+                <a16:creationId xmlns:a16="http://schemas.microsoft.com/office/drawing/2014/main" id="{8CE4049D-1C83-5BCB-31E1-B99EF9414431}"/>
+              </a:ext>
+            </a:extLst>
+          </p:cNvPr>
+          <p:cNvSpPr>
+            <a:spLocks noGrp="1"/>
+          </p:cNvSpPr>
+          <p:nvPr>
+            <p:ph type="sldNum" sz="quarter" idx="12"/>
+          </p:nvPr>
+        </p:nvSpPr>
+        <p:spPr/>
+        <p:txBody>
+          <a:bodyPr/>
+          <a:lstStyle/>
+          <a:p>
+            <a:fld id="{ADC9AAA0-29FB-4B62-AB65-7094BA6E939A}" type="slidenum">
+              <a:rPr lang="pl-PL" smtClean="0"/>
+              <a:pPr/>
+              <a:t>15</a:t>
+            </a:fld>
+            <a:endParaRPr lang="pl-PL" dirty="0"/>
+          </a:p>
+        </p:txBody>
+      </p:sp>
     </p:spTree>
+    <p:extLst>
+      <p:ext uri="{BB962C8B-B14F-4D97-AF65-F5344CB8AC3E}">
+        <p14:creationId xmlns:p14="http://schemas.microsoft.com/office/powerpoint/2010/main" val="2905408895"/>
+      </p:ext>
+    </p:extLst>
   </p:cSld>
   <p:clrMapOvr>
     <a:masterClrMapping/>
   </p:clrMapOvr>
-  <p:transition spd="med"/>
 </p:sld>
 </file>
 
@@ -8024,6 +8143,974 @@
           <a:chExt cx="0" cy="0"/>
         </a:xfrm>
       </p:grpSpPr>
+    </p:spTree>
+  </p:cSld>
+  <p:clrMapOvr>
+    <a:masterClrMapping/>
+  </p:clrMapOvr>
+  <p:transition spd="med"/>
+</p:sld>
+</file>
+
+<file path=ppt/slides/slide17.xml><?xml version="1.0" encoding="utf-8"?>
+<p:sld xmlns:a="http://schemas.openxmlformats.org/drawingml/2006/main" xmlns:r="http://schemas.openxmlformats.org/officeDocument/2006/relationships" xmlns:p="http://schemas.openxmlformats.org/presentationml/2006/main">
+  <p:cSld>
+    <p:spTree>
+      <p:nvGrpSpPr>
+        <p:cNvPr id="1" name="">
+          <a:extLst>
+            <a:ext uri="{FF2B5EF4-FFF2-40B4-BE49-F238E27FC236}">
+              <a16:creationId xmlns:a16="http://schemas.microsoft.com/office/drawing/2014/main" id="{1620F82F-B11F-29B8-9E16-D1F23DE95A8A}"/>
+            </a:ext>
+          </a:extLst>
+        </p:cNvPr>
+        <p:cNvGrpSpPr/>
+        <p:nvPr/>
+      </p:nvGrpSpPr>
+      <p:grpSpPr>
+        <a:xfrm>
+          <a:off x="0" y="0"/>
+          <a:ext cx="0" cy="0"/>
+          <a:chOff x="0" y="0"/>
+          <a:chExt cx="0" cy="0"/>
+        </a:xfrm>
+      </p:grpSpPr>
+      <p:sp>
+        <p:nvSpPr>
+          <p:cNvPr id="2" name="Tytuł 1">
+            <a:extLst>
+              <a:ext uri="{FF2B5EF4-FFF2-40B4-BE49-F238E27FC236}">
+                <a16:creationId xmlns:a16="http://schemas.microsoft.com/office/drawing/2014/main" id="{5AED2154-D69D-5AA9-A0B5-655C196FE946}"/>
+              </a:ext>
+            </a:extLst>
+          </p:cNvPr>
+          <p:cNvSpPr>
+            <a:spLocks noGrp="1"/>
+          </p:cNvSpPr>
+          <p:nvPr>
+            <p:ph type="title"/>
+          </p:nvPr>
+        </p:nvSpPr>
+        <p:spPr/>
+        <p:txBody>
+          <a:bodyPr>
+            <a:normAutofit/>
+          </a:bodyPr>
+          <a:lstStyle/>
+          <a:p>
+            <a:r>
+              <a:rPr lang="en-GB" dirty="0"/>
+              <a:t>SSDQM</a:t>
+            </a:r>
+            <a:r>
+              <a:rPr lang="pl-PL" dirty="0"/>
+              <a:t> szczegółowy 1/4</a:t>
+            </a:r>
+            <a:endParaRPr lang="en-GB" dirty="0"/>
+          </a:p>
+        </p:txBody>
+      </p:sp>
+      <p:sp>
+        <p:nvSpPr>
+          <p:cNvPr id="3" name="Slide Number Placeholder 2">
+            <a:extLst>
+              <a:ext uri="{FF2B5EF4-FFF2-40B4-BE49-F238E27FC236}">
+                <a16:creationId xmlns:a16="http://schemas.microsoft.com/office/drawing/2014/main" id="{86E77668-F81F-1000-6D2E-94C97D9BA4DE}"/>
+              </a:ext>
+            </a:extLst>
+          </p:cNvPr>
+          <p:cNvSpPr>
+            <a:spLocks noGrp="1"/>
+          </p:cNvSpPr>
+          <p:nvPr>
+            <p:ph type="sldNum" sz="quarter" idx="12"/>
+          </p:nvPr>
+        </p:nvSpPr>
+        <p:spPr/>
+        <p:txBody>
+          <a:bodyPr/>
+          <a:lstStyle/>
+          <a:p>
+            <a:fld id="{ADC9AAA0-29FB-4B62-AB65-7094BA6E939A}" type="slidenum">
+              <a:rPr lang="pl-PL" smtClean="0"/>
+              <a:pPr/>
+              <a:t>17</a:t>
+            </a:fld>
+            <a:endParaRPr lang="pl-PL" dirty="0"/>
+          </a:p>
+        </p:txBody>
+      </p:sp>
+      <p:pic>
+        <p:nvPicPr>
+          <p:cNvPr id="10" name="Picture 9">
+            <a:extLst>
+              <a:ext uri="{FF2B5EF4-FFF2-40B4-BE49-F238E27FC236}">
+                <a16:creationId xmlns:a16="http://schemas.microsoft.com/office/drawing/2014/main" id="{514AC38D-E102-A90E-56E5-CFF4E33DFF7C}"/>
+              </a:ext>
+            </a:extLst>
+          </p:cNvPr>
+          <p:cNvPicPr>
+            <a:picLocks noChangeAspect="1"/>
+          </p:cNvPicPr>
+          <p:nvPr/>
+        </p:nvPicPr>
+        <p:blipFill>
+          <a:blip r:embed="rId2">
+            <a:extLst>
+              <a:ext uri="{28A0092B-C50C-407E-A947-70E740481C1C}">
+                <a14:useLocalDpi xmlns:a14="http://schemas.microsoft.com/office/drawing/2010/main" val="0"/>
+              </a:ext>
+            </a:extLst>
+          </a:blip>
+          <a:stretch>
+            <a:fillRect/>
+          </a:stretch>
+        </p:blipFill>
+        <p:spPr>
+          <a:xfrm>
+            <a:off x="2160000" y="1463941"/>
+            <a:ext cx="6727154" cy="5374747"/>
+          </a:xfrm>
+          <a:prstGeom prst="rect">
+            <a:avLst/>
+          </a:prstGeom>
+        </p:spPr>
+      </p:pic>
+    </p:spTree>
+    <p:extLst>
+      <p:ext uri="{BB962C8B-B14F-4D97-AF65-F5344CB8AC3E}">
+        <p14:creationId xmlns:p14="http://schemas.microsoft.com/office/powerpoint/2010/main" val="1435354734"/>
+      </p:ext>
+    </p:extLst>
+  </p:cSld>
+  <p:clrMapOvr>
+    <a:masterClrMapping/>
+  </p:clrMapOvr>
+</p:sld>
+</file>
+
+<file path=ppt/slides/slide18.xml><?xml version="1.0" encoding="utf-8"?>
+<p:sld xmlns:a="http://schemas.openxmlformats.org/drawingml/2006/main" xmlns:r="http://schemas.openxmlformats.org/officeDocument/2006/relationships" xmlns:p="http://schemas.openxmlformats.org/presentationml/2006/main">
+  <p:cSld>
+    <p:spTree>
+      <p:nvGrpSpPr>
+        <p:cNvPr id="1" name="">
+          <a:extLst>
+            <a:ext uri="{FF2B5EF4-FFF2-40B4-BE49-F238E27FC236}">
+              <a16:creationId xmlns:a16="http://schemas.microsoft.com/office/drawing/2014/main" id="{712EE5FD-FFE9-DF2B-E9AB-DF665F10251E}"/>
+            </a:ext>
+          </a:extLst>
+        </p:cNvPr>
+        <p:cNvGrpSpPr/>
+        <p:nvPr/>
+      </p:nvGrpSpPr>
+      <p:grpSpPr>
+        <a:xfrm>
+          <a:off x="0" y="0"/>
+          <a:ext cx="0" cy="0"/>
+          <a:chOff x="0" y="0"/>
+          <a:chExt cx="0" cy="0"/>
+        </a:xfrm>
+      </p:grpSpPr>
+      <p:sp>
+        <p:nvSpPr>
+          <p:cNvPr id="2" name="Tytuł 1">
+            <a:extLst>
+              <a:ext uri="{FF2B5EF4-FFF2-40B4-BE49-F238E27FC236}">
+                <a16:creationId xmlns:a16="http://schemas.microsoft.com/office/drawing/2014/main" id="{F2AAB3C6-246A-5A22-41C1-21D137631479}"/>
+              </a:ext>
+            </a:extLst>
+          </p:cNvPr>
+          <p:cNvSpPr>
+            <a:spLocks noGrp="1"/>
+          </p:cNvSpPr>
+          <p:nvPr>
+            <p:ph type="title"/>
+          </p:nvPr>
+        </p:nvSpPr>
+        <p:spPr/>
+        <p:txBody>
+          <a:bodyPr>
+            <a:normAutofit/>
+          </a:bodyPr>
+          <a:lstStyle/>
+          <a:p>
+            <a:r>
+              <a:rPr lang="en-GB" dirty="0"/>
+              <a:t>SSDQM</a:t>
+            </a:r>
+            <a:r>
+              <a:rPr lang="pl-PL" dirty="0"/>
+              <a:t> szczegółowy 2/4</a:t>
+            </a:r>
+            <a:endParaRPr lang="en-GB" dirty="0"/>
+          </a:p>
+        </p:txBody>
+      </p:sp>
+      <p:sp>
+        <p:nvSpPr>
+          <p:cNvPr id="3" name="Slide Number Placeholder 2">
+            <a:extLst>
+              <a:ext uri="{FF2B5EF4-FFF2-40B4-BE49-F238E27FC236}">
+                <a16:creationId xmlns:a16="http://schemas.microsoft.com/office/drawing/2014/main" id="{80156EC0-4523-3700-7EDC-B0D918A5A731}"/>
+              </a:ext>
+            </a:extLst>
+          </p:cNvPr>
+          <p:cNvSpPr>
+            <a:spLocks noGrp="1"/>
+          </p:cNvSpPr>
+          <p:nvPr>
+            <p:ph type="sldNum" sz="quarter" idx="12"/>
+          </p:nvPr>
+        </p:nvSpPr>
+        <p:spPr/>
+        <p:txBody>
+          <a:bodyPr/>
+          <a:lstStyle/>
+          <a:p>
+            <a:fld id="{ADC9AAA0-29FB-4B62-AB65-7094BA6E939A}" type="slidenum">
+              <a:rPr lang="pl-PL" smtClean="0"/>
+              <a:pPr/>
+              <a:t>18</a:t>
+            </a:fld>
+            <a:endParaRPr lang="pl-PL" dirty="0"/>
+          </a:p>
+        </p:txBody>
+      </p:sp>
+      <p:pic>
+        <p:nvPicPr>
+          <p:cNvPr id="5" name="Picture 4">
+            <a:extLst>
+              <a:ext uri="{FF2B5EF4-FFF2-40B4-BE49-F238E27FC236}">
+                <a16:creationId xmlns:a16="http://schemas.microsoft.com/office/drawing/2014/main" id="{6A8C2D84-2542-C273-83F4-F9FBA73230EE}"/>
+              </a:ext>
+            </a:extLst>
+          </p:cNvPr>
+          <p:cNvPicPr>
+            <a:picLocks noChangeAspect="1"/>
+          </p:cNvPicPr>
+          <p:nvPr/>
+        </p:nvPicPr>
+        <p:blipFill>
+          <a:blip r:embed="rId2">
+            <a:extLst>
+              <a:ext uri="{28A0092B-C50C-407E-A947-70E740481C1C}">
+                <a14:useLocalDpi xmlns:a14="http://schemas.microsoft.com/office/drawing/2010/main" val="0"/>
+              </a:ext>
+            </a:extLst>
+          </a:blip>
+          <a:stretch>
+            <a:fillRect/>
+          </a:stretch>
+        </p:blipFill>
+        <p:spPr>
+          <a:xfrm>
+            <a:off x="2160000" y="1451352"/>
+            <a:ext cx="7199920" cy="5406648"/>
+          </a:xfrm>
+          <a:prstGeom prst="rect">
+            <a:avLst/>
+          </a:prstGeom>
+        </p:spPr>
+      </p:pic>
+    </p:spTree>
+    <p:extLst>
+      <p:ext uri="{BB962C8B-B14F-4D97-AF65-F5344CB8AC3E}">
+        <p14:creationId xmlns:p14="http://schemas.microsoft.com/office/powerpoint/2010/main" val="632733314"/>
+      </p:ext>
+    </p:extLst>
+  </p:cSld>
+  <p:clrMapOvr>
+    <a:masterClrMapping/>
+  </p:clrMapOvr>
+</p:sld>
+</file>
+
+<file path=ppt/slides/slide19.xml><?xml version="1.0" encoding="utf-8"?>
+<p:sld xmlns:a="http://schemas.openxmlformats.org/drawingml/2006/main" xmlns:r="http://schemas.openxmlformats.org/officeDocument/2006/relationships" xmlns:p="http://schemas.openxmlformats.org/presentationml/2006/main">
+  <p:cSld>
+    <p:spTree>
+      <p:nvGrpSpPr>
+        <p:cNvPr id="1" name="">
+          <a:extLst>
+            <a:ext uri="{FF2B5EF4-FFF2-40B4-BE49-F238E27FC236}">
+              <a16:creationId xmlns:a16="http://schemas.microsoft.com/office/drawing/2014/main" id="{60E8C0CA-6642-3869-CB14-5891903CDE3C}"/>
+            </a:ext>
+          </a:extLst>
+        </p:cNvPr>
+        <p:cNvGrpSpPr/>
+        <p:nvPr/>
+      </p:nvGrpSpPr>
+      <p:grpSpPr>
+        <a:xfrm>
+          <a:off x="0" y="0"/>
+          <a:ext cx="0" cy="0"/>
+          <a:chOff x="0" y="0"/>
+          <a:chExt cx="0" cy="0"/>
+        </a:xfrm>
+      </p:grpSpPr>
+      <p:sp>
+        <p:nvSpPr>
+          <p:cNvPr id="2" name="Tytuł 1">
+            <a:extLst>
+              <a:ext uri="{FF2B5EF4-FFF2-40B4-BE49-F238E27FC236}">
+                <a16:creationId xmlns:a16="http://schemas.microsoft.com/office/drawing/2014/main" id="{BBC1AE95-84DF-D253-0E13-6F3D4675106E}"/>
+              </a:ext>
+            </a:extLst>
+          </p:cNvPr>
+          <p:cNvSpPr>
+            <a:spLocks noGrp="1"/>
+          </p:cNvSpPr>
+          <p:nvPr>
+            <p:ph type="title"/>
+          </p:nvPr>
+        </p:nvSpPr>
+        <p:spPr/>
+        <p:txBody>
+          <a:bodyPr>
+            <a:normAutofit/>
+          </a:bodyPr>
+          <a:lstStyle/>
+          <a:p>
+            <a:r>
+              <a:rPr lang="en-GB" dirty="0"/>
+              <a:t>SSDQM</a:t>
+            </a:r>
+            <a:r>
+              <a:rPr lang="pl-PL" dirty="0"/>
+              <a:t> szczegółowy 3/4</a:t>
+            </a:r>
+            <a:endParaRPr lang="en-GB" dirty="0"/>
+          </a:p>
+        </p:txBody>
+      </p:sp>
+      <p:sp>
+        <p:nvSpPr>
+          <p:cNvPr id="3" name="Slide Number Placeholder 2">
+            <a:extLst>
+              <a:ext uri="{FF2B5EF4-FFF2-40B4-BE49-F238E27FC236}">
+                <a16:creationId xmlns:a16="http://schemas.microsoft.com/office/drawing/2014/main" id="{86C1EF0A-6EC2-080A-C789-FA2F4C2E5CEA}"/>
+              </a:ext>
+            </a:extLst>
+          </p:cNvPr>
+          <p:cNvSpPr>
+            <a:spLocks noGrp="1"/>
+          </p:cNvSpPr>
+          <p:nvPr>
+            <p:ph type="sldNum" sz="quarter" idx="12"/>
+          </p:nvPr>
+        </p:nvSpPr>
+        <p:spPr/>
+        <p:txBody>
+          <a:bodyPr/>
+          <a:lstStyle/>
+          <a:p>
+            <a:fld id="{ADC9AAA0-29FB-4B62-AB65-7094BA6E939A}" type="slidenum">
+              <a:rPr lang="pl-PL" smtClean="0"/>
+              <a:pPr/>
+              <a:t>19</a:t>
+            </a:fld>
+            <a:endParaRPr lang="pl-PL" dirty="0"/>
+          </a:p>
+        </p:txBody>
+      </p:sp>
+      <p:pic>
+        <p:nvPicPr>
+          <p:cNvPr id="6" name="Picture 5">
+            <a:extLst>
+              <a:ext uri="{FF2B5EF4-FFF2-40B4-BE49-F238E27FC236}">
+                <a16:creationId xmlns:a16="http://schemas.microsoft.com/office/drawing/2014/main" id="{6767A521-74EC-2D5C-67A8-E66218B33152}"/>
+              </a:ext>
+            </a:extLst>
+          </p:cNvPr>
+          <p:cNvPicPr>
+            <a:picLocks noChangeAspect="1"/>
+          </p:cNvPicPr>
+          <p:nvPr/>
+        </p:nvPicPr>
+        <p:blipFill>
+          <a:blip r:embed="rId2">
+            <a:extLst>
+              <a:ext uri="{28A0092B-C50C-407E-A947-70E740481C1C}">
+                <a14:useLocalDpi xmlns:a14="http://schemas.microsoft.com/office/drawing/2010/main" val="0"/>
+              </a:ext>
+            </a:extLst>
+          </a:blip>
+          <a:stretch>
+            <a:fillRect/>
+          </a:stretch>
+        </p:blipFill>
+        <p:spPr>
+          <a:xfrm>
+            <a:off x="2160000" y="1371172"/>
+            <a:ext cx="4800104" cy="5486827"/>
+          </a:xfrm>
+          <a:prstGeom prst="rect">
+            <a:avLst/>
+          </a:prstGeom>
+        </p:spPr>
+      </p:pic>
+    </p:spTree>
+    <p:extLst>
+      <p:ext uri="{BB962C8B-B14F-4D97-AF65-F5344CB8AC3E}">
+        <p14:creationId xmlns:p14="http://schemas.microsoft.com/office/powerpoint/2010/main" val="2768432788"/>
+      </p:ext>
+    </p:extLst>
+  </p:cSld>
+  <p:clrMapOvr>
+    <a:masterClrMapping/>
+  </p:clrMapOvr>
+</p:sld>
+</file>
+
+<file path=ppt/slides/slide2.xml><?xml version="1.0" encoding="utf-8"?>
+<p:sld xmlns:a="http://schemas.openxmlformats.org/drawingml/2006/main" xmlns:r="http://schemas.openxmlformats.org/officeDocument/2006/relationships" xmlns:p="http://schemas.openxmlformats.org/presentationml/2006/main">
+  <p:cSld>
+    <p:spTree>
+      <p:nvGrpSpPr>
+        <p:cNvPr id="1" name="">
+          <a:extLst>
+            <a:ext uri="{FF2B5EF4-FFF2-40B4-BE49-F238E27FC236}">
+              <a16:creationId xmlns:a16="http://schemas.microsoft.com/office/drawing/2014/main" id="{4BB6AA11-E039-65BB-26A4-E3A4E0B67ADC}"/>
+            </a:ext>
+          </a:extLst>
+        </p:cNvPr>
+        <p:cNvGrpSpPr/>
+        <p:nvPr/>
+      </p:nvGrpSpPr>
+      <p:grpSpPr>
+        <a:xfrm>
+          <a:off x="0" y="0"/>
+          <a:ext cx="0" cy="0"/>
+          <a:chOff x="0" y="0"/>
+          <a:chExt cx="0" cy="0"/>
+        </a:xfrm>
+      </p:grpSpPr>
+      <p:sp>
+        <p:nvSpPr>
+          <p:cNvPr id="2" name="Tytuł 1">
+            <a:extLst>
+              <a:ext uri="{FF2B5EF4-FFF2-40B4-BE49-F238E27FC236}">
+                <a16:creationId xmlns:a16="http://schemas.microsoft.com/office/drawing/2014/main" id="{72A14A42-1B92-9784-BC35-5C9D20F369BC}"/>
+              </a:ext>
+            </a:extLst>
+          </p:cNvPr>
+          <p:cNvSpPr>
+            <a:spLocks noGrp="1"/>
+          </p:cNvSpPr>
+          <p:nvPr>
+            <p:ph type="title"/>
+          </p:nvPr>
+        </p:nvSpPr>
+        <p:spPr/>
+        <p:txBody>
+          <a:bodyPr/>
+          <a:lstStyle/>
+          <a:p>
+            <a:r>
+              <a:rPr lang="pl-PL" dirty="0"/>
+              <a:t>Istotne współcześnie koncepcje</a:t>
+            </a:r>
+            <a:endParaRPr lang="en-GB" dirty="0"/>
+          </a:p>
+        </p:txBody>
+      </p:sp>
+      <p:sp>
+        <p:nvSpPr>
+          <p:cNvPr id="3" name="Symbol zastępczy zawartości 2">
+            <a:extLst>
+              <a:ext uri="{FF2B5EF4-FFF2-40B4-BE49-F238E27FC236}">
+                <a16:creationId xmlns:a16="http://schemas.microsoft.com/office/drawing/2014/main" id="{090B7A1D-900A-B07F-9669-5987791DE012}"/>
+              </a:ext>
+            </a:extLst>
+          </p:cNvPr>
+          <p:cNvSpPr>
+            <a:spLocks noGrp="1"/>
+          </p:cNvSpPr>
+          <p:nvPr>
+            <p:ph idx="1"/>
+          </p:nvPr>
+        </p:nvSpPr>
+        <p:spPr/>
+        <p:txBody>
+          <a:bodyPr>
+            <a:normAutofit/>
+          </a:bodyPr>
+          <a:lstStyle/>
+          <a:p>
+            <a:pPr algn="l"/>
+            <a:endParaRPr lang="en-GB" sz="1800" b="0" i="0" u="none" strike="noStrike" baseline="0" dirty="0"/>
+          </a:p>
+          <a:p>
+            <a:pPr algn="l"/>
+            <a:endParaRPr lang="en-GB" sz="1800" dirty="0"/>
+          </a:p>
+          <a:p>
+            <a:pPr algn="l"/>
+            <a:endParaRPr lang="en-GB" sz="1800" dirty="0"/>
+          </a:p>
+        </p:txBody>
+      </p:sp>
+      <p:sp>
+        <p:nvSpPr>
+          <p:cNvPr id="6" name="pole tekstowe 5">
+            <a:extLst>
+              <a:ext uri="{FF2B5EF4-FFF2-40B4-BE49-F238E27FC236}">
+                <a16:creationId xmlns:a16="http://schemas.microsoft.com/office/drawing/2014/main" id="{F53C298A-0337-328D-FCD3-EE3F62913EA5}"/>
+              </a:ext>
+            </a:extLst>
+          </p:cNvPr>
+          <p:cNvSpPr txBox="1"/>
+          <p:nvPr/>
+        </p:nvSpPr>
+        <p:spPr>
+          <a:xfrm>
+            <a:off x="8574005" y="2647996"/>
+            <a:ext cx="2836831" cy="3262432"/>
+          </a:xfrm>
+          <a:prstGeom prst="rect">
+            <a:avLst/>
+          </a:prstGeom>
+          <a:noFill/>
+        </p:spPr>
+        <p:txBody>
+          <a:bodyPr wrap="square" rtlCol="0">
+            <a:spAutoFit/>
+          </a:bodyPr>
+          <a:lstStyle/>
+          <a:p>
+            <a:r>
+              <a:rPr lang="en-GB" b="1" dirty="0"/>
+              <a:t>SR</a:t>
+            </a:r>
+            <a:r>
+              <a:rPr lang="en-GB" dirty="0"/>
+              <a:t> – </a:t>
+            </a:r>
+            <a:r>
+              <a:rPr lang="pl-PL" dirty="0"/>
+              <a:t>regulacje prawne </a:t>
+            </a:r>
+            <a:r>
+              <a:rPr lang="pl-PL" sz="1600" dirty="0"/>
+              <a:t>(</a:t>
+            </a:r>
+            <a:r>
+              <a:rPr lang="en-GB" sz="1600" i="1" dirty="0"/>
+              <a:t>State Regulations</a:t>
+            </a:r>
+            <a:r>
+              <a:rPr lang="pl-PL" sz="1600" dirty="0"/>
+              <a:t>)</a:t>
+            </a:r>
+            <a:endParaRPr lang="en-GB" sz="1600" dirty="0"/>
+          </a:p>
+          <a:p>
+            <a:r>
+              <a:rPr lang="en-GB" b="1" dirty="0"/>
+              <a:t>AG</a:t>
+            </a:r>
+            <a:r>
+              <a:rPr lang="en-GB" dirty="0"/>
+              <a:t> – </a:t>
+            </a:r>
+            <a:r>
+              <a:rPr lang="pl-PL" dirty="0"/>
+              <a:t>znaczenie kolegialności </a:t>
+            </a:r>
+            <a:r>
+              <a:rPr lang="pl-PL" sz="1600" dirty="0"/>
+              <a:t>(</a:t>
+            </a:r>
+            <a:r>
+              <a:rPr lang="en-GB" sz="1600" i="1" dirty="0"/>
+              <a:t>Academic</a:t>
+            </a:r>
+            <a:r>
+              <a:rPr lang="pl-PL" sz="1600" i="1" dirty="0"/>
+              <a:t> </a:t>
+            </a:r>
+            <a:r>
+              <a:rPr lang="en-GB" sz="1600" i="1" dirty="0"/>
+              <a:t>self-Governance</a:t>
+            </a:r>
+            <a:r>
+              <a:rPr lang="pl-PL" sz="1600" dirty="0"/>
+              <a:t>)</a:t>
+            </a:r>
+            <a:endParaRPr lang="en-GB" dirty="0"/>
+          </a:p>
+          <a:p>
+            <a:r>
+              <a:rPr lang="en-GB" b="1" dirty="0"/>
+              <a:t>SG</a:t>
+            </a:r>
+            <a:r>
+              <a:rPr lang="en-GB" dirty="0"/>
+              <a:t> – </a:t>
+            </a:r>
+            <a:r>
+              <a:rPr lang="pl-PL" dirty="0"/>
+              <a:t>rola interesariuszy </a:t>
+            </a:r>
+            <a:r>
+              <a:rPr lang="pl-PL" sz="1600" dirty="0"/>
+              <a:t>(</a:t>
+            </a:r>
+            <a:r>
+              <a:rPr lang="en-GB" sz="1600" i="1" dirty="0"/>
+              <a:t>Stakeholder guidance</a:t>
+            </a:r>
+            <a:r>
+              <a:rPr lang="pl-PL" sz="1600" dirty="0"/>
+              <a:t>)</a:t>
+            </a:r>
+            <a:endParaRPr lang="en-GB" dirty="0"/>
+          </a:p>
+          <a:p>
+            <a:r>
+              <a:rPr lang="en-GB" b="1" dirty="0"/>
+              <a:t>MG</a:t>
+            </a:r>
+            <a:r>
+              <a:rPr lang="en-GB" dirty="0"/>
+              <a:t> –</a:t>
+            </a:r>
+            <a:r>
+              <a:rPr lang="pl-PL" dirty="0"/>
+              <a:t> umocowanie władzy rektora </a:t>
+            </a:r>
+            <a:r>
+              <a:rPr lang="pl-PL" sz="1600" dirty="0"/>
+              <a:t>(</a:t>
+            </a:r>
+            <a:r>
+              <a:rPr lang="en-GB" sz="1600" i="1" dirty="0"/>
+              <a:t>Managerial self-Governance</a:t>
+            </a:r>
+            <a:r>
+              <a:rPr lang="pl-PL" sz="1600" dirty="0"/>
+              <a:t>)</a:t>
+            </a:r>
+            <a:endParaRPr lang="en-GB" dirty="0"/>
+          </a:p>
+          <a:p>
+            <a:r>
+              <a:rPr lang="en-GB" b="1" dirty="0"/>
+              <a:t>C</a:t>
+            </a:r>
+            <a:r>
+              <a:rPr lang="en-GB" dirty="0"/>
+              <a:t> – </a:t>
+            </a:r>
+            <a:r>
+              <a:rPr lang="pl-PL" dirty="0"/>
+              <a:t>konkurencyjność </a:t>
+            </a:r>
+            <a:r>
+              <a:rPr lang="pl-PL" sz="1600" dirty="0"/>
+              <a:t>(</a:t>
+            </a:r>
+            <a:r>
+              <a:rPr lang="en-GB" sz="1600" i="1" dirty="0"/>
+              <a:t>Competition</a:t>
+            </a:r>
+            <a:r>
+              <a:rPr lang="pl-PL" sz="1600" dirty="0"/>
+              <a:t>)</a:t>
+            </a:r>
+            <a:endParaRPr lang="en-GB" dirty="0"/>
+          </a:p>
+        </p:txBody>
+      </p:sp>
+      <p:pic>
+        <p:nvPicPr>
+          <p:cNvPr id="5" name="Obraz 4">
+            <a:extLst>
+              <a:ext uri="{FF2B5EF4-FFF2-40B4-BE49-F238E27FC236}">
+                <a16:creationId xmlns:a16="http://schemas.microsoft.com/office/drawing/2014/main" id="{4FBC298E-44CC-7CAE-285D-D56AB176563A}"/>
+              </a:ext>
+            </a:extLst>
+          </p:cNvPr>
+          <p:cNvPicPr>
+            <a:picLocks noChangeAspect="1"/>
+          </p:cNvPicPr>
+          <p:nvPr/>
+        </p:nvPicPr>
+        <p:blipFill>
+          <a:blip r:embed="rId3">
+            <a:extLst>
+              <a:ext uri="{28A0092B-C50C-407E-A947-70E740481C1C}">
+                <a14:useLocalDpi xmlns:a14="http://schemas.microsoft.com/office/drawing/2010/main" val="0"/>
+              </a:ext>
+            </a:extLst>
+          </a:blip>
+          <a:stretch>
+            <a:fillRect/>
+          </a:stretch>
+        </p:blipFill>
+        <p:spPr>
+          <a:xfrm>
+            <a:off x="616752" y="1690688"/>
+            <a:ext cx="7735806" cy="5129794"/>
+          </a:xfrm>
+          <a:prstGeom prst="rect">
+            <a:avLst/>
+          </a:prstGeom>
+        </p:spPr>
+      </p:pic>
+      <p:sp>
+        <p:nvSpPr>
+          <p:cNvPr id="12" name="pole tekstowe 11">
+            <a:extLst>
+              <a:ext uri="{FF2B5EF4-FFF2-40B4-BE49-F238E27FC236}">
+                <a16:creationId xmlns:a16="http://schemas.microsoft.com/office/drawing/2014/main" id="{07889635-5BA9-6891-5DEB-6C9D858EF2F7}"/>
+              </a:ext>
+            </a:extLst>
+          </p:cNvPr>
+          <p:cNvSpPr txBox="1"/>
+          <p:nvPr/>
+        </p:nvSpPr>
+        <p:spPr>
+          <a:xfrm>
+            <a:off x="5520651" y="6142218"/>
+            <a:ext cx="4972050" cy="276999"/>
+          </a:xfrm>
+          <a:prstGeom prst="rect">
+            <a:avLst/>
+          </a:prstGeom>
+          <a:noFill/>
+        </p:spPr>
+        <p:txBody>
+          <a:bodyPr wrap="square" rtlCol="0">
+            <a:spAutoFit/>
+          </a:bodyPr>
+          <a:lstStyle/>
+          <a:p>
+            <a:r>
+              <a:rPr lang="pl-PL" sz="1200" dirty="0"/>
+              <a:t>źródło</a:t>
+            </a:r>
+            <a:r>
+              <a:rPr lang="en-GB" sz="1200" dirty="0"/>
+              <a:t>: </a:t>
+            </a:r>
+            <a:r>
+              <a:rPr lang="en-GB" sz="1200" dirty="0" err="1"/>
+              <a:t>Leja</a:t>
+            </a:r>
+            <a:r>
+              <a:rPr lang="en-GB" sz="1200" dirty="0"/>
+              <a:t> 2011, </a:t>
+            </a:r>
+            <a:r>
+              <a:rPr lang="pl-PL" sz="1200" dirty="0"/>
+              <a:t>s</a:t>
+            </a:r>
+            <a:r>
+              <a:rPr lang="en-GB" sz="1200" dirty="0"/>
+              <a:t>. 175</a:t>
+            </a:r>
+          </a:p>
+        </p:txBody>
+      </p:sp>
+      <p:sp>
+        <p:nvSpPr>
+          <p:cNvPr id="4" name="Slide Number Placeholder 3">
+            <a:extLst>
+              <a:ext uri="{FF2B5EF4-FFF2-40B4-BE49-F238E27FC236}">
+                <a16:creationId xmlns:a16="http://schemas.microsoft.com/office/drawing/2014/main" id="{1147AC23-3475-4523-C972-1623159CF714}"/>
+              </a:ext>
+            </a:extLst>
+          </p:cNvPr>
+          <p:cNvSpPr>
+            <a:spLocks noGrp="1"/>
+          </p:cNvSpPr>
+          <p:nvPr>
+            <p:ph type="sldNum" sz="quarter" idx="12"/>
+          </p:nvPr>
+        </p:nvSpPr>
+        <p:spPr/>
+        <p:txBody>
+          <a:bodyPr/>
+          <a:lstStyle/>
+          <a:p>
+            <a:fld id="{ADC9AAA0-29FB-4B62-AB65-7094BA6E939A}" type="slidenum">
+              <a:rPr lang="pl-PL" smtClean="0"/>
+              <a:pPr/>
+              <a:t>2</a:t>
+            </a:fld>
+            <a:endParaRPr lang="pl-PL" dirty="0"/>
+          </a:p>
+        </p:txBody>
+      </p:sp>
+    </p:spTree>
+    <p:extLst>
+      <p:ext uri="{BB962C8B-B14F-4D97-AF65-F5344CB8AC3E}">
+        <p14:creationId xmlns:p14="http://schemas.microsoft.com/office/powerpoint/2010/main" val="1770607422"/>
+      </p:ext>
+    </p:extLst>
+  </p:cSld>
+  <p:clrMapOvr>
+    <a:masterClrMapping/>
+  </p:clrMapOvr>
+</p:sld>
+</file>
+
+<file path=ppt/slides/slide20.xml><?xml version="1.0" encoding="utf-8"?>
+<p:sld xmlns:a="http://schemas.openxmlformats.org/drawingml/2006/main" xmlns:r="http://schemas.openxmlformats.org/officeDocument/2006/relationships" xmlns:p="http://schemas.openxmlformats.org/presentationml/2006/main">
+  <p:cSld>
+    <p:spTree>
+      <p:nvGrpSpPr>
+        <p:cNvPr id="1" name="">
+          <a:extLst>
+            <a:ext uri="{FF2B5EF4-FFF2-40B4-BE49-F238E27FC236}">
+              <a16:creationId xmlns:a16="http://schemas.microsoft.com/office/drawing/2014/main" id="{F676E10F-81F9-549B-4129-418FC678649B}"/>
+            </a:ext>
+          </a:extLst>
+        </p:cNvPr>
+        <p:cNvGrpSpPr/>
+        <p:nvPr/>
+      </p:nvGrpSpPr>
+      <p:grpSpPr>
+        <a:xfrm>
+          <a:off x="0" y="0"/>
+          <a:ext cx="0" cy="0"/>
+          <a:chOff x="0" y="0"/>
+          <a:chExt cx="0" cy="0"/>
+        </a:xfrm>
+      </p:grpSpPr>
+      <p:sp>
+        <p:nvSpPr>
+          <p:cNvPr id="2" name="Tytuł 1">
+            <a:extLst>
+              <a:ext uri="{FF2B5EF4-FFF2-40B4-BE49-F238E27FC236}">
+                <a16:creationId xmlns:a16="http://schemas.microsoft.com/office/drawing/2014/main" id="{99CDE3C1-1FCA-458F-002B-816D11925B41}"/>
+              </a:ext>
+            </a:extLst>
+          </p:cNvPr>
+          <p:cNvSpPr>
+            <a:spLocks noGrp="1"/>
+          </p:cNvSpPr>
+          <p:nvPr>
+            <p:ph type="title"/>
+          </p:nvPr>
+        </p:nvSpPr>
+        <p:spPr/>
+        <p:txBody>
+          <a:bodyPr>
+            <a:normAutofit/>
+          </a:bodyPr>
+          <a:lstStyle/>
+          <a:p>
+            <a:r>
+              <a:rPr lang="en-GB" dirty="0"/>
+              <a:t>SSDQM</a:t>
+            </a:r>
+            <a:r>
+              <a:rPr lang="pl-PL" dirty="0"/>
+              <a:t> szczegółowy 4/4</a:t>
+            </a:r>
+            <a:endParaRPr lang="en-GB" dirty="0"/>
+          </a:p>
+        </p:txBody>
+      </p:sp>
+      <p:sp>
+        <p:nvSpPr>
+          <p:cNvPr id="3" name="Slide Number Placeholder 2">
+            <a:extLst>
+              <a:ext uri="{FF2B5EF4-FFF2-40B4-BE49-F238E27FC236}">
+                <a16:creationId xmlns:a16="http://schemas.microsoft.com/office/drawing/2014/main" id="{C4AE83DB-4903-E89E-8506-078EBF08BB65}"/>
+              </a:ext>
+            </a:extLst>
+          </p:cNvPr>
+          <p:cNvSpPr>
+            <a:spLocks noGrp="1"/>
+          </p:cNvSpPr>
+          <p:nvPr>
+            <p:ph type="sldNum" sz="quarter" idx="12"/>
+          </p:nvPr>
+        </p:nvSpPr>
+        <p:spPr/>
+        <p:txBody>
+          <a:bodyPr/>
+          <a:lstStyle/>
+          <a:p>
+            <a:fld id="{ADC9AAA0-29FB-4B62-AB65-7094BA6E939A}" type="slidenum">
+              <a:rPr lang="pl-PL" smtClean="0"/>
+              <a:pPr/>
+              <a:t>20</a:t>
+            </a:fld>
+            <a:endParaRPr lang="pl-PL" dirty="0"/>
+          </a:p>
+        </p:txBody>
+      </p:sp>
+      <p:pic>
+        <p:nvPicPr>
+          <p:cNvPr id="5" name="Picture 4">
+            <a:extLst>
+              <a:ext uri="{FF2B5EF4-FFF2-40B4-BE49-F238E27FC236}">
+                <a16:creationId xmlns:a16="http://schemas.microsoft.com/office/drawing/2014/main" id="{A146A23D-EED4-E5D8-8646-B7A3D480BFE6}"/>
+              </a:ext>
+            </a:extLst>
+          </p:cNvPr>
+          <p:cNvPicPr>
+            <a:picLocks noChangeAspect="1"/>
+          </p:cNvPicPr>
+          <p:nvPr/>
+        </p:nvPicPr>
+        <p:blipFill>
+          <a:blip r:embed="rId2">
+            <a:extLst>
+              <a:ext uri="{28A0092B-C50C-407E-A947-70E740481C1C}">
+                <a14:useLocalDpi xmlns:a14="http://schemas.microsoft.com/office/drawing/2010/main" val="0"/>
+              </a:ext>
+            </a:extLst>
+          </a:blip>
+          <a:stretch>
+            <a:fillRect/>
+          </a:stretch>
+        </p:blipFill>
+        <p:spPr>
+          <a:xfrm>
+            <a:off x="2160000" y="1728000"/>
+            <a:ext cx="8438932" cy="5024921"/>
+          </a:xfrm>
+          <a:prstGeom prst="rect">
+            <a:avLst/>
+          </a:prstGeom>
+        </p:spPr>
+      </p:pic>
+    </p:spTree>
+    <p:extLst>
+      <p:ext uri="{BB962C8B-B14F-4D97-AF65-F5344CB8AC3E}">
+        <p14:creationId xmlns:p14="http://schemas.microsoft.com/office/powerpoint/2010/main" val="804368431"/>
+      </p:ext>
+    </p:extLst>
+  </p:cSld>
+  <p:clrMapOvr>
+    <a:masterClrMapping/>
+  </p:clrMapOvr>
+</p:sld>
+</file>
+
+<file path=ppt/slides/slide21.xml><?xml version="1.0" encoding="utf-8"?>
+<p:sld xmlns:a="http://schemas.openxmlformats.org/drawingml/2006/main" xmlns:r="http://schemas.openxmlformats.org/officeDocument/2006/relationships" xmlns:p="http://schemas.openxmlformats.org/presentationml/2006/main">
+  <p:cSld>
+    <p:spTree>
+      <p:nvGrpSpPr>
+        <p:cNvPr id="1" name=""/>
+        <p:cNvGrpSpPr/>
+        <p:nvPr/>
+      </p:nvGrpSpPr>
+      <p:grpSpPr>
+        <a:xfrm>
+          <a:off x="0" y="0"/>
+          <a:ext cx="0" cy="0"/>
+          <a:chOff x="0" y="0"/>
+          <a:chExt cx="0" cy="0"/>
+        </a:xfrm>
+      </p:grpSpPr>
       <p:sp>
         <p:nvSpPr>
           <p:cNvPr id="2" name="Tytuł 1">
@@ -8483,7 +9570,7 @@
             <a:fld id="{ADC9AAA0-29FB-4B62-AB65-7094BA6E939A}" type="slidenum">
               <a:rPr lang="pl-PL" smtClean="0"/>
               <a:pPr/>
-              <a:t>16</a:t>
+              <a:t>21</a:t>
             </a:fld>
             <a:endParaRPr lang="pl-PL" dirty="0"/>
           </a:p>
@@ -8502,7 +9589,7 @@
 </p:sld>
 </file>
 
-<file path=ppt/slides/slide17.xml><?xml version="1.0" encoding="utf-8"?>
+<file path=ppt/slides/slide22.xml><?xml version="1.0" encoding="utf-8"?>
 <p:sld xmlns:a="http://schemas.openxmlformats.org/drawingml/2006/main" xmlns:r="http://schemas.openxmlformats.org/officeDocument/2006/relationships" xmlns:p="http://schemas.openxmlformats.org/presentationml/2006/main">
   <p:cSld>
     <p:spTree>
@@ -8943,7 +10030,7 @@
             <a:fld id="{ADC9AAA0-29FB-4B62-AB65-7094BA6E939A}" type="slidenum">
               <a:rPr lang="pl-PL" smtClean="0"/>
               <a:pPr/>
-              <a:t>17</a:t>
+              <a:t>22</a:t>
             </a:fld>
             <a:endParaRPr lang="pl-PL" dirty="0"/>
           </a:p>
@@ -8962,7 +10049,7 @@
 </p:sld>
 </file>
 
-<file path=ppt/slides/slide18.xml><?xml version="1.0" encoding="utf-8"?>
+<file path=ppt/slides/slide23.xml><?xml version="1.0" encoding="utf-8"?>
 <p:sld xmlns:a="http://schemas.openxmlformats.org/drawingml/2006/main" xmlns:r="http://schemas.openxmlformats.org/officeDocument/2006/relationships" xmlns:p="http://schemas.openxmlformats.org/presentationml/2006/main">
   <p:cSld>
     <p:spTree>
@@ -9031,7 +10118,7 @@
             <a:fld id="{ADC9AAA0-29FB-4B62-AB65-7094BA6E939A}" type="slidenum">
               <a:rPr lang="pl-PL" smtClean="0"/>
               <a:pPr/>
-              <a:t>18</a:t>
+              <a:t>23</a:t>
             </a:fld>
             <a:endParaRPr lang="pl-PL" dirty="0"/>
           </a:p>
@@ -9052,7 +10139,7 @@
           <p:nvPr>
             <p:extLst>
               <p:ext uri="{D42A27DB-BD31-4B8C-83A1-F6EECF244321}">
-                <p14:modId xmlns:p14="http://schemas.microsoft.com/office/powerpoint/2010/main" val="1435162256"/>
+                <p14:modId xmlns:p14="http://schemas.microsoft.com/office/powerpoint/2010/main" val="2388085865"/>
               </p:ext>
             </p:extLst>
           </p:nvPr>
@@ -9545,7 +10632,14 @@
                       </a:pPr>
                       <a:r>
                         <a:rPr lang="pl-PL" sz="1600" dirty="0"/>
-                        <a:t>20. Uniwersytet Technologiczno-Humanistyczny w Radomiu (obecnie Uniwersytet Radomski)</a:t>
+                        <a:t>20. Uniwersytet Technologiczno-Humanistyczny </a:t>
+                      </a:r>
+                      <a:br>
+                        <a:rPr lang="pl-PL" sz="1600" dirty="0"/>
+                      </a:br>
+                      <a:r>
+                        <a:rPr lang="pl-PL" sz="1600" dirty="0"/>
+                        <a:t>w Radomiu (obecnie Uniwersytet Radomski)</a:t>
                       </a:r>
                     </a:p>
                   </a:txBody>
@@ -9802,949 +10896,7 @@
 </p:sld>
 </file>
 
-<file path=ppt/slides/slide19.xml><?xml version="1.0" encoding="utf-8"?>
-<p:sld xmlns:a="http://schemas.openxmlformats.org/drawingml/2006/main" xmlns:r="http://schemas.openxmlformats.org/officeDocument/2006/relationships" xmlns:p="http://schemas.openxmlformats.org/presentationml/2006/main">
-  <p:cSld>
-    <p:spTree>
-      <p:nvGrpSpPr>
-        <p:cNvPr id="1" name="">
-          <a:extLst>
-            <a:ext uri="{FF2B5EF4-FFF2-40B4-BE49-F238E27FC236}">
-              <a16:creationId xmlns:a16="http://schemas.microsoft.com/office/drawing/2014/main" id="{1620F82F-B11F-29B8-9E16-D1F23DE95A8A}"/>
-            </a:ext>
-          </a:extLst>
-        </p:cNvPr>
-        <p:cNvGrpSpPr/>
-        <p:nvPr/>
-      </p:nvGrpSpPr>
-      <p:grpSpPr>
-        <a:xfrm>
-          <a:off x="0" y="0"/>
-          <a:ext cx="0" cy="0"/>
-          <a:chOff x="0" y="0"/>
-          <a:chExt cx="0" cy="0"/>
-        </a:xfrm>
-      </p:grpSpPr>
-      <p:sp>
-        <p:nvSpPr>
-          <p:cNvPr id="2" name="Tytuł 1">
-            <a:extLst>
-              <a:ext uri="{FF2B5EF4-FFF2-40B4-BE49-F238E27FC236}">
-                <a16:creationId xmlns:a16="http://schemas.microsoft.com/office/drawing/2014/main" id="{5AED2154-D69D-5AA9-A0B5-655C196FE946}"/>
-              </a:ext>
-            </a:extLst>
-          </p:cNvPr>
-          <p:cNvSpPr>
-            <a:spLocks noGrp="1"/>
-          </p:cNvSpPr>
-          <p:nvPr>
-            <p:ph type="title"/>
-          </p:nvPr>
-        </p:nvSpPr>
-        <p:spPr/>
-        <p:txBody>
-          <a:bodyPr>
-            <a:normAutofit/>
-          </a:bodyPr>
-          <a:lstStyle/>
-          <a:p>
-            <a:r>
-              <a:rPr lang="en-GB" dirty="0"/>
-              <a:t>SSDQM</a:t>
-            </a:r>
-            <a:r>
-              <a:rPr lang="pl-PL" dirty="0"/>
-              <a:t> szczegółowy 1/4</a:t>
-            </a:r>
-            <a:endParaRPr lang="en-GB" dirty="0"/>
-          </a:p>
-        </p:txBody>
-      </p:sp>
-      <p:sp>
-        <p:nvSpPr>
-          <p:cNvPr id="3" name="Slide Number Placeholder 2">
-            <a:extLst>
-              <a:ext uri="{FF2B5EF4-FFF2-40B4-BE49-F238E27FC236}">
-                <a16:creationId xmlns:a16="http://schemas.microsoft.com/office/drawing/2014/main" id="{86E77668-F81F-1000-6D2E-94C97D9BA4DE}"/>
-              </a:ext>
-            </a:extLst>
-          </p:cNvPr>
-          <p:cNvSpPr>
-            <a:spLocks noGrp="1"/>
-          </p:cNvSpPr>
-          <p:nvPr>
-            <p:ph type="sldNum" sz="quarter" idx="12"/>
-          </p:nvPr>
-        </p:nvSpPr>
-        <p:spPr/>
-        <p:txBody>
-          <a:bodyPr/>
-          <a:lstStyle/>
-          <a:p>
-            <a:fld id="{ADC9AAA0-29FB-4B62-AB65-7094BA6E939A}" type="slidenum">
-              <a:rPr lang="pl-PL" smtClean="0"/>
-              <a:pPr/>
-              <a:t>19</a:t>
-            </a:fld>
-            <a:endParaRPr lang="pl-PL" dirty="0"/>
-          </a:p>
-        </p:txBody>
-      </p:sp>
-      <p:pic>
-        <p:nvPicPr>
-          <p:cNvPr id="10" name="Picture 9">
-            <a:extLst>
-              <a:ext uri="{FF2B5EF4-FFF2-40B4-BE49-F238E27FC236}">
-                <a16:creationId xmlns:a16="http://schemas.microsoft.com/office/drawing/2014/main" id="{514AC38D-E102-A90E-56E5-CFF4E33DFF7C}"/>
-              </a:ext>
-            </a:extLst>
-          </p:cNvPr>
-          <p:cNvPicPr>
-            <a:picLocks noChangeAspect="1"/>
-          </p:cNvPicPr>
-          <p:nvPr/>
-        </p:nvPicPr>
-        <p:blipFill>
-          <a:blip r:embed="rId2">
-            <a:extLst>
-              <a:ext uri="{28A0092B-C50C-407E-A947-70E740481C1C}">
-                <a14:useLocalDpi xmlns:a14="http://schemas.microsoft.com/office/drawing/2010/main" val="0"/>
-              </a:ext>
-            </a:extLst>
-          </a:blip>
-          <a:stretch>
-            <a:fillRect/>
-          </a:stretch>
-        </p:blipFill>
-        <p:spPr>
-          <a:xfrm>
-            <a:off x="2160000" y="1463941"/>
-            <a:ext cx="6727154" cy="5374747"/>
-          </a:xfrm>
-          <a:prstGeom prst="rect">
-            <a:avLst/>
-          </a:prstGeom>
-        </p:spPr>
-      </p:pic>
-    </p:spTree>
-    <p:extLst>
-      <p:ext uri="{BB962C8B-B14F-4D97-AF65-F5344CB8AC3E}">
-        <p14:creationId xmlns:p14="http://schemas.microsoft.com/office/powerpoint/2010/main" val="3866209314"/>
-      </p:ext>
-    </p:extLst>
-  </p:cSld>
-  <p:clrMapOvr>
-    <a:masterClrMapping/>
-  </p:clrMapOvr>
-</p:sld>
-</file>
-
-<file path=ppt/slides/slide2.xml><?xml version="1.0" encoding="utf-8"?>
-<p:sld xmlns:a="http://schemas.openxmlformats.org/drawingml/2006/main" xmlns:r="http://schemas.openxmlformats.org/officeDocument/2006/relationships" xmlns:p="http://schemas.openxmlformats.org/presentationml/2006/main">
-  <p:cSld>
-    <p:spTree>
-      <p:nvGrpSpPr>
-        <p:cNvPr id="1" name="">
-          <a:extLst>
-            <a:ext uri="{FF2B5EF4-FFF2-40B4-BE49-F238E27FC236}">
-              <a16:creationId xmlns:a16="http://schemas.microsoft.com/office/drawing/2014/main" id="{4BB6AA11-E039-65BB-26A4-E3A4E0B67ADC}"/>
-            </a:ext>
-          </a:extLst>
-        </p:cNvPr>
-        <p:cNvGrpSpPr/>
-        <p:nvPr/>
-      </p:nvGrpSpPr>
-      <p:grpSpPr>
-        <a:xfrm>
-          <a:off x="0" y="0"/>
-          <a:ext cx="0" cy="0"/>
-          <a:chOff x="0" y="0"/>
-          <a:chExt cx="0" cy="0"/>
-        </a:xfrm>
-      </p:grpSpPr>
-      <p:sp>
-        <p:nvSpPr>
-          <p:cNvPr id="2" name="Tytuł 1">
-            <a:extLst>
-              <a:ext uri="{FF2B5EF4-FFF2-40B4-BE49-F238E27FC236}">
-                <a16:creationId xmlns:a16="http://schemas.microsoft.com/office/drawing/2014/main" id="{72A14A42-1B92-9784-BC35-5C9D20F369BC}"/>
-              </a:ext>
-            </a:extLst>
-          </p:cNvPr>
-          <p:cNvSpPr>
-            <a:spLocks noGrp="1"/>
-          </p:cNvSpPr>
-          <p:nvPr>
-            <p:ph type="title"/>
-          </p:nvPr>
-        </p:nvSpPr>
-        <p:spPr/>
-        <p:txBody>
-          <a:bodyPr/>
-          <a:lstStyle/>
-          <a:p>
-            <a:r>
-              <a:rPr lang="pl-PL" dirty="0"/>
-              <a:t>Istotne współcześnie koncepcje</a:t>
-            </a:r>
-            <a:endParaRPr lang="en-GB" dirty="0"/>
-          </a:p>
-        </p:txBody>
-      </p:sp>
-      <p:sp>
-        <p:nvSpPr>
-          <p:cNvPr id="3" name="Symbol zastępczy zawartości 2">
-            <a:extLst>
-              <a:ext uri="{FF2B5EF4-FFF2-40B4-BE49-F238E27FC236}">
-                <a16:creationId xmlns:a16="http://schemas.microsoft.com/office/drawing/2014/main" id="{090B7A1D-900A-B07F-9669-5987791DE012}"/>
-              </a:ext>
-            </a:extLst>
-          </p:cNvPr>
-          <p:cNvSpPr>
-            <a:spLocks noGrp="1"/>
-          </p:cNvSpPr>
-          <p:nvPr>
-            <p:ph idx="1"/>
-          </p:nvPr>
-        </p:nvSpPr>
-        <p:spPr/>
-        <p:txBody>
-          <a:bodyPr>
-            <a:normAutofit/>
-          </a:bodyPr>
-          <a:lstStyle/>
-          <a:p>
-            <a:pPr algn="l"/>
-            <a:endParaRPr lang="en-GB" sz="1800" b="0" i="0" u="none" strike="noStrike" baseline="0" dirty="0"/>
-          </a:p>
-          <a:p>
-            <a:pPr algn="l"/>
-            <a:endParaRPr lang="en-GB" sz="1800" dirty="0"/>
-          </a:p>
-          <a:p>
-            <a:pPr algn="l"/>
-            <a:endParaRPr lang="en-GB" sz="1800" dirty="0"/>
-          </a:p>
-        </p:txBody>
-      </p:sp>
-      <p:sp>
-        <p:nvSpPr>
-          <p:cNvPr id="6" name="pole tekstowe 5">
-            <a:extLst>
-              <a:ext uri="{FF2B5EF4-FFF2-40B4-BE49-F238E27FC236}">
-                <a16:creationId xmlns:a16="http://schemas.microsoft.com/office/drawing/2014/main" id="{F53C298A-0337-328D-FCD3-EE3F62913EA5}"/>
-              </a:ext>
-            </a:extLst>
-          </p:cNvPr>
-          <p:cNvSpPr txBox="1"/>
-          <p:nvPr/>
-        </p:nvSpPr>
-        <p:spPr>
-          <a:xfrm>
-            <a:off x="8574005" y="2647996"/>
-            <a:ext cx="2836831" cy="3262432"/>
-          </a:xfrm>
-          <a:prstGeom prst="rect">
-            <a:avLst/>
-          </a:prstGeom>
-          <a:noFill/>
-        </p:spPr>
-        <p:txBody>
-          <a:bodyPr wrap="square" rtlCol="0">
-            <a:spAutoFit/>
-          </a:bodyPr>
-          <a:lstStyle/>
-          <a:p>
-            <a:r>
-              <a:rPr lang="en-GB" b="1" dirty="0"/>
-              <a:t>SR</a:t>
-            </a:r>
-            <a:r>
-              <a:rPr lang="en-GB" dirty="0"/>
-              <a:t> – </a:t>
-            </a:r>
-            <a:r>
-              <a:rPr lang="pl-PL" dirty="0"/>
-              <a:t>regulacje prawne </a:t>
-            </a:r>
-            <a:r>
-              <a:rPr lang="pl-PL" sz="1600" dirty="0"/>
-              <a:t>(</a:t>
-            </a:r>
-            <a:r>
-              <a:rPr lang="en-GB" sz="1600" i="1" dirty="0"/>
-              <a:t>State Regulations</a:t>
-            </a:r>
-            <a:r>
-              <a:rPr lang="pl-PL" sz="1600" dirty="0"/>
-              <a:t>)</a:t>
-            </a:r>
-            <a:endParaRPr lang="en-GB" sz="1600" dirty="0"/>
-          </a:p>
-          <a:p>
-            <a:r>
-              <a:rPr lang="en-GB" b="1" dirty="0"/>
-              <a:t>AG</a:t>
-            </a:r>
-            <a:r>
-              <a:rPr lang="en-GB" dirty="0"/>
-              <a:t> – </a:t>
-            </a:r>
-            <a:r>
-              <a:rPr lang="pl-PL" dirty="0"/>
-              <a:t>znaczenie kolegialności </a:t>
-            </a:r>
-            <a:r>
-              <a:rPr lang="pl-PL" sz="1600" dirty="0"/>
-              <a:t>(</a:t>
-            </a:r>
-            <a:r>
-              <a:rPr lang="en-GB" sz="1600" i="1" dirty="0"/>
-              <a:t>Academic</a:t>
-            </a:r>
-            <a:r>
-              <a:rPr lang="pl-PL" sz="1600" i="1" dirty="0"/>
-              <a:t> </a:t>
-            </a:r>
-            <a:r>
-              <a:rPr lang="en-GB" sz="1600" i="1" dirty="0"/>
-              <a:t>self-Governance</a:t>
-            </a:r>
-            <a:r>
-              <a:rPr lang="pl-PL" sz="1600" dirty="0"/>
-              <a:t>)</a:t>
-            </a:r>
-            <a:endParaRPr lang="en-GB" dirty="0"/>
-          </a:p>
-          <a:p>
-            <a:r>
-              <a:rPr lang="en-GB" b="1" dirty="0"/>
-              <a:t>SG</a:t>
-            </a:r>
-            <a:r>
-              <a:rPr lang="en-GB" dirty="0"/>
-              <a:t> – </a:t>
-            </a:r>
-            <a:r>
-              <a:rPr lang="pl-PL" dirty="0"/>
-              <a:t>rola interesariuszy </a:t>
-            </a:r>
-            <a:r>
-              <a:rPr lang="pl-PL" sz="1600" dirty="0"/>
-              <a:t>(</a:t>
-            </a:r>
-            <a:r>
-              <a:rPr lang="en-GB" sz="1600" i="1" dirty="0"/>
-              <a:t>Stakeholder guidance</a:t>
-            </a:r>
-            <a:r>
-              <a:rPr lang="pl-PL" sz="1600" dirty="0"/>
-              <a:t>)</a:t>
-            </a:r>
-            <a:endParaRPr lang="en-GB" dirty="0"/>
-          </a:p>
-          <a:p>
-            <a:r>
-              <a:rPr lang="en-GB" b="1" dirty="0"/>
-              <a:t>MG</a:t>
-            </a:r>
-            <a:r>
-              <a:rPr lang="en-GB" dirty="0"/>
-              <a:t> –</a:t>
-            </a:r>
-            <a:r>
-              <a:rPr lang="pl-PL" dirty="0"/>
-              <a:t> umocowanie władzy rektora </a:t>
-            </a:r>
-            <a:r>
-              <a:rPr lang="pl-PL" sz="1600" dirty="0"/>
-              <a:t>(</a:t>
-            </a:r>
-            <a:r>
-              <a:rPr lang="en-GB" sz="1600" i="1" dirty="0"/>
-              <a:t>Managerial self-Governance</a:t>
-            </a:r>
-            <a:r>
-              <a:rPr lang="pl-PL" sz="1600" dirty="0"/>
-              <a:t>)</a:t>
-            </a:r>
-            <a:endParaRPr lang="en-GB" dirty="0"/>
-          </a:p>
-          <a:p>
-            <a:r>
-              <a:rPr lang="en-GB" b="1" dirty="0"/>
-              <a:t>C</a:t>
-            </a:r>
-            <a:r>
-              <a:rPr lang="en-GB" dirty="0"/>
-              <a:t> – </a:t>
-            </a:r>
-            <a:r>
-              <a:rPr lang="pl-PL" dirty="0"/>
-              <a:t>konkurencyjność </a:t>
-            </a:r>
-            <a:r>
-              <a:rPr lang="pl-PL" sz="1600" dirty="0"/>
-              <a:t>(</a:t>
-            </a:r>
-            <a:r>
-              <a:rPr lang="en-GB" sz="1600" i="1" dirty="0"/>
-              <a:t>Competition</a:t>
-            </a:r>
-            <a:r>
-              <a:rPr lang="pl-PL" sz="1600" dirty="0"/>
-              <a:t>)</a:t>
-            </a:r>
-            <a:endParaRPr lang="en-GB" dirty="0"/>
-          </a:p>
-        </p:txBody>
-      </p:sp>
-      <p:pic>
-        <p:nvPicPr>
-          <p:cNvPr id="5" name="Obraz 4">
-            <a:extLst>
-              <a:ext uri="{FF2B5EF4-FFF2-40B4-BE49-F238E27FC236}">
-                <a16:creationId xmlns:a16="http://schemas.microsoft.com/office/drawing/2014/main" id="{4FBC298E-44CC-7CAE-285D-D56AB176563A}"/>
-              </a:ext>
-            </a:extLst>
-          </p:cNvPr>
-          <p:cNvPicPr>
-            <a:picLocks noChangeAspect="1"/>
-          </p:cNvPicPr>
-          <p:nvPr/>
-        </p:nvPicPr>
-        <p:blipFill>
-          <a:blip r:embed="rId3">
-            <a:extLst>
-              <a:ext uri="{28A0092B-C50C-407E-A947-70E740481C1C}">
-                <a14:useLocalDpi xmlns:a14="http://schemas.microsoft.com/office/drawing/2010/main" val="0"/>
-              </a:ext>
-            </a:extLst>
-          </a:blip>
-          <a:stretch>
-            <a:fillRect/>
-          </a:stretch>
-        </p:blipFill>
-        <p:spPr>
-          <a:xfrm>
-            <a:off x="616752" y="1690688"/>
-            <a:ext cx="7735806" cy="5129794"/>
-          </a:xfrm>
-          <a:prstGeom prst="rect">
-            <a:avLst/>
-          </a:prstGeom>
-        </p:spPr>
-      </p:pic>
-      <p:sp>
-        <p:nvSpPr>
-          <p:cNvPr id="12" name="pole tekstowe 11">
-            <a:extLst>
-              <a:ext uri="{FF2B5EF4-FFF2-40B4-BE49-F238E27FC236}">
-                <a16:creationId xmlns:a16="http://schemas.microsoft.com/office/drawing/2014/main" id="{07889635-5BA9-6891-5DEB-6C9D858EF2F7}"/>
-              </a:ext>
-            </a:extLst>
-          </p:cNvPr>
-          <p:cNvSpPr txBox="1"/>
-          <p:nvPr/>
-        </p:nvSpPr>
-        <p:spPr>
-          <a:xfrm>
-            <a:off x="5520651" y="6142218"/>
-            <a:ext cx="4972050" cy="276999"/>
-          </a:xfrm>
-          <a:prstGeom prst="rect">
-            <a:avLst/>
-          </a:prstGeom>
-          <a:noFill/>
-        </p:spPr>
-        <p:txBody>
-          <a:bodyPr wrap="square" rtlCol="0">
-            <a:spAutoFit/>
-          </a:bodyPr>
-          <a:lstStyle/>
-          <a:p>
-            <a:r>
-              <a:rPr lang="pl-PL" sz="1200" dirty="0"/>
-              <a:t>źródło</a:t>
-            </a:r>
-            <a:r>
-              <a:rPr lang="en-GB" sz="1200" dirty="0"/>
-              <a:t>: </a:t>
-            </a:r>
-            <a:r>
-              <a:rPr lang="en-GB" sz="1200" dirty="0" err="1"/>
-              <a:t>Leja</a:t>
-            </a:r>
-            <a:r>
-              <a:rPr lang="en-GB" sz="1200" dirty="0"/>
-              <a:t> 2011, </a:t>
-            </a:r>
-            <a:r>
-              <a:rPr lang="pl-PL" sz="1200" dirty="0"/>
-              <a:t>s</a:t>
-            </a:r>
-            <a:r>
-              <a:rPr lang="en-GB" sz="1200" dirty="0"/>
-              <a:t>. 175</a:t>
-            </a:r>
-          </a:p>
-        </p:txBody>
-      </p:sp>
-      <p:sp>
-        <p:nvSpPr>
-          <p:cNvPr id="4" name="Slide Number Placeholder 3">
-            <a:extLst>
-              <a:ext uri="{FF2B5EF4-FFF2-40B4-BE49-F238E27FC236}">
-                <a16:creationId xmlns:a16="http://schemas.microsoft.com/office/drawing/2014/main" id="{1147AC23-3475-4523-C972-1623159CF714}"/>
-              </a:ext>
-            </a:extLst>
-          </p:cNvPr>
-          <p:cNvSpPr>
-            <a:spLocks noGrp="1"/>
-          </p:cNvSpPr>
-          <p:nvPr>
-            <p:ph type="sldNum" sz="quarter" idx="12"/>
-          </p:nvPr>
-        </p:nvSpPr>
-        <p:spPr/>
-        <p:txBody>
-          <a:bodyPr/>
-          <a:lstStyle/>
-          <a:p>
-            <a:fld id="{ADC9AAA0-29FB-4B62-AB65-7094BA6E939A}" type="slidenum">
-              <a:rPr lang="pl-PL" smtClean="0"/>
-              <a:pPr/>
-              <a:t>2</a:t>
-            </a:fld>
-            <a:endParaRPr lang="pl-PL" dirty="0"/>
-          </a:p>
-        </p:txBody>
-      </p:sp>
-    </p:spTree>
-    <p:extLst>
-      <p:ext uri="{BB962C8B-B14F-4D97-AF65-F5344CB8AC3E}">
-        <p14:creationId xmlns:p14="http://schemas.microsoft.com/office/powerpoint/2010/main" val="1770607422"/>
-      </p:ext>
-    </p:extLst>
-  </p:cSld>
-  <p:clrMapOvr>
-    <a:masterClrMapping/>
-  </p:clrMapOvr>
-</p:sld>
-</file>
-
-<file path=ppt/slides/slide20.xml><?xml version="1.0" encoding="utf-8"?>
-<p:sld xmlns:a="http://schemas.openxmlformats.org/drawingml/2006/main" xmlns:r="http://schemas.openxmlformats.org/officeDocument/2006/relationships" xmlns:p="http://schemas.openxmlformats.org/presentationml/2006/main">
-  <p:cSld>
-    <p:spTree>
-      <p:nvGrpSpPr>
-        <p:cNvPr id="1" name="">
-          <a:extLst>
-            <a:ext uri="{FF2B5EF4-FFF2-40B4-BE49-F238E27FC236}">
-              <a16:creationId xmlns:a16="http://schemas.microsoft.com/office/drawing/2014/main" id="{712EE5FD-FFE9-DF2B-E9AB-DF665F10251E}"/>
-            </a:ext>
-          </a:extLst>
-        </p:cNvPr>
-        <p:cNvGrpSpPr/>
-        <p:nvPr/>
-      </p:nvGrpSpPr>
-      <p:grpSpPr>
-        <a:xfrm>
-          <a:off x="0" y="0"/>
-          <a:ext cx="0" cy="0"/>
-          <a:chOff x="0" y="0"/>
-          <a:chExt cx="0" cy="0"/>
-        </a:xfrm>
-      </p:grpSpPr>
-      <p:sp>
-        <p:nvSpPr>
-          <p:cNvPr id="2" name="Tytuł 1">
-            <a:extLst>
-              <a:ext uri="{FF2B5EF4-FFF2-40B4-BE49-F238E27FC236}">
-                <a16:creationId xmlns:a16="http://schemas.microsoft.com/office/drawing/2014/main" id="{F2AAB3C6-246A-5A22-41C1-21D137631479}"/>
-              </a:ext>
-            </a:extLst>
-          </p:cNvPr>
-          <p:cNvSpPr>
-            <a:spLocks noGrp="1"/>
-          </p:cNvSpPr>
-          <p:nvPr>
-            <p:ph type="title"/>
-          </p:nvPr>
-        </p:nvSpPr>
-        <p:spPr/>
-        <p:txBody>
-          <a:bodyPr>
-            <a:normAutofit/>
-          </a:bodyPr>
-          <a:lstStyle/>
-          <a:p>
-            <a:r>
-              <a:rPr lang="en-GB" dirty="0"/>
-              <a:t>SSDQM</a:t>
-            </a:r>
-            <a:r>
-              <a:rPr lang="pl-PL" dirty="0"/>
-              <a:t> szczegółowy 2/4</a:t>
-            </a:r>
-            <a:endParaRPr lang="en-GB" dirty="0"/>
-          </a:p>
-        </p:txBody>
-      </p:sp>
-      <p:sp>
-        <p:nvSpPr>
-          <p:cNvPr id="3" name="Slide Number Placeholder 2">
-            <a:extLst>
-              <a:ext uri="{FF2B5EF4-FFF2-40B4-BE49-F238E27FC236}">
-                <a16:creationId xmlns:a16="http://schemas.microsoft.com/office/drawing/2014/main" id="{80156EC0-4523-3700-7EDC-B0D918A5A731}"/>
-              </a:ext>
-            </a:extLst>
-          </p:cNvPr>
-          <p:cNvSpPr>
-            <a:spLocks noGrp="1"/>
-          </p:cNvSpPr>
-          <p:nvPr>
-            <p:ph type="sldNum" sz="quarter" idx="12"/>
-          </p:nvPr>
-        </p:nvSpPr>
-        <p:spPr/>
-        <p:txBody>
-          <a:bodyPr/>
-          <a:lstStyle/>
-          <a:p>
-            <a:fld id="{ADC9AAA0-29FB-4B62-AB65-7094BA6E939A}" type="slidenum">
-              <a:rPr lang="pl-PL" smtClean="0"/>
-              <a:pPr/>
-              <a:t>20</a:t>
-            </a:fld>
-            <a:endParaRPr lang="pl-PL" dirty="0"/>
-          </a:p>
-        </p:txBody>
-      </p:sp>
-      <p:pic>
-        <p:nvPicPr>
-          <p:cNvPr id="5" name="Picture 4">
-            <a:extLst>
-              <a:ext uri="{FF2B5EF4-FFF2-40B4-BE49-F238E27FC236}">
-                <a16:creationId xmlns:a16="http://schemas.microsoft.com/office/drawing/2014/main" id="{6A8C2D84-2542-C273-83F4-F9FBA73230EE}"/>
-              </a:ext>
-            </a:extLst>
-          </p:cNvPr>
-          <p:cNvPicPr>
-            <a:picLocks noChangeAspect="1"/>
-          </p:cNvPicPr>
-          <p:nvPr/>
-        </p:nvPicPr>
-        <p:blipFill>
-          <a:blip r:embed="rId2">
-            <a:extLst>
-              <a:ext uri="{28A0092B-C50C-407E-A947-70E740481C1C}">
-                <a14:useLocalDpi xmlns:a14="http://schemas.microsoft.com/office/drawing/2010/main" val="0"/>
-              </a:ext>
-            </a:extLst>
-          </a:blip>
-          <a:stretch>
-            <a:fillRect/>
-          </a:stretch>
-        </p:blipFill>
-        <p:spPr>
-          <a:xfrm>
-            <a:off x="2160000" y="1451352"/>
-            <a:ext cx="7199920" cy="5406648"/>
-          </a:xfrm>
-          <a:prstGeom prst="rect">
-            <a:avLst/>
-          </a:prstGeom>
-        </p:spPr>
-      </p:pic>
-    </p:spTree>
-    <p:extLst>
-      <p:ext uri="{BB962C8B-B14F-4D97-AF65-F5344CB8AC3E}">
-        <p14:creationId xmlns:p14="http://schemas.microsoft.com/office/powerpoint/2010/main" val="1494649102"/>
-      </p:ext>
-    </p:extLst>
-  </p:cSld>
-  <p:clrMapOvr>
-    <a:masterClrMapping/>
-  </p:clrMapOvr>
-</p:sld>
-</file>
-
-<file path=ppt/slides/slide21.xml><?xml version="1.0" encoding="utf-8"?>
-<p:sld xmlns:a="http://schemas.openxmlformats.org/drawingml/2006/main" xmlns:r="http://schemas.openxmlformats.org/officeDocument/2006/relationships" xmlns:p="http://schemas.openxmlformats.org/presentationml/2006/main">
-  <p:cSld>
-    <p:spTree>
-      <p:nvGrpSpPr>
-        <p:cNvPr id="1" name="">
-          <a:extLst>
-            <a:ext uri="{FF2B5EF4-FFF2-40B4-BE49-F238E27FC236}">
-              <a16:creationId xmlns:a16="http://schemas.microsoft.com/office/drawing/2014/main" id="{60E8C0CA-6642-3869-CB14-5891903CDE3C}"/>
-            </a:ext>
-          </a:extLst>
-        </p:cNvPr>
-        <p:cNvGrpSpPr/>
-        <p:nvPr/>
-      </p:nvGrpSpPr>
-      <p:grpSpPr>
-        <a:xfrm>
-          <a:off x="0" y="0"/>
-          <a:ext cx="0" cy="0"/>
-          <a:chOff x="0" y="0"/>
-          <a:chExt cx="0" cy="0"/>
-        </a:xfrm>
-      </p:grpSpPr>
-      <p:sp>
-        <p:nvSpPr>
-          <p:cNvPr id="2" name="Tytuł 1">
-            <a:extLst>
-              <a:ext uri="{FF2B5EF4-FFF2-40B4-BE49-F238E27FC236}">
-                <a16:creationId xmlns:a16="http://schemas.microsoft.com/office/drawing/2014/main" id="{BBC1AE95-84DF-D253-0E13-6F3D4675106E}"/>
-              </a:ext>
-            </a:extLst>
-          </p:cNvPr>
-          <p:cNvSpPr>
-            <a:spLocks noGrp="1"/>
-          </p:cNvSpPr>
-          <p:nvPr>
-            <p:ph type="title"/>
-          </p:nvPr>
-        </p:nvSpPr>
-        <p:spPr/>
-        <p:txBody>
-          <a:bodyPr>
-            <a:normAutofit/>
-          </a:bodyPr>
-          <a:lstStyle/>
-          <a:p>
-            <a:r>
-              <a:rPr lang="en-GB" dirty="0"/>
-              <a:t>SSDQM</a:t>
-            </a:r>
-            <a:r>
-              <a:rPr lang="pl-PL" dirty="0"/>
-              <a:t> szczegółowy 3/4</a:t>
-            </a:r>
-            <a:endParaRPr lang="en-GB" dirty="0"/>
-          </a:p>
-        </p:txBody>
-      </p:sp>
-      <p:sp>
-        <p:nvSpPr>
-          <p:cNvPr id="3" name="Slide Number Placeholder 2">
-            <a:extLst>
-              <a:ext uri="{FF2B5EF4-FFF2-40B4-BE49-F238E27FC236}">
-                <a16:creationId xmlns:a16="http://schemas.microsoft.com/office/drawing/2014/main" id="{86C1EF0A-6EC2-080A-C789-FA2F4C2E5CEA}"/>
-              </a:ext>
-            </a:extLst>
-          </p:cNvPr>
-          <p:cNvSpPr>
-            <a:spLocks noGrp="1"/>
-          </p:cNvSpPr>
-          <p:nvPr>
-            <p:ph type="sldNum" sz="quarter" idx="12"/>
-          </p:nvPr>
-        </p:nvSpPr>
-        <p:spPr/>
-        <p:txBody>
-          <a:bodyPr/>
-          <a:lstStyle/>
-          <a:p>
-            <a:fld id="{ADC9AAA0-29FB-4B62-AB65-7094BA6E939A}" type="slidenum">
-              <a:rPr lang="pl-PL" smtClean="0"/>
-              <a:pPr/>
-              <a:t>21</a:t>
-            </a:fld>
-            <a:endParaRPr lang="pl-PL" dirty="0"/>
-          </a:p>
-        </p:txBody>
-      </p:sp>
-      <p:pic>
-        <p:nvPicPr>
-          <p:cNvPr id="6" name="Picture 5">
-            <a:extLst>
-              <a:ext uri="{FF2B5EF4-FFF2-40B4-BE49-F238E27FC236}">
-                <a16:creationId xmlns:a16="http://schemas.microsoft.com/office/drawing/2014/main" id="{6767A521-74EC-2D5C-67A8-E66218B33152}"/>
-              </a:ext>
-            </a:extLst>
-          </p:cNvPr>
-          <p:cNvPicPr>
-            <a:picLocks noChangeAspect="1"/>
-          </p:cNvPicPr>
-          <p:nvPr/>
-        </p:nvPicPr>
-        <p:blipFill>
-          <a:blip r:embed="rId2">
-            <a:extLst>
-              <a:ext uri="{28A0092B-C50C-407E-A947-70E740481C1C}">
-                <a14:useLocalDpi xmlns:a14="http://schemas.microsoft.com/office/drawing/2010/main" val="0"/>
-              </a:ext>
-            </a:extLst>
-          </a:blip>
-          <a:stretch>
-            <a:fillRect/>
-          </a:stretch>
-        </p:blipFill>
-        <p:spPr>
-          <a:xfrm>
-            <a:off x="2160000" y="1371172"/>
-            <a:ext cx="4800104" cy="5486827"/>
-          </a:xfrm>
-          <a:prstGeom prst="rect">
-            <a:avLst/>
-          </a:prstGeom>
-        </p:spPr>
-      </p:pic>
-    </p:spTree>
-    <p:extLst>
-      <p:ext uri="{BB962C8B-B14F-4D97-AF65-F5344CB8AC3E}">
-        <p14:creationId xmlns:p14="http://schemas.microsoft.com/office/powerpoint/2010/main" val="2793833798"/>
-      </p:ext>
-    </p:extLst>
-  </p:cSld>
-  <p:clrMapOvr>
-    <a:masterClrMapping/>
-  </p:clrMapOvr>
-</p:sld>
-</file>
-
-<file path=ppt/slides/slide22.xml><?xml version="1.0" encoding="utf-8"?>
-<p:sld xmlns:a="http://schemas.openxmlformats.org/drawingml/2006/main" xmlns:r="http://schemas.openxmlformats.org/officeDocument/2006/relationships" xmlns:p="http://schemas.openxmlformats.org/presentationml/2006/main">
-  <p:cSld>
-    <p:spTree>
-      <p:nvGrpSpPr>
-        <p:cNvPr id="1" name="">
-          <a:extLst>
-            <a:ext uri="{FF2B5EF4-FFF2-40B4-BE49-F238E27FC236}">
-              <a16:creationId xmlns:a16="http://schemas.microsoft.com/office/drawing/2014/main" id="{F676E10F-81F9-549B-4129-418FC678649B}"/>
-            </a:ext>
-          </a:extLst>
-        </p:cNvPr>
-        <p:cNvGrpSpPr/>
-        <p:nvPr/>
-      </p:nvGrpSpPr>
-      <p:grpSpPr>
-        <a:xfrm>
-          <a:off x="0" y="0"/>
-          <a:ext cx="0" cy="0"/>
-          <a:chOff x="0" y="0"/>
-          <a:chExt cx="0" cy="0"/>
-        </a:xfrm>
-      </p:grpSpPr>
-      <p:sp>
-        <p:nvSpPr>
-          <p:cNvPr id="2" name="Tytuł 1">
-            <a:extLst>
-              <a:ext uri="{FF2B5EF4-FFF2-40B4-BE49-F238E27FC236}">
-                <a16:creationId xmlns:a16="http://schemas.microsoft.com/office/drawing/2014/main" id="{99CDE3C1-1FCA-458F-002B-816D11925B41}"/>
-              </a:ext>
-            </a:extLst>
-          </p:cNvPr>
-          <p:cNvSpPr>
-            <a:spLocks noGrp="1"/>
-          </p:cNvSpPr>
-          <p:nvPr>
-            <p:ph type="title"/>
-          </p:nvPr>
-        </p:nvSpPr>
-        <p:spPr/>
-        <p:txBody>
-          <a:bodyPr>
-            <a:normAutofit/>
-          </a:bodyPr>
-          <a:lstStyle/>
-          <a:p>
-            <a:r>
-              <a:rPr lang="en-GB" dirty="0"/>
-              <a:t>SSDQM</a:t>
-            </a:r>
-            <a:r>
-              <a:rPr lang="pl-PL" dirty="0"/>
-              <a:t> szczegółowy 4/4</a:t>
-            </a:r>
-            <a:endParaRPr lang="en-GB" dirty="0"/>
-          </a:p>
-        </p:txBody>
-      </p:sp>
-      <p:sp>
-        <p:nvSpPr>
-          <p:cNvPr id="3" name="Slide Number Placeholder 2">
-            <a:extLst>
-              <a:ext uri="{FF2B5EF4-FFF2-40B4-BE49-F238E27FC236}">
-                <a16:creationId xmlns:a16="http://schemas.microsoft.com/office/drawing/2014/main" id="{C4AE83DB-4903-E89E-8506-078EBF08BB65}"/>
-              </a:ext>
-            </a:extLst>
-          </p:cNvPr>
-          <p:cNvSpPr>
-            <a:spLocks noGrp="1"/>
-          </p:cNvSpPr>
-          <p:nvPr>
-            <p:ph type="sldNum" sz="quarter" idx="12"/>
-          </p:nvPr>
-        </p:nvSpPr>
-        <p:spPr/>
-        <p:txBody>
-          <a:bodyPr/>
-          <a:lstStyle/>
-          <a:p>
-            <a:fld id="{ADC9AAA0-29FB-4B62-AB65-7094BA6E939A}" type="slidenum">
-              <a:rPr lang="pl-PL" smtClean="0"/>
-              <a:pPr/>
-              <a:t>22</a:t>
-            </a:fld>
-            <a:endParaRPr lang="pl-PL" dirty="0"/>
-          </a:p>
-        </p:txBody>
-      </p:sp>
-      <p:pic>
-        <p:nvPicPr>
-          <p:cNvPr id="5" name="Picture 4">
-            <a:extLst>
-              <a:ext uri="{FF2B5EF4-FFF2-40B4-BE49-F238E27FC236}">
-                <a16:creationId xmlns:a16="http://schemas.microsoft.com/office/drawing/2014/main" id="{A146A23D-EED4-E5D8-8646-B7A3D480BFE6}"/>
-              </a:ext>
-            </a:extLst>
-          </p:cNvPr>
-          <p:cNvPicPr>
-            <a:picLocks noChangeAspect="1"/>
-          </p:cNvPicPr>
-          <p:nvPr/>
-        </p:nvPicPr>
-        <p:blipFill>
-          <a:blip r:embed="rId2">
-            <a:extLst>
-              <a:ext uri="{28A0092B-C50C-407E-A947-70E740481C1C}">
-                <a14:useLocalDpi xmlns:a14="http://schemas.microsoft.com/office/drawing/2010/main" val="0"/>
-              </a:ext>
-            </a:extLst>
-          </a:blip>
-          <a:stretch>
-            <a:fillRect/>
-          </a:stretch>
-        </p:blipFill>
-        <p:spPr>
-          <a:xfrm>
-            <a:off x="2160000" y="1728000"/>
-            <a:ext cx="8438932" cy="5024921"/>
-          </a:xfrm>
-          <a:prstGeom prst="rect">
-            <a:avLst/>
-          </a:prstGeom>
-        </p:spPr>
-      </p:pic>
-    </p:spTree>
-    <p:extLst>
-      <p:ext uri="{BB962C8B-B14F-4D97-AF65-F5344CB8AC3E}">
-        <p14:creationId xmlns:p14="http://schemas.microsoft.com/office/powerpoint/2010/main" val="577102635"/>
-      </p:ext>
-    </p:extLst>
-  </p:cSld>
-  <p:clrMapOvr>
-    <a:masterClrMapping/>
-  </p:clrMapOvr>
-</p:sld>
-</file>
-
-<file path=ppt/slides/slide23.xml><?xml version="1.0" encoding="utf-8"?>
+<file path=ppt/slides/slide24.xml><?xml version="1.0" encoding="utf-8"?>
 <p:sld xmlns:a="http://schemas.openxmlformats.org/drawingml/2006/main" xmlns:r="http://schemas.openxmlformats.org/officeDocument/2006/relationships" xmlns:p="http://schemas.openxmlformats.org/presentationml/2006/main">
   <p:cSld>
     <p:spTree>
@@ -10822,7 +10974,7 @@
             <a:fld id="{ADC9AAA0-29FB-4B62-AB65-7094BA6E939A}" type="slidenum">
               <a:rPr lang="pl-PL" smtClean="0"/>
               <a:pPr/>
-              <a:t>23</a:t>
+              <a:t>24</a:t>
             </a:fld>
             <a:endParaRPr lang="pl-PL" dirty="0"/>
           </a:p>
@@ -11444,7 +11596,7 @@
 </p:sld>
 </file>
 
-<file path=ppt/slides/slide24.xml><?xml version="1.0" encoding="utf-8"?>
+<file path=ppt/slides/slide25.xml><?xml version="1.0" encoding="utf-8"?>
 <p:sld xmlns:a="http://schemas.openxmlformats.org/drawingml/2006/main" xmlns:r="http://schemas.openxmlformats.org/officeDocument/2006/relationships" xmlns:p="http://schemas.openxmlformats.org/presentationml/2006/main">
   <p:cSld>
     <p:spTree>
@@ -11452,7 +11604,7 @@
         <p:cNvPr id="1" name="">
           <a:extLst>
             <a:ext uri="{FF2B5EF4-FFF2-40B4-BE49-F238E27FC236}">
-              <a16:creationId xmlns:a16="http://schemas.microsoft.com/office/drawing/2014/main" id="{19802E52-2C34-5D43-D9A0-F97E73020A74}"/>
+              <a16:creationId xmlns:a16="http://schemas.microsoft.com/office/drawing/2014/main" id="{9D392543-8AB0-F564-DC6F-5FD50A28BAA0}"/>
             </a:ext>
           </a:extLst>
         </p:cNvPr>
@@ -11472,7 +11624,7 @@
           <p:cNvPr id="2" name="Tytuł 1">
             <a:extLst>
               <a:ext uri="{FF2B5EF4-FFF2-40B4-BE49-F238E27FC236}">
-                <a16:creationId xmlns:a16="http://schemas.microsoft.com/office/drawing/2014/main" id="{82CD0E2F-995B-4010-9501-BDB9F6BA13B8}"/>
+                <a16:creationId xmlns:a16="http://schemas.microsoft.com/office/drawing/2014/main" id="{1EBEF059-4177-0ACD-0BF2-8092DE546725}"/>
               </a:ext>
             </a:extLst>
           </p:cNvPr>
@@ -11490,9 +11642,16 @@
           <a:p>
             <a:r>
               <a:rPr lang="pl-PL" dirty="0"/>
-              <a:t>Zmiany w koncepcjach uniwersytetu</a:t>
-            </a:r>
-            <a:endParaRPr lang="en-GB" dirty="0"/>
+              <a:t>Wyniki testów U </a:t>
+            </a:r>
+            <a:r>
+              <a:rPr lang="pl-PL" dirty="0" err="1"/>
+              <a:t>Manna-Whitney’a</a:t>
+            </a:r>
+            <a:r>
+              <a:rPr lang="pl-PL" dirty="0"/>
+              <a:t> dla danych z ELA</a:t>
+            </a:r>
           </a:p>
         </p:txBody>
       </p:sp>
@@ -11501,7 +11660,7 @@
           <p:cNvPr id="3" name="Symbol zastępczy zawartości 2">
             <a:extLst>
               <a:ext uri="{FF2B5EF4-FFF2-40B4-BE49-F238E27FC236}">
-                <a16:creationId xmlns:a16="http://schemas.microsoft.com/office/drawing/2014/main" id="{6997F5E1-4FDF-8E25-1565-AFADBA00C4C1}"/>
+                <a16:creationId xmlns:a16="http://schemas.microsoft.com/office/drawing/2014/main" id="{EBB9B99F-491C-18FF-6925-AACF8A4FC996}"/>
               </a:ext>
             </a:extLst>
           </p:cNvPr>
@@ -11520,67 +11679,359 @@
           <a:lstStyle/>
           <a:p>
             <a:pPr algn="l"/>
-            <a:endParaRPr lang="en-GB" sz="1800" b="0" i="0" u="none" strike="noStrike" baseline="0" dirty="0"/>
+            <a:r>
+              <a:rPr lang="pl-PL" sz="2400" b="0" i="0" u="none" strike="noStrike" baseline="0" dirty="0">
+                <a:latin typeface="Calibri" panose="020F0502020204030204" pitchFamily="34" charset="0"/>
+                <a:cs typeface="Calibri" panose="020F0502020204030204" pitchFamily="34" charset="0"/>
+              </a:rPr>
+              <a:t>Zarobki 3R: U</a:t>
+            </a:r>
+            <a:r>
+              <a:rPr lang="pl-PL" sz="2400" b="0" i="0" u="none" strike="noStrike" baseline="-25000" dirty="0">
+                <a:latin typeface="Calibri" panose="020F0502020204030204" pitchFamily="34" charset="0"/>
+                <a:cs typeface="Calibri" panose="020F0502020204030204" pitchFamily="34" charset="0"/>
+              </a:rPr>
+              <a:t>2</a:t>
+            </a:r>
+            <a:r>
+              <a:rPr lang="pl-PL" sz="2400" b="0" i="0" u="none" strike="noStrike" baseline="0" dirty="0">
+                <a:latin typeface="Calibri" panose="020F0502020204030204" pitchFamily="34" charset="0"/>
+                <a:cs typeface="Calibri" panose="020F0502020204030204" pitchFamily="34" charset="0"/>
+              </a:rPr>
+              <a:t>(</a:t>
+            </a:r>
+            <a:r>
+              <a:rPr lang="pl-PL" sz="2400" b="0" i="0" u="none" strike="noStrike" baseline="0" dirty="0" err="1">
+                <a:latin typeface="Calibri" panose="020F0502020204030204" pitchFamily="34" charset="0"/>
+                <a:cs typeface="Calibri" panose="020F0502020204030204" pitchFamily="34" charset="0"/>
+              </a:rPr>
+              <a:t>ntech</a:t>
+            </a:r>
+            <a:r>
+              <a:rPr lang="pl-PL" sz="2400" b="0" i="0" u="none" strike="noStrike" baseline="0" dirty="0">
+                <a:latin typeface="Calibri" panose="020F0502020204030204" pitchFamily="34" charset="0"/>
+                <a:cs typeface="Calibri" panose="020F0502020204030204" pitchFamily="34" charset="0"/>
+              </a:rPr>
+              <a:t>) = 2573 przy N=441; Z = -3,4941; p = 0,0002 &lt; </a:t>
+            </a:r>
+            <a:r>
+              <a:rPr lang="el-GR" sz="2400" b="0" i="0" u="none" strike="noStrike" baseline="0" dirty="0">
+                <a:latin typeface="Calibri" panose="020F0502020204030204" pitchFamily="34" charset="0"/>
+                <a:cs typeface="Calibri" panose="020F0502020204030204" pitchFamily="34" charset="0"/>
+              </a:rPr>
+              <a:t>α</a:t>
+            </a:r>
+            <a:r>
+              <a:rPr lang="pl-PL" sz="2400" b="0" i="0" u="none" strike="noStrike" baseline="0" dirty="0">
+                <a:latin typeface="Calibri" panose="020F0502020204030204" pitchFamily="34" charset="0"/>
+                <a:cs typeface="Calibri" panose="020F0502020204030204" pitchFamily="34" charset="0"/>
+              </a:rPr>
+              <a:t> = 0,05</a:t>
+            </a:r>
           </a:p>
           <a:p>
             <a:pPr algn="l"/>
-            <a:endParaRPr lang="en-GB" sz="1800" dirty="0"/>
+            <a:r>
+              <a:rPr lang="pl-PL" sz="2400" dirty="0">
+                <a:latin typeface="Calibri" panose="020F0502020204030204" pitchFamily="34" charset="0"/>
+                <a:cs typeface="Calibri" panose="020F0502020204030204" pitchFamily="34" charset="0"/>
+              </a:rPr>
+              <a:t>Stopa zatrudnienia_3R: </a:t>
+            </a:r>
+            <a:r>
+              <a:rPr lang="pl-PL" sz="2400" b="0" i="0" u="none" strike="noStrike" baseline="0" dirty="0">
+                <a:latin typeface="Calibri" panose="020F0502020204030204" pitchFamily="34" charset="0"/>
+                <a:cs typeface="Calibri" panose="020F0502020204030204" pitchFamily="34" charset="0"/>
+              </a:rPr>
+              <a:t>U</a:t>
+            </a:r>
+            <a:r>
+              <a:rPr lang="pl-PL" sz="2400" b="0" i="0" u="none" strike="noStrike" baseline="-25000" dirty="0">
+                <a:latin typeface="Calibri" panose="020F0502020204030204" pitchFamily="34" charset="0"/>
+                <a:cs typeface="Calibri" panose="020F0502020204030204" pitchFamily="34" charset="0"/>
+              </a:rPr>
+              <a:t>2</a:t>
+            </a:r>
+            <a:r>
+              <a:rPr lang="pl-PL" sz="2400" b="0" i="0" u="none" strike="noStrike" baseline="0" dirty="0">
+                <a:latin typeface="Calibri" panose="020F0502020204030204" pitchFamily="34" charset="0"/>
+                <a:cs typeface="Calibri" panose="020F0502020204030204" pitchFamily="34" charset="0"/>
+              </a:rPr>
+              <a:t>(</a:t>
+            </a:r>
+            <a:r>
+              <a:rPr lang="pl-PL" sz="2400" b="0" i="0" u="none" strike="noStrike" baseline="0" dirty="0" err="1">
+                <a:latin typeface="Calibri" panose="020F0502020204030204" pitchFamily="34" charset="0"/>
+                <a:cs typeface="Calibri" panose="020F0502020204030204" pitchFamily="34" charset="0"/>
+              </a:rPr>
+              <a:t>ntech</a:t>
+            </a:r>
+            <a:r>
+              <a:rPr lang="pl-PL" sz="2400" b="0" i="0" u="none" strike="noStrike" baseline="0" dirty="0">
+                <a:latin typeface="Calibri" panose="020F0502020204030204" pitchFamily="34" charset="0"/>
+                <a:cs typeface="Calibri" panose="020F0502020204030204" pitchFamily="34" charset="0"/>
+              </a:rPr>
+              <a:t>) = 3637; Z = -1,6681; p = 0,0476 &lt; </a:t>
+            </a:r>
+            <a:r>
+              <a:rPr lang="el-GR" sz="2400" b="0" i="0" u="none" strike="noStrike" baseline="0" dirty="0">
+                <a:latin typeface="Calibri" panose="020F0502020204030204" pitchFamily="34" charset="0"/>
+                <a:cs typeface="Calibri" panose="020F0502020204030204" pitchFamily="34" charset="0"/>
+              </a:rPr>
+              <a:t>α</a:t>
+            </a:r>
+            <a:r>
+              <a:rPr lang="pl-PL" sz="2400" b="0" i="0" u="none" strike="noStrike" baseline="0" dirty="0">
+                <a:latin typeface="Calibri" panose="020F0502020204030204" pitchFamily="34" charset="0"/>
+                <a:cs typeface="Calibri" panose="020F0502020204030204" pitchFamily="34" charset="0"/>
+              </a:rPr>
+              <a:t> = 0,05</a:t>
+            </a:r>
+          </a:p>
+          <a:p>
+            <a:r>
+              <a:rPr lang="pl-PL" sz="2400" dirty="0">
+                <a:latin typeface="Calibri" panose="020F0502020204030204" pitchFamily="34" charset="0"/>
+                <a:cs typeface="Calibri" panose="020F0502020204030204" pitchFamily="34" charset="0"/>
+              </a:rPr>
+              <a:t>IWRA_3R: </a:t>
+            </a:r>
+            <a:r>
+              <a:rPr lang="pl-PL" sz="2400" b="0" i="0" u="none" strike="noStrike" baseline="0" dirty="0">
+                <a:latin typeface="Calibri" panose="020F0502020204030204" pitchFamily="34" charset="0"/>
+                <a:cs typeface="Calibri" panose="020F0502020204030204" pitchFamily="34" charset="0"/>
+              </a:rPr>
+              <a:t>U</a:t>
+            </a:r>
+            <a:r>
+              <a:rPr lang="pl-PL" sz="2400" b="0" i="0" u="none" strike="noStrike" baseline="-25000" dirty="0">
+                <a:latin typeface="Calibri" panose="020F0502020204030204" pitchFamily="34" charset="0"/>
+                <a:cs typeface="Calibri" panose="020F0502020204030204" pitchFamily="34" charset="0"/>
+              </a:rPr>
+              <a:t>2</a:t>
+            </a:r>
+            <a:r>
+              <a:rPr lang="pl-PL" sz="2400" b="0" i="0" u="none" strike="noStrike" baseline="0" dirty="0">
+                <a:latin typeface="Calibri" panose="020F0502020204030204" pitchFamily="34" charset="0"/>
+                <a:cs typeface="Calibri" panose="020F0502020204030204" pitchFamily="34" charset="0"/>
+              </a:rPr>
+              <a:t>(</a:t>
+            </a:r>
+            <a:r>
+              <a:rPr lang="pl-PL" sz="2400" b="0" i="0" u="none" strike="noStrike" baseline="0" dirty="0" err="1">
+                <a:latin typeface="Calibri" panose="020F0502020204030204" pitchFamily="34" charset="0"/>
+                <a:cs typeface="Calibri" panose="020F0502020204030204" pitchFamily="34" charset="0"/>
+              </a:rPr>
+              <a:t>ntech</a:t>
+            </a:r>
+            <a:r>
+              <a:rPr lang="pl-PL" sz="2400" b="0" i="0" u="none" strike="noStrike" baseline="0" dirty="0">
+                <a:latin typeface="Calibri" panose="020F0502020204030204" pitchFamily="34" charset="0"/>
+                <a:cs typeface="Calibri" panose="020F0502020204030204" pitchFamily="34" charset="0"/>
+              </a:rPr>
+              <a:t>) = 2615; Z = -3,4221; p = 0,0003 &lt; </a:t>
+            </a:r>
+            <a:r>
+              <a:rPr lang="el-GR" sz="2400" b="0" i="0" u="none" strike="noStrike" baseline="0" dirty="0">
+                <a:latin typeface="Calibri" panose="020F0502020204030204" pitchFamily="34" charset="0"/>
+                <a:cs typeface="Calibri" panose="020F0502020204030204" pitchFamily="34" charset="0"/>
+              </a:rPr>
+              <a:t>α</a:t>
+            </a:r>
+            <a:r>
+              <a:rPr lang="pl-PL" sz="2400" b="0" i="0" u="none" strike="noStrike" baseline="0" dirty="0">
+                <a:latin typeface="Calibri" panose="020F0502020204030204" pitchFamily="34" charset="0"/>
+                <a:cs typeface="Calibri" panose="020F0502020204030204" pitchFamily="34" charset="0"/>
+              </a:rPr>
+              <a:t> = 0,05</a:t>
+            </a:r>
+          </a:p>
+          <a:p>
+            <a:r>
+              <a:rPr lang="pl-PL" sz="2400" dirty="0">
+                <a:latin typeface="Calibri" panose="020F0502020204030204" pitchFamily="34" charset="0"/>
+                <a:cs typeface="Calibri" panose="020F0502020204030204" pitchFamily="34" charset="0"/>
+              </a:rPr>
+              <a:t>WWZ_3R: </a:t>
+            </a:r>
+            <a:r>
+              <a:rPr lang="pl-PL" sz="2400" b="0" i="0" u="none" strike="noStrike" baseline="0" dirty="0">
+                <a:latin typeface="Calibri" panose="020F0502020204030204" pitchFamily="34" charset="0"/>
+                <a:cs typeface="Calibri" panose="020F0502020204030204" pitchFamily="34" charset="0"/>
+              </a:rPr>
+              <a:t>U</a:t>
+            </a:r>
+            <a:r>
+              <a:rPr lang="pl-PL" sz="2400" b="0" i="0" u="none" strike="noStrike" baseline="-25000" dirty="0">
+                <a:latin typeface="Calibri" panose="020F0502020204030204" pitchFamily="34" charset="0"/>
+                <a:cs typeface="Calibri" panose="020F0502020204030204" pitchFamily="34" charset="0"/>
+              </a:rPr>
+              <a:t>2</a:t>
+            </a:r>
+            <a:r>
+              <a:rPr lang="pl-PL" sz="2400" b="0" i="0" u="none" strike="noStrike" baseline="0" dirty="0">
+                <a:latin typeface="Calibri" panose="020F0502020204030204" pitchFamily="34" charset="0"/>
+                <a:cs typeface="Calibri" panose="020F0502020204030204" pitchFamily="34" charset="0"/>
+              </a:rPr>
+              <a:t>(</a:t>
+            </a:r>
+            <a:r>
+              <a:rPr lang="pl-PL" sz="2400" b="0" i="0" u="none" strike="noStrike" baseline="0" dirty="0" err="1">
+                <a:latin typeface="Calibri" panose="020F0502020204030204" pitchFamily="34" charset="0"/>
+                <a:cs typeface="Calibri" panose="020F0502020204030204" pitchFamily="34" charset="0"/>
+              </a:rPr>
+              <a:t>ntech</a:t>
+            </a:r>
+            <a:r>
+              <a:rPr lang="pl-PL" sz="2400" b="0" i="0" u="none" strike="noStrike" baseline="0" dirty="0">
+                <a:latin typeface="Calibri" panose="020F0502020204030204" pitchFamily="34" charset="0"/>
+                <a:cs typeface="Calibri" panose="020F0502020204030204" pitchFamily="34" charset="0"/>
+              </a:rPr>
+              <a:t>) = 2338; Z = -3,8974; p ≈ 0,0000 &lt; </a:t>
+            </a:r>
+            <a:r>
+              <a:rPr lang="el-GR" sz="2400" b="0" i="0" u="none" strike="noStrike" baseline="0" dirty="0">
+                <a:latin typeface="Calibri" panose="020F0502020204030204" pitchFamily="34" charset="0"/>
+                <a:cs typeface="Calibri" panose="020F0502020204030204" pitchFamily="34" charset="0"/>
+              </a:rPr>
+              <a:t>α</a:t>
+            </a:r>
+            <a:r>
+              <a:rPr lang="pl-PL" sz="2400" b="0" i="0" u="none" strike="noStrike" baseline="0" dirty="0">
+                <a:latin typeface="Calibri" panose="020F0502020204030204" pitchFamily="34" charset="0"/>
+                <a:cs typeface="Calibri" panose="020F0502020204030204" pitchFamily="34" charset="0"/>
+              </a:rPr>
+              <a:t> = 0,05</a:t>
+            </a:r>
+          </a:p>
+          <a:p>
+            <a:r>
+              <a:rPr lang="pl-PL" sz="2400" dirty="0">
+                <a:latin typeface="Calibri" panose="020F0502020204030204" pitchFamily="34" charset="0"/>
+                <a:cs typeface="Calibri" panose="020F0502020204030204" pitchFamily="34" charset="0"/>
+              </a:rPr>
+              <a:t>IWRA_WWZ_3R: </a:t>
+            </a:r>
+            <a:r>
+              <a:rPr lang="pl-PL" sz="2400" b="0" i="0" u="none" strike="noStrike" baseline="0" dirty="0">
+                <a:latin typeface="Calibri" panose="020F0502020204030204" pitchFamily="34" charset="0"/>
+                <a:cs typeface="Calibri" panose="020F0502020204030204" pitchFamily="34" charset="0"/>
+              </a:rPr>
+              <a:t>U</a:t>
+            </a:r>
+            <a:r>
+              <a:rPr lang="pl-PL" sz="2400" b="0" i="0" u="none" strike="noStrike" baseline="-25000" dirty="0">
+                <a:latin typeface="Calibri" panose="020F0502020204030204" pitchFamily="34" charset="0"/>
+                <a:cs typeface="Calibri" panose="020F0502020204030204" pitchFamily="34" charset="0"/>
+              </a:rPr>
+              <a:t>2</a:t>
+            </a:r>
+            <a:r>
+              <a:rPr lang="pl-PL" sz="2400" b="0" i="0" u="none" strike="noStrike" baseline="0" dirty="0">
+                <a:latin typeface="Calibri" panose="020F0502020204030204" pitchFamily="34" charset="0"/>
+                <a:cs typeface="Calibri" panose="020F0502020204030204" pitchFamily="34" charset="0"/>
+              </a:rPr>
+              <a:t>(</a:t>
+            </a:r>
+            <a:r>
+              <a:rPr lang="pl-PL" sz="2400" b="0" i="0" u="none" strike="noStrike" baseline="0" dirty="0" err="1">
+                <a:latin typeface="Calibri" panose="020F0502020204030204" pitchFamily="34" charset="0"/>
+                <a:cs typeface="Calibri" panose="020F0502020204030204" pitchFamily="34" charset="0"/>
+              </a:rPr>
+              <a:t>ntech</a:t>
+            </a:r>
+            <a:r>
+              <a:rPr lang="pl-PL" sz="2400" b="0" i="0" u="none" strike="noStrike" baseline="0" dirty="0">
+                <a:latin typeface="Calibri" panose="020F0502020204030204" pitchFamily="34" charset="0"/>
+                <a:cs typeface="Calibri" panose="020F0502020204030204" pitchFamily="34" charset="0"/>
+              </a:rPr>
+              <a:t>) = 2361; Z = -3,8579; p = 0,0001 &lt; </a:t>
+            </a:r>
+            <a:r>
+              <a:rPr lang="el-GR" sz="2400" b="0" i="0" u="none" strike="noStrike" baseline="0" dirty="0">
+                <a:latin typeface="Calibri" panose="020F0502020204030204" pitchFamily="34" charset="0"/>
+                <a:cs typeface="Calibri" panose="020F0502020204030204" pitchFamily="34" charset="0"/>
+              </a:rPr>
+              <a:t>α</a:t>
+            </a:r>
+            <a:r>
+              <a:rPr lang="pl-PL" sz="2400" b="0" i="0" u="none" strike="noStrike" baseline="0" dirty="0">
+                <a:latin typeface="Calibri" panose="020F0502020204030204" pitchFamily="34" charset="0"/>
+                <a:cs typeface="Calibri" panose="020F0502020204030204" pitchFamily="34" charset="0"/>
+              </a:rPr>
+              <a:t> = 0,05</a:t>
+            </a:r>
+          </a:p>
+          <a:p>
+            <a:r>
+              <a:rPr lang="pl-PL" sz="2400" dirty="0">
+                <a:latin typeface="Calibri" panose="020F0502020204030204" pitchFamily="34" charset="0"/>
+                <a:cs typeface="Calibri" panose="020F0502020204030204" pitchFamily="34" charset="0"/>
+              </a:rPr>
+              <a:t>Stopa zatrudnienia_1R: </a:t>
+            </a:r>
+            <a:r>
+              <a:rPr lang="pl-PL" sz="2400" b="0" i="0" u="none" strike="noStrike" baseline="0" dirty="0">
+                <a:latin typeface="Calibri" panose="020F0502020204030204" pitchFamily="34" charset="0"/>
+                <a:cs typeface="Calibri" panose="020F0502020204030204" pitchFamily="34" charset="0"/>
+              </a:rPr>
+              <a:t>U</a:t>
+            </a:r>
+            <a:r>
+              <a:rPr lang="pl-PL" sz="2400" b="0" i="0" u="none" strike="noStrike" baseline="-25000" dirty="0">
+                <a:latin typeface="Calibri" panose="020F0502020204030204" pitchFamily="34" charset="0"/>
+                <a:cs typeface="Calibri" panose="020F0502020204030204" pitchFamily="34" charset="0"/>
+              </a:rPr>
+              <a:t>1</a:t>
+            </a:r>
+            <a:r>
+              <a:rPr lang="pl-PL" sz="2400" b="0" i="0" u="none" strike="noStrike" baseline="0" dirty="0">
+                <a:latin typeface="Calibri" panose="020F0502020204030204" pitchFamily="34" charset="0"/>
+                <a:cs typeface="Calibri" panose="020F0502020204030204" pitchFamily="34" charset="0"/>
+              </a:rPr>
+              <a:t>(</a:t>
+            </a:r>
+            <a:r>
+              <a:rPr lang="pl-PL" sz="2400" b="0" i="0" u="none" strike="noStrike" baseline="0" dirty="0" err="1">
+                <a:latin typeface="Calibri" panose="020F0502020204030204" pitchFamily="34" charset="0"/>
+                <a:cs typeface="Calibri" panose="020F0502020204030204" pitchFamily="34" charset="0"/>
+              </a:rPr>
+              <a:t>tech</a:t>
+            </a:r>
+            <a:r>
+              <a:rPr lang="pl-PL" sz="2400" b="0" i="0" u="none" strike="noStrike" baseline="0" dirty="0">
+                <a:latin typeface="Calibri" panose="020F0502020204030204" pitchFamily="34" charset="0"/>
+                <a:cs typeface="Calibri" panose="020F0502020204030204" pitchFamily="34" charset="0"/>
+              </a:rPr>
+              <a:t>) = 2019; Z = -4,4448; p ≈ 0,0000 &lt; </a:t>
+            </a:r>
+            <a:r>
+              <a:rPr lang="el-GR" sz="2400" b="0" i="0" u="none" strike="noStrike" baseline="0" dirty="0">
+                <a:latin typeface="Calibri" panose="020F0502020204030204" pitchFamily="34" charset="0"/>
+                <a:cs typeface="Calibri" panose="020F0502020204030204" pitchFamily="34" charset="0"/>
+              </a:rPr>
+              <a:t>α</a:t>
+            </a:r>
+            <a:r>
+              <a:rPr lang="pl-PL" sz="2400" b="0" i="0" u="none" strike="noStrike" baseline="0" dirty="0">
+                <a:latin typeface="Calibri" panose="020F0502020204030204" pitchFamily="34" charset="0"/>
+                <a:cs typeface="Calibri" panose="020F0502020204030204" pitchFamily="34" charset="0"/>
+              </a:rPr>
+              <a:t> = 0,05</a:t>
+            </a:r>
+          </a:p>
+          <a:p>
+            <a:endParaRPr lang="pl-PL" sz="2400" b="0" i="0" u="none" strike="noStrike" baseline="0" dirty="0">
+              <a:latin typeface="Calibri" panose="020F0502020204030204" pitchFamily="34" charset="0"/>
+              <a:cs typeface="Calibri" panose="020F0502020204030204" pitchFamily="34" charset="0"/>
+            </a:endParaRPr>
           </a:p>
           <a:p>
             <a:pPr algn="l"/>
-            <a:endParaRPr lang="en-GB" sz="1800" dirty="0"/>
-          </a:p>
-        </p:txBody>
-      </p:sp>
-      <p:sp>
-        <p:nvSpPr>
-          <p:cNvPr id="12" name="pole tekstowe 11">
-            <a:extLst>
-              <a:ext uri="{FF2B5EF4-FFF2-40B4-BE49-F238E27FC236}">
-                <a16:creationId xmlns:a16="http://schemas.microsoft.com/office/drawing/2014/main" id="{0C09BB2A-EC85-660C-037E-DE4BCCEBA79C}"/>
-              </a:ext>
-            </a:extLst>
-          </p:cNvPr>
-          <p:cNvSpPr txBox="1"/>
-          <p:nvPr/>
-        </p:nvSpPr>
-        <p:spPr>
-          <a:xfrm>
-            <a:off x="7122386" y="5946130"/>
-            <a:ext cx="3936332" cy="461665"/>
-          </a:xfrm>
-          <a:prstGeom prst="rect">
-            <a:avLst/>
-          </a:prstGeom>
-          <a:noFill/>
-        </p:spPr>
-        <p:txBody>
-          <a:bodyPr wrap="square" rtlCol="0">
-            <a:spAutoFit/>
-          </a:bodyPr>
-          <a:lstStyle/>
-          <a:p>
-            <a:r>
-              <a:rPr lang="pl-PL" sz="1200" dirty="0"/>
-              <a:t>źródło</a:t>
-            </a:r>
-            <a:r>
-              <a:rPr lang="en-GB" sz="1200" dirty="0"/>
-              <a:t>: </a:t>
-            </a:r>
-            <a:r>
-              <a:rPr lang="pl-PL" sz="1200" dirty="0"/>
-              <a:t>opracowanie własne na podstawie Cwynar, 2005; De </a:t>
-            </a:r>
-            <a:r>
-              <a:rPr lang="pl-PL" sz="1200" dirty="0" err="1"/>
-              <a:t>Ridder-Symoens</a:t>
-            </a:r>
-            <a:r>
-              <a:rPr lang="pl-PL" sz="1200" dirty="0"/>
-              <a:t>, 2020</a:t>
-            </a:r>
-            <a:endParaRPr lang="en-GB" sz="1200" dirty="0"/>
+            <a:endParaRPr lang="pl-PL" sz="2400" b="0" i="0" u="none" strike="noStrike" baseline="0" dirty="0">
+              <a:latin typeface="Calibri" panose="020F0502020204030204" pitchFamily="34" charset="0"/>
+              <a:cs typeface="Calibri" panose="020F0502020204030204" pitchFamily="34" charset="0"/>
+            </a:endParaRPr>
           </a:p>
         </p:txBody>
       </p:sp>
@@ -11589,7 +12040,7 @@
           <p:cNvPr id="4" name="Slide Number Placeholder 3">
             <a:extLst>
               <a:ext uri="{FF2B5EF4-FFF2-40B4-BE49-F238E27FC236}">
-                <a16:creationId xmlns:a16="http://schemas.microsoft.com/office/drawing/2014/main" id="{0822CF7E-75DD-BCDF-4424-BEADBBC2B3E7}"/>
+                <a16:creationId xmlns:a16="http://schemas.microsoft.com/office/drawing/2014/main" id="{9A71B67F-56C8-0BD4-2AE2-5B1547B611C8}"/>
               </a:ext>
             </a:extLst>
           </p:cNvPr>
@@ -11608,231 +12059,16 @@
             <a:fld id="{ADC9AAA0-29FB-4B62-AB65-7094BA6E939A}" type="slidenum">
               <a:rPr lang="pl-PL" smtClean="0"/>
               <a:pPr/>
-              <a:t>24</a:t>
+              <a:t>25</a:t>
             </a:fld>
             <a:endParaRPr lang="pl-PL" dirty="0"/>
           </a:p>
         </p:txBody>
       </p:sp>
-      <p:pic>
-        <p:nvPicPr>
-          <p:cNvPr id="8" name="Picture 7">
-            <a:extLst>
-              <a:ext uri="{FF2B5EF4-FFF2-40B4-BE49-F238E27FC236}">
-                <a16:creationId xmlns:a16="http://schemas.microsoft.com/office/drawing/2014/main" id="{A5DA9C8F-8406-6195-D4CE-6D0F723DAB54}"/>
-              </a:ext>
-            </a:extLst>
-          </p:cNvPr>
-          <p:cNvPicPr>
-            <a:picLocks noChangeAspect="1"/>
-          </p:cNvPicPr>
-          <p:nvPr/>
-        </p:nvPicPr>
-        <p:blipFill>
-          <a:blip r:embed="rId3">
-            <a:extLst>
-              <a:ext uri="{28A0092B-C50C-407E-A947-70E740481C1C}">
-                <a14:useLocalDpi xmlns:a14="http://schemas.microsoft.com/office/drawing/2010/main" val="0"/>
-              </a:ext>
-            </a:extLst>
-          </a:blip>
-          <a:stretch>
-            <a:fillRect/>
-          </a:stretch>
-        </p:blipFill>
-        <p:spPr>
-          <a:xfrm>
-            <a:off x="796195" y="1584138"/>
-            <a:ext cx="6031109" cy="5117392"/>
-          </a:xfrm>
-          <a:prstGeom prst="rect">
-            <a:avLst/>
-          </a:prstGeom>
-        </p:spPr>
-      </p:pic>
     </p:spTree>
     <p:extLst>
       <p:ext uri="{BB962C8B-B14F-4D97-AF65-F5344CB8AC3E}">
-        <p14:creationId xmlns:p14="http://schemas.microsoft.com/office/powerpoint/2010/main" val="442160630"/>
-      </p:ext>
-    </p:extLst>
-  </p:cSld>
-  <p:clrMapOvr>
-    <a:masterClrMapping/>
-  </p:clrMapOvr>
-</p:sld>
-</file>
-
-<file path=ppt/slides/slide25.xml><?xml version="1.0" encoding="utf-8"?>
-<p:sld xmlns:a="http://schemas.openxmlformats.org/drawingml/2006/main" xmlns:r="http://schemas.openxmlformats.org/officeDocument/2006/relationships" xmlns:p="http://schemas.openxmlformats.org/presentationml/2006/main">
-  <p:cSld>
-    <p:spTree>
-      <p:nvGrpSpPr>
-        <p:cNvPr id="1" name=""/>
-        <p:cNvGrpSpPr/>
-        <p:nvPr/>
-      </p:nvGrpSpPr>
-      <p:grpSpPr>
-        <a:xfrm>
-          <a:off x="0" y="0"/>
-          <a:ext cx="0" cy="0"/>
-          <a:chOff x="0" y="0"/>
-          <a:chExt cx="0" cy="0"/>
-        </a:xfrm>
-      </p:grpSpPr>
-      <p:sp>
-        <p:nvSpPr>
-          <p:cNvPr id="2" name="Tytuł 1">
-            <a:extLst>
-              <a:ext uri="{FF2B5EF4-FFF2-40B4-BE49-F238E27FC236}">
-                <a16:creationId xmlns:a16="http://schemas.microsoft.com/office/drawing/2014/main" id="{DB6EC187-A11A-B519-3209-BC9B1F37B6E7}"/>
-              </a:ext>
-            </a:extLst>
-          </p:cNvPr>
-          <p:cNvSpPr>
-            <a:spLocks noGrp="1"/>
-          </p:cNvSpPr>
-          <p:nvPr>
-            <p:ph type="title"/>
-          </p:nvPr>
-        </p:nvSpPr>
-        <p:spPr/>
-        <p:txBody>
-          <a:bodyPr/>
-          <a:lstStyle/>
-          <a:p>
-            <a:r>
-              <a:rPr lang="pl-PL" dirty="0"/>
-              <a:t>Środowisko sprzecznych interesów</a:t>
-            </a:r>
-            <a:endParaRPr lang="en-GB" dirty="0"/>
-          </a:p>
-        </p:txBody>
-      </p:sp>
-      <p:sp>
-        <p:nvSpPr>
-          <p:cNvPr id="3" name="Slide Number Placeholder 2">
-            <a:extLst>
-              <a:ext uri="{FF2B5EF4-FFF2-40B4-BE49-F238E27FC236}">
-                <a16:creationId xmlns:a16="http://schemas.microsoft.com/office/drawing/2014/main" id="{FA4ACDDB-93A9-15D0-5528-E83A51433C0B}"/>
-              </a:ext>
-            </a:extLst>
-          </p:cNvPr>
-          <p:cNvSpPr>
-            <a:spLocks noGrp="1"/>
-          </p:cNvSpPr>
-          <p:nvPr>
-            <p:ph type="sldNum" sz="quarter" idx="12"/>
-          </p:nvPr>
-        </p:nvSpPr>
-        <p:spPr/>
-        <p:txBody>
-          <a:bodyPr/>
-          <a:lstStyle/>
-          <a:p>
-            <a:fld id="{ADC9AAA0-29FB-4B62-AB65-7094BA6E939A}" type="slidenum">
-              <a:rPr lang="en-GB" smtClean="0"/>
-              <a:pPr/>
-              <a:t>25</a:t>
-            </a:fld>
-            <a:endParaRPr lang="en-GB" dirty="0"/>
-          </a:p>
-        </p:txBody>
-      </p:sp>
-      <p:sp>
-        <p:nvSpPr>
-          <p:cNvPr id="4" name="pole tekstowe 11">
-            <a:extLst>
-              <a:ext uri="{FF2B5EF4-FFF2-40B4-BE49-F238E27FC236}">
-                <a16:creationId xmlns:a16="http://schemas.microsoft.com/office/drawing/2014/main" id="{3B6EF422-0C08-1440-62F5-F70B3F42E972}"/>
-              </a:ext>
-            </a:extLst>
-          </p:cNvPr>
-          <p:cNvSpPr txBox="1"/>
-          <p:nvPr/>
-        </p:nvSpPr>
-        <p:spPr>
-          <a:xfrm>
-            <a:off x="3160183" y="6346153"/>
-            <a:ext cx="5871634" cy="276999"/>
-          </a:xfrm>
-          <a:prstGeom prst="rect">
-            <a:avLst/>
-          </a:prstGeom>
-          <a:noFill/>
-        </p:spPr>
-        <p:txBody>
-          <a:bodyPr wrap="square" rtlCol="0">
-            <a:spAutoFit/>
-          </a:bodyPr>
-          <a:lstStyle/>
-          <a:p>
-            <a:r>
-              <a:rPr lang="pl-PL" sz="1200" dirty="0"/>
-              <a:t>źródło</a:t>
-            </a:r>
-            <a:r>
-              <a:rPr lang="en-GB" sz="1200" dirty="0"/>
-              <a:t>: </a:t>
-            </a:r>
-            <a:r>
-              <a:rPr lang="pl-PL" sz="1200" dirty="0"/>
-              <a:t>opracowanie własne na podstawie</a:t>
-            </a:r>
-            <a:r>
-              <a:rPr lang="en-GB" sz="1200" dirty="0"/>
-              <a:t> </a:t>
-            </a:r>
-            <a:r>
-              <a:rPr lang="en-GB" sz="1200" dirty="0" err="1"/>
-              <a:t>Leja</a:t>
-            </a:r>
-            <a:r>
-              <a:rPr lang="en-GB" sz="1200" dirty="0"/>
-              <a:t>, 2019, s. 13</a:t>
-            </a:r>
-          </a:p>
-        </p:txBody>
-      </p:sp>
-      <p:pic>
-        <p:nvPicPr>
-          <p:cNvPr id="9" name="Content Placeholder 8">
-            <a:extLst>
-              <a:ext uri="{FF2B5EF4-FFF2-40B4-BE49-F238E27FC236}">
-                <a16:creationId xmlns:a16="http://schemas.microsoft.com/office/drawing/2014/main" id="{8D82D832-CC46-F562-B860-AA104EFE627A}"/>
-              </a:ext>
-            </a:extLst>
-          </p:cNvPr>
-          <p:cNvPicPr>
-            <a:picLocks noGrp="1" noChangeAspect="1"/>
-          </p:cNvPicPr>
-          <p:nvPr>
-            <p:ph idx="1"/>
-          </p:nvPr>
-        </p:nvPicPr>
-        <p:blipFill>
-          <a:blip r:embed="rId3">
-            <a:extLst>
-              <a:ext uri="{28A0092B-C50C-407E-A947-70E740481C1C}">
-                <a14:useLocalDpi xmlns:a14="http://schemas.microsoft.com/office/drawing/2010/main" val="0"/>
-              </a:ext>
-            </a:extLst>
-          </a:blip>
-          <a:stretch>
-            <a:fillRect/>
-          </a:stretch>
-        </p:blipFill>
-        <p:spPr>
-          <a:xfrm>
-            <a:off x="1811300" y="1495830"/>
-            <a:ext cx="8569399" cy="4752000"/>
-          </a:xfrm>
-        </p:spPr>
-      </p:pic>
-    </p:spTree>
-    <p:extLst>
-      <p:ext uri="{BB962C8B-B14F-4D97-AF65-F5344CB8AC3E}">
-        <p14:creationId xmlns:p14="http://schemas.microsoft.com/office/powerpoint/2010/main" val="2984450038"/>
+        <p14:creationId xmlns:p14="http://schemas.microsoft.com/office/powerpoint/2010/main" val="3936539100"/>
       </p:ext>
     </p:extLst>
   </p:cSld>
@@ -11847,7 +12083,13 @@
   <p:cSld>
     <p:spTree>
       <p:nvGrpSpPr>
-        <p:cNvPr id="1" name=""/>
+        <p:cNvPr id="1" name="">
+          <a:extLst>
+            <a:ext uri="{FF2B5EF4-FFF2-40B4-BE49-F238E27FC236}">
+              <a16:creationId xmlns:a16="http://schemas.microsoft.com/office/drawing/2014/main" id="{76B36724-324F-C976-1656-1155A02225BB}"/>
+            </a:ext>
+          </a:extLst>
+        </p:cNvPr>
         <p:cNvGrpSpPr/>
         <p:nvPr/>
       </p:nvGrpSpPr>
@@ -11864,7 +12106,7 @@
           <p:cNvPr id="2" name="Tytuł 1">
             <a:extLst>
               <a:ext uri="{FF2B5EF4-FFF2-40B4-BE49-F238E27FC236}">
-                <a16:creationId xmlns:a16="http://schemas.microsoft.com/office/drawing/2014/main" id="{23619B1C-ACF5-E6EC-AB5C-E36EC32066A4}"/>
+                <a16:creationId xmlns:a16="http://schemas.microsoft.com/office/drawing/2014/main" id="{48C85389-38ED-E69A-F285-DA681CF2CF3A}"/>
               </a:ext>
             </a:extLst>
           </p:cNvPr>
@@ -11882,9 +12124,8 @@
           <a:p>
             <a:r>
               <a:rPr lang="pl-PL" dirty="0"/>
-              <a:t>Czym jest jakość edukacji?</a:t>
-            </a:r>
-            <a:endParaRPr lang="en-GB" dirty="0"/>
+              <a:t>Model rys. 30</a:t>
+            </a:r>
           </a:p>
         </p:txBody>
       </p:sp>
@@ -11893,7 +12134,7 @@
           <p:cNvPr id="3" name="Symbol zastępczy zawartości 2">
             <a:extLst>
               <a:ext uri="{FF2B5EF4-FFF2-40B4-BE49-F238E27FC236}">
-                <a16:creationId xmlns:a16="http://schemas.microsoft.com/office/drawing/2014/main" id="{C504B623-DA54-D1B2-D8C7-1772E1CEC98D}"/>
+                <a16:creationId xmlns:a16="http://schemas.microsoft.com/office/drawing/2014/main" id="{C2AA1A73-95DE-4F91-43B8-0B5EA3922492}"/>
               </a:ext>
             </a:extLst>
           </p:cNvPr>
@@ -11907,580 +12148,33 @@
         <p:spPr/>
         <p:txBody>
           <a:bodyPr>
-            <a:normAutofit fontScale="70000" lnSpcReduction="20000"/>
+            <a:normAutofit/>
           </a:bodyPr>
           <a:lstStyle/>
-          <a:p>
-            <a:r>
-              <a:rPr lang="pl-PL" sz="3100" dirty="0">
-                <a:solidFill>
-                  <a:srgbClr val="181818"/>
-                </a:solidFill>
-              </a:rPr>
-              <a:t>Usługi edukacyjne:</a:t>
-            </a:r>
-          </a:p>
-          <a:p>
-            <a:pPr lvl="1"/>
-            <a:r>
-              <a:rPr lang="pl-PL" sz="2300" dirty="0">
-                <a:solidFill>
-                  <a:srgbClr val="181818"/>
-                </a:solidFill>
-              </a:rPr>
-              <a:t>Hiper niematerialne</a:t>
-            </a:r>
-          </a:p>
-          <a:p>
-            <a:pPr lvl="1"/>
-            <a:r>
-              <a:rPr lang="pl-PL" sz="2300" dirty="0">
-                <a:solidFill>
-                  <a:srgbClr val="181818"/>
-                </a:solidFill>
-              </a:rPr>
-              <a:t>Silnie zależne od udziału „klienta”</a:t>
-            </a:r>
-          </a:p>
-          <a:p>
-            <a:pPr lvl="1"/>
-            <a:r>
-              <a:rPr lang="pl-PL" sz="2300" b="0" i="0" dirty="0">
-                <a:solidFill>
-                  <a:srgbClr val="181818"/>
-                </a:solidFill>
-                <a:effectLst/>
-              </a:rPr>
-              <a:t>Skomplikowana struktura relacji</a:t>
-            </a:r>
-          </a:p>
-          <a:p>
-            <a:pPr lvl="1"/>
-            <a:endParaRPr lang="pl-PL" sz="3100" b="0" i="0" u="none" strike="noStrike" baseline="0" dirty="0">
-              <a:highlight>
-                <a:srgbClr val="FFFF00"/>
-              </a:highlight>
-            </a:endParaRPr>
-          </a:p>
-          <a:p>
-            <a:pPr algn="l"/>
-            <a:r>
-              <a:rPr lang="pl-PL" sz="3100" b="0" i="0" u="none" strike="noStrike" baseline="0" dirty="0"/>
-              <a:t>Jakość edukacji</a:t>
-            </a:r>
-            <a:r>
-              <a:rPr lang="en-GB" sz="3100" b="0" i="0" u="none" strike="noStrike" baseline="0" dirty="0"/>
-              <a:t>:</a:t>
-            </a:r>
-            <a:endParaRPr lang="pl-PL" sz="3100" b="0" i="0" u="none" strike="noStrike" baseline="0" dirty="0"/>
-          </a:p>
-          <a:p>
-            <a:pPr algn="l"/>
-            <a:endParaRPr lang="pl-PL" sz="3100" dirty="0"/>
-          </a:p>
-          <a:p>
-            <a:pPr algn="l"/>
-            <a:endParaRPr lang="pl-PL" sz="3100" dirty="0"/>
-          </a:p>
-          <a:p>
-            <a:pPr marL="0" indent="0" algn="l">
-              <a:buNone/>
-            </a:pPr>
-            <a:endParaRPr lang="pl-PL" sz="3100" dirty="0"/>
-          </a:p>
-          <a:p>
-            <a:pPr algn="l"/>
-            <a:r>
-              <a:rPr lang="en-GB" sz="3100" dirty="0"/>
-              <a:t>CFM (</a:t>
-            </a:r>
-            <a:r>
-              <a:rPr lang="en-GB" sz="3100" i="1" dirty="0"/>
-              <a:t>Customer Feedback Measures</a:t>
-            </a:r>
-            <a:r>
-              <a:rPr lang="en-GB" sz="3100" dirty="0"/>
-              <a:t>) – NPS, </a:t>
-            </a:r>
-            <a:r>
-              <a:rPr lang="pl-PL" sz="3100" b="1" dirty="0"/>
-              <a:t>satysfakcja</a:t>
-            </a:r>
-            <a:r>
-              <a:rPr lang="en-GB" sz="3100" dirty="0"/>
-              <a:t>, </a:t>
-            </a:r>
-            <a:r>
-              <a:rPr lang="pl-PL" sz="3100" dirty="0"/>
-              <a:t>lojalność</a:t>
-            </a:r>
-            <a:r>
-              <a:rPr lang="en-GB" sz="3100" dirty="0"/>
-              <a:t>, </a:t>
-            </a:r>
-            <a:r>
-              <a:rPr lang="pl-PL" sz="3100" dirty="0" err="1"/>
-              <a:t>itd</a:t>
-            </a:r>
-            <a:r>
-              <a:rPr lang="en-GB" sz="3100" dirty="0"/>
-              <a:t>.</a:t>
-            </a:r>
-          </a:p>
-          <a:p>
-            <a:pPr algn="l"/>
-            <a:r>
-              <a:rPr lang="pl-PL" sz="3100" dirty="0"/>
-              <a:t>Rankingi</a:t>
-            </a:r>
-            <a:r>
-              <a:rPr lang="en-GB" sz="3100" dirty="0"/>
-              <a:t> – </a:t>
-            </a:r>
-            <a:r>
-              <a:rPr lang="pl-PL" sz="3100" dirty="0"/>
-              <a:t>odległe pozycje polskich uniwersytetów</a:t>
-            </a:r>
-            <a:r>
-              <a:rPr lang="en-GB" sz="3100" dirty="0"/>
-              <a:t> – </a:t>
-            </a:r>
-            <a:r>
-              <a:rPr lang="pl-PL" sz="3100" dirty="0"/>
-              <a:t>nieadekwatne do potencjału polskiej gospodarki</a:t>
-            </a:r>
-            <a:endParaRPr lang="en-GB" sz="3100" b="0" i="0" u="none" strike="noStrike" baseline="0" dirty="0"/>
-          </a:p>
           <a:p>
             <a:pPr marL="0" indent="0">
               <a:buNone/>
             </a:pPr>
-            <a:endParaRPr lang="en-GB" dirty="0"/>
-          </a:p>
-        </p:txBody>
-      </p:sp>
-      <p:sp>
-        <p:nvSpPr>
-          <p:cNvPr id="11" name="Scroll: Horizontal 10">
-            <a:extLst>
-              <a:ext uri="{FF2B5EF4-FFF2-40B4-BE49-F238E27FC236}">
-                <a16:creationId xmlns:a16="http://schemas.microsoft.com/office/drawing/2014/main" id="{70767E45-FAD7-2F11-D2D5-2402BC8C858F}"/>
-              </a:ext>
-            </a:extLst>
-          </p:cNvPr>
-          <p:cNvSpPr/>
-          <p:nvPr/>
-        </p:nvSpPr>
-        <p:spPr>
-          <a:xfrm>
-            <a:off x="5016000" y="1442650"/>
-            <a:ext cx="6480000" cy="1973194"/>
-          </a:xfrm>
-          <a:prstGeom prst="horizontalScroll">
-            <a:avLst>
-              <a:gd name="adj" fmla="val 6902"/>
-            </a:avLst>
-          </a:prstGeom>
-          <a:solidFill>
-            <a:srgbClr val="DABE82"/>
-          </a:solidFill>
-          <a:effectLst>
-            <a:innerShdw blurRad="114300">
-              <a:prstClr val="black"/>
-            </a:innerShdw>
-          </a:effectLst>
-        </p:spPr>
-        <p:style>
-          <a:lnRef idx="2">
-            <a:schemeClr val="accent1">
-              <a:shade val="15000"/>
-            </a:schemeClr>
-          </a:lnRef>
-          <a:fillRef idx="1">
-            <a:schemeClr val="accent1"/>
-          </a:fillRef>
-          <a:effectRef idx="0">
-            <a:schemeClr val="accent1"/>
-          </a:effectRef>
-          <a:fontRef idx="minor">
-            <a:schemeClr val="lt1"/>
-          </a:fontRef>
-        </p:style>
-        <p:txBody>
-          <a:bodyPr rtlCol="0" anchor="ctr"/>
-          <a:lstStyle/>
-          <a:p>
-            <a:pPr algn="ctr">
-              <a:spcBef>
-                <a:spcPts val="600"/>
-              </a:spcBef>
-            </a:pPr>
-            <a:r>
-              <a:rPr lang="en-GB" sz="1600" b="0" i="0" dirty="0">
-                <a:solidFill>
-                  <a:srgbClr val="181818"/>
-                </a:solidFill>
-                <a:effectLst/>
-                <a:latin typeface="Bookman Old Style" panose="02050604050505020204" pitchFamily="18" charset="0"/>
-                <a:cs typeface="Calibri" panose="020F0502020204030204" pitchFamily="34" charset="0"/>
-              </a:rPr>
-              <a:t>“</a:t>
-            </a:r>
-            <a:r>
-              <a:rPr lang="pl-PL" sz="1600" b="0" i="1" dirty="0">
-                <a:solidFill>
-                  <a:srgbClr val="181818"/>
-                </a:solidFill>
-                <a:effectLst/>
-                <a:latin typeface="Bookman Old Style" panose="02050604050505020204" pitchFamily="18" charset="0"/>
-                <a:cs typeface="Calibri" panose="020F0502020204030204" pitchFamily="34" charset="0"/>
-              </a:rPr>
-              <a:t>Jakość... wiesz i nie wiesz, co to jest. To jest zaś sprzeczność sama w sobie. Ale przecież pewne rzeczy są lepsze od innych, czyli mają lepszą jakość. Spróbuj jednak powiedzieć, czym jest jakość w oderwaniu od przedmiotów, których jest właściwością, wtedy wszystko pęka jak bańka mydlana</a:t>
-            </a:r>
-            <a:r>
-              <a:rPr lang="en-GB" sz="1600" b="0" i="0" dirty="0">
-                <a:solidFill>
-                  <a:srgbClr val="181818"/>
-                </a:solidFill>
-                <a:effectLst/>
-                <a:latin typeface="Bookman Old Style" panose="02050604050505020204" pitchFamily="18" charset="0"/>
-                <a:cs typeface="Calibri" panose="020F0502020204030204" pitchFamily="34" charset="0"/>
-              </a:rPr>
-              <a:t>”</a:t>
-            </a:r>
-            <a:endParaRPr lang="pl-PL" sz="1600" b="0" i="0" dirty="0">
-              <a:solidFill>
-                <a:srgbClr val="181818"/>
-              </a:solidFill>
-              <a:effectLst/>
-              <a:latin typeface="Bookman Old Style" panose="02050604050505020204" pitchFamily="18" charset="0"/>
+            <a:endParaRPr lang="pl-PL" sz="2400" b="0" i="0" u="none" strike="noStrike" baseline="0" dirty="0">
+              <a:latin typeface="Calibri" panose="020F0502020204030204" pitchFamily="34" charset="0"/>
               <a:cs typeface="Calibri" panose="020F0502020204030204" pitchFamily="34" charset="0"/>
             </a:endParaRPr>
           </a:p>
           <a:p>
-            <a:pPr algn="ctr">
-              <a:spcBef>
-                <a:spcPts val="600"/>
-              </a:spcBef>
-            </a:pPr>
-            <a:r>
-              <a:rPr lang="en-GB" sz="1100" b="0" i="0" dirty="0">
-                <a:solidFill>
-                  <a:srgbClr val="181818"/>
-                </a:solidFill>
-                <a:effectLst/>
-              </a:rPr>
-              <a:t>Robert M. Pirsig, </a:t>
-            </a:r>
-            <a:r>
-              <a:rPr lang="pl-PL" sz="1100" b="0" i="0" dirty="0">
-                <a:solidFill>
-                  <a:srgbClr val="181818"/>
-                </a:solidFill>
-                <a:effectLst/>
-              </a:rPr>
-              <a:t>Zen i sztuka oporządzania motocykla</a:t>
-            </a:r>
-            <a:endParaRPr lang="pl-PL" sz="1200" dirty="0"/>
-          </a:p>
-        </p:txBody>
-      </p:sp>
-      <p:sp>
-        <p:nvSpPr>
-          <p:cNvPr id="12" name="Scroll: Horizontal 11">
-            <a:extLst>
-              <a:ext uri="{FF2B5EF4-FFF2-40B4-BE49-F238E27FC236}">
-                <a16:creationId xmlns:a16="http://schemas.microsoft.com/office/drawing/2014/main" id="{B8D49D25-B875-347A-5328-3FB5C98CCA85}"/>
-              </a:ext>
-            </a:extLst>
-          </p:cNvPr>
-          <p:cNvSpPr/>
-          <p:nvPr/>
-        </p:nvSpPr>
-        <p:spPr>
-          <a:xfrm>
-            <a:off x="696000" y="3539998"/>
-            <a:ext cx="10800000" cy="1384384"/>
-          </a:xfrm>
-          <a:prstGeom prst="horizontalScroll">
-            <a:avLst/>
-          </a:prstGeom>
-          <a:solidFill>
-            <a:srgbClr val="D6EAF8"/>
-          </a:solidFill>
-          <a:effectLst>
-            <a:innerShdw blurRad="114300">
-              <a:prstClr val="black"/>
-            </a:innerShdw>
-          </a:effectLst>
-        </p:spPr>
-        <p:style>
-          <a:lnRef idx="2">
-            <a:schemeClr val="accent1">
-              <a:shade val="15000"/>
-            </a:schemeClr>
-          </a:lnRef>
-          <a:fillRef idx="1">
-            <a:schemeClr val="accent1"/>
-          </a:fillRef>
-          <a:effectRef idx="0">
-            <a:schemeClr val="accent1"/>
-          </a:effectRef>
-          <a:fontRef idx="minor">
-            <a:schemeClr val="lt1"/>
-          </a:fontRef>
-        </p:style>
-        <p:txBody>
-          <a:bodyPr rtlCol="0" anchor="ctr"/>
-          <a:lstStyle/>
-          <a:p>
-            <a:pPr algn="ctr"/>
-            <a:r>
-              <a:rPr lang="pl-PL" sz="2000" b="0" i="1" dirty="0">
-                <a:solidFill>
-                  <a:srgbClr val="181818"/>
-                </a:solidFill>
-                <a:effectLst/>
-                <a:latin typeface="Calibri" panose="020F0502020204030204" pitchFamily="34" charset="0"/>
-                <a:cs typeface="Calibri" panose="020F0502020204030204" pitchFamily="34" charset="0"/>
-              </a:rPr>
-              <a:t>„</a:t>
-            </a:r>
-            <a:r>
-              <a:rPr lang="pl-PL" b="1" i="1" dirty="0">
-                <a:solidFill>
-                  <a:srgbClr val="181818"/>
-                </a:solidFill>
-                <a:effectLst/>
-                <a:cs typeface="Calibri" panose="020F0502020204030204" pitchFamily="34" charset="0"/>
-              </a:rPr>
-              <a:t>stopień</a:t>
-            </a:r>
-            <a:r>
-              <a:rPr lang="pl-PL" b="0" i="1" dirty="0">
-                <a:solidFill>
-                  <a:srgbClr val="181818"/>
-                </a:solidFill>
-                <a:effectLst/>
-                <a:cs typeface="Calibri" panose="020F0502020204030204" pitchFamily="34" charset="0"/>
-              </a:rPr>
-              <a:t> </a:t>
-            </a:r>
-            <a:r>
-              <a:rPr lang="pl-PL" b="1" i="1" dirty="0">
-                <a:solidFill>
-                  <a:srgbClr val="181818"/>
-                </a:solidFill>
-                <a:effectLst/>
-                <a:cs typeface="Calibri" panose="020F0502020204030204" pitchFamily="34" charset="0"/>
-              </a:rPr>
-              <a:t>spełnienia</a:t>
-            </a:r>
-            <a:r>
-              <a:rPr lang="pl-PL" b="0" i="1" dirty="0">
-                <a:solidFill>
-                  <a:srgbClr val="181818"/>
-                </a:solidFill>
-                <a:effectLst/>
-                <a:cs typeface="Calibri" panose="020F0502020204030204" pitchFamily="34" charset="0"/>
-              </a:rPr>
-              <a:t> </a:t>
-            </a:r>
-            <a:r>
-              <a:rPr lang="pl-PL" b="1" i="1" dirty="0">
-                <a:solidFill>
-                  <a:srgbClr val="181818"/>
-                </a:solidFill>
-                <a:effectLst/>
-                <a:cs typeface="Calibri" panose="020F0502020204030204" pitchFamily="34" charset="0"/>
-              </a:rPr>
-              <a:t>wymagań</a:t>
-            </a:r>
-            <a:r>
-              <a:rPr lang="pl-PL" b="0" i="1" dirty="0">
-                <a:solidFill>
-                  <a:srgbClr val="181818"/>
-                </a:solidFill>
-                <a:effectLst/>
-                <a:cs typeface="Calibri" panose="020F0502020204030204" pitchFamily="34" charset="0"/>
-              </a:rPr>
-              <a:t> dotyczących procesu </a:t>
-            </a:r>
-            <a:r>
-              <a:rPr lang="pl-PL" i="1" dirty="0">
-                <a:solidFill>
-                  <a:srgbClr val="181818"/>
-                </a:solidFill>
-                <a:effectLst/>
-                <a:cs typeface="Calibri" panose="020F0502020204030204" pitchFamily="34" charset="0"/>
-              </a:rPr>
-              <a:t>kształcenia</a:t>
-            </a:r>
-            <a:r>
-              <a:rPr lang="pl-PL" b="0" i="1" dirty="0">
-                <a:solidFill>
-                  <a:srgbClr val="181818"/>
-                </a:solidFill>
-                <a:effectLst/>
-                <a:cs typeface="Calibri" panose="020F0502020204030204" pitchFamily="34" charset="0"/>
-              </a:rPr>
-              <a:t> i jego efektów, formułowanych przez interesariuszy (</a:t>
-            </a:r>
-            <a:r>
-              <a:rPr lang="pl-PL" b="0" i="1" dirty="0" err="1">
-                <a:solidFill>
-                  <a:srgbClr val="181818"/>
-                </a:solidFill>
-                <a:effectLst/>
-                <a:cs typeface="Calibri" panose="020F0502020204030204" pitchFamily="34" charset="0"/>
-              </a:rPr>
-              <a:t>stakeholders</a:t>
-            </a:r>
-            <a:r>
-              <a:rPr lang="pl-PL" b="0" i="1" dirty="0">
-                <a:solidFill>
-                  <a:srgbClr val="181818"/>
-                </a:solidFill>
-                <a:effectLst/>
-                <a:cs typeface="Calibri" panose="020F0502020204030204" pitchFamily="34" charset="0"/>
-              </a:rPr>
-              <a:t>), przy uwzględnieniu uwarunkowań wewnętrznych i zewnętrznych</a:t>
-            </a:r>
-            <a:r>
-              <a:rPr lang="pl-PL" sz="2000" b="0" i="1" dirty="0">
-                <a:solidFill>
-                  <a:srgbClr val="181818"/>
-                </a:solidFill>
-                <a:effectLst/>
-                <a:latin typeface="Calibri" panose="020F0502020204030204" pitchFamily="34" charset="0"/>
-                <a:cs typeface="Calibri" panose="020F0502020204030204" pitchFamily="34" charset="0"/>
-              </a:rPr>
-              <a:t>”</a:t>
-            </a:r>
-          </a:p>
-          <a:p>
-            <a:pPr algn="ctr">
-              <a:spcBef>
-                <a:spcPts val="600"/>
-              </a:spcBef>
-            </a:pPr>
-            <a:r>
-              <a:rPr lang="en-US" sz="1100" b="0" i="0" dirty="0" err="1">
-                <a:solidFill>
-                  <a:srgbClr val="181818"/>
-                </a:solidFill>
-                <a:effectLst/>
-              </a:rPr>
-              <a:t>Grudowski</a:t>
-            </a:r>
-            <a:r>
-              <a:rPr lang="en-US" sz="1100" b="0" i="0" dirty="0">
-                <a:solidFill>
-                  <a:srgbClr val="181818"/>
-                </a:solidFill>
-                <a:effectLst/>
-              </a:rPr>
-              <a:t> &amp; Lewandowski,</a:t>
-            </a:r>
-            <a:r>
-              <a:rPr lang="pl-PL" sz="1100" b="0" i="0" dirty="0">
-                <a:solidFill>
-                  <a:srgbClr val="181818"/>
-                </a:solidFill>
-                <a:effectLst/>
-              </a:rPr>
-              <a:t> Pojęcie jakości kształcenia i uwarunkowania jej kwantyfikacji w uczelniach wyższych</a:t>
-            </a:r>
-            <a:r>
-              <a:rPr lang="en-US" sz="1100" b="0" i="0" dirty="0">
-                <a:solidFill>
-                  <a:srgbClr val="181818"/>
-                </a:solidFill>
-                <a:effectLst/>
-              </a:rPr>
-              <a:t>, </a:t>
-            </a:r>
-            <a:r>
-              <a:rPr lang="en-US" sz="1100" b="0" i="0" dirty="0" err="1">
-                <a:solidFill>
-                  <a:srgbClr val="181818"/>
-                </a:solidFill>
-                <a:effectLst/>
-              </a:rPr>
-              <a:t>Zarządzanie</a:t>
-            </a:r>
-            <a:r>
-              <a:rPr lang="en-US" sz="1100" b="0" i="0" dirty="0">
-                <a:solidFill>
-                  <a:srgbClr val="181818"/>
-                </a:solidFill>
-                <a:effectLst/>
-              </a:rPr>
-              <a:t> </a:t>
-            </a:r>
-            <a:r>
-              <a:rPr lang="en-US" sz="1100" b="0" i="0" dirty="0" err="1">
-                <a:solidFill>
-                  <a:srgbClr val="181818"/>
-                </a:solidFill>
-                <a:effectLst/>
-              </a:rPr>
-              <a:t>i</a:t>
-            </a:r>
-            <a:r>
-              <a:rPr lang="en-US" sz="1100" b="0" i="0" dirty="0">
-                <a:solidFill>
-                  <a:srgbClr val="181818"/>
-                </a:solidFill>
-                <a:effectLst/>
-              </a:rPr>
-              <a:t> </a:t>
-            </a:r>
-            <a:r>
-              <a:rPr lang="en-US" sz="1100" b="0" i="0" dirty="0" err="1">
-                <a:solidFill>
-                  <a:srgbClr val="181818"/>
-                </a:solidFill>
-                <a:effectLst/>
-              </a:rPr>
-              <a:t>Finanse</a:t>
-            </a:r>
-            <a:r>
-              <a:rPr lang="en-US" sz="1100" b="0" i="0" dirty="0">
-                <a:solidFill>
-                  <a:srgbClr val="181818"/>
-                </a:solidFill>
-                <a:effectLst/>
-              </a:rPr>
-              <a:t>, nr 3, </a:t>
-            </a:r>
-            <a:r>
-              <a:rPr lang="en-US" sz="1100" b="0" i="0" dirty="0" err="1">
-                <a:solidFill>
-                  <a:srgbClr val="181818"/>
-                </a:solidFill>
-                <a:effectLst/>
-              </a:rPr>
-              <a:t>cz</a:t>
-            </a:r>
-            <a:r>
-              <a:rPr lang="en-US" sz="1100" b="0" i="0" dirty="0">
-                <a:solidFill>
-                  <a:srgbClr val="181818"/>
-                </a:solidFill>
-                <a:effectLst/>
-              </a:rPr>
-              <a:t>. 1, 2012</a:t>
-            </a:r>
-          </a:p>
-        </p:txBody>
-      </p:sp>
-      <p:sp>
-        <p:nvSpPr>
-          <p:cNvPr id="13" name="Slide Number Placeholder 12">
-            <a:extLst>
-              <a:ext uri="{FF2B5EF4-FFF2-40B4-BE49-F238E27FC236}">
-                <a16:creationId xmlns:a16="http://schemas.microsoft.com/office/drawing/2014/main" id="{1CB7240E-A730-AE43-6D20-BFAE35339E28}"/>
+            <a:pPr algn="l"/>
+            <a:endParaRPr lang="pl-PL" sz="2400" b="0" i="0" u="none" strike="noStrike" baseline="0" dirty="0">
+              <a:latin typeface="Calibri" panose="020F0502020204030204" pitchFamily="34" charset="0"/>
+              <a:cs typeface="Calibri" panose="020F0502020204030204" pitchFamily="34" charset="0"/>
+            </a:endParaRPr>
+          </a:p>
+        </p:txBody>
+      </p:sp>
+      <p:sp>
+        <p:nvSpPr>
+          <p:cNvPr id="4" name="Slide Number Placeholder 3">
+            <a:extLst>
+              <a:ext uri="{FF2B5EF4-FFF2-40B4-BE49-F238E27FC236}">
+                <a16:creationId xmlns:a16="http://schemas.microsoft.com/office/drawing/2014/main" id="{95B5FC62-4A40-D3B3-3DA7-B84C1798C4FB}"/>
               </a:ext>
             </a:extLst>
           </p:cNvPr>
@@ -12505,702 +12199,12 @@
           </a:p>
         </p:txBody>
       </p:sp>
-    </p:spTree>
-    <p:extLst>
-      <p:ext uri="{BB962C8B-B14F-4D97-AF65-F5344CB8AC3E}">
-        <p14:creationId xmlns:p14="http://schemas.microsoft.com/office/powerpoint/2010/main" val="2826465500"/>
-      </p:ext>
-    </p:extLst>
-  </p:cSld>
-  <p:clrMapOvr>
-    <a:masterClrMapping/>
-  </p:clrMapOvr>
-</p:sld>
-</file>
-
-<file path=ppt/slides/slide27.xml><?xml version="1.0" encoding="utf-8"?>
-<p:sld xmlns:a="http://schemas.openxmlformats.org/drawingml/2006/main" xmlns:r="http://schemas.openxmlformats.org/officeDocument/2006/relationships" xmlns:p="http://schemas.openxmlformats.org/presentationml/2006/main">
-  <p:cSld>
-    <p:spTree>
-      <p:nvGrpSpPr>
-        <p:cNvPr id="1" name=""/>
-        <p:cNvGrpSpPr/>
-        <p:nvPr/>
-      </p:nvGrpSpPr>
-      <p:grpSpPr>
-        <a:xfrm>
-          <a:off x="0" y="0"/>
-          <a:ext cx="0" cy="0"/>
-          <a:chOff x="0" y="0"/>
-          <a:chExt cx="0" cy="0"/>
-        </a:xfrm>
-      </p:grpSpPr>
-      <p:sp>
-        <p:nvSpPr>
-          <p:cNvPr id="2" name="Tytuł 1">
-            <a:extLst>
-              <a:ext uri="{FF2B5EF4-FFF2-40B4-BE49-F238E27FC236}">
-                <a16:creationId xmlns:a16="http://schemas.microsoft.com/office/drawing/2014/main" id="{23619B1C-ACF5-E6EC-AB5C-E36EC32066A4}"/>
-              </a:ext>
-            </a:extLst>
-          </p:cNvPr>
-          <p:cNvSpPr>
-            <a:spLocks noGrp="1"/>
-          </p:cNvSpPr>
-          <p:nvPr>
-            <p:ph type="title"/>
-          </p:nvPr>
-        </p:nvSpPr>
-        <p:spPr/>
-        <p:txBody>
-          <a:bodyPr/>
-          <a:lstStyle/>
-          <a:p>
-            <a:r>
-              <a:rPr lang="pl-PL" dirty="0"/>
-              <a:t>Czym jest zarządzanie jakością edukacji</a:t>
-            </a:r>
-            <a:endParaRPr lang="en-GB" dirty="0"/>
-          </a:p>
-        </p:txBody>
-      </p:sp>
-      <p:sp>
-        <p:nvSpPr>
-          <p:cNvPr id="3" name="Symbol zastępczy zawartości 2">
-            <a:extLst>
-              <a:ext uri="{FF2B5EF4-FFF2-40B4-BE49-F238E27FC236}">
-                <a16:creationId xmlns:a16="http://schemas.microsoft.com/office/drawing/2014/main" id="{C504B623-DA54-D1B2-D8C7-1772E1CEC98D}"/>
-              </a:ext>
-            </a:extLst>
-          </p:cNvPr>
-          <p:cNvSpPr>
-            <a:spLocks noGrp="1"/>
-          </p:cNvSpPr>
-          <p:nvPr>
-            <p:ph idx="1"/>
-          </p:nvPr>
-        </p:nvSpPr>
-        <p:spPr/>
-        <p:txBody>
-          <a:bodyPr>
-            <a:normAutofit fontScale="92500" lnSpcReduction="10000"/>
-          </a:bodyPr>
-          <a:lstStyle/>
-          <a:p>
-            <a:r>
-              <a:rPr lang="pl-PL" dirty="0">
-                <a:solidFill>
-                  <a:srgbClr val="181818"/>
-                </a:solidFill>
-              </a:rPr>
-              <a:t>Systemy zarządzania jakością są </a:t>
-            </a:r>
-            <a:br>
-              <a:rPr lang="pl-PL" dirty="0">
-                <a:solidFill>
-                  <a:srgbClr val="181818"/>
-                </a:solidFill>
-              </a:rPr>
-            </a:br>
-            <a:r>
-              <a:rPr lang="pl-PL" b="1" dirty="0" err="1">
-                <a:solidFill>
-                  <a:srgbClr val="181818"/>
-                </a:solidFill>
-              </a:rPr>
-              <a:t>kliento</a:t>
-            </a:r>
-            <a:r>
-              <a:rPr lang="pl-PL" b="1" dirty="0">
-                <a:solidFill>
-                  <a:srgbClr val="181818"/>
-                </a:solidFill>
-              </a:rPr>
-              <a:t>-centryczne</a:t>
-            </a:r>
-          </a:p>
-          <a:p>
-            <a:r>
-              <a:rPr lang="pl-PL" sz="2600" dirty="0">
-                <a:solidFill>
-                  <a:srgbClr val="181818"/>
-                </a:solidFill>
-              </a:rPr>
-              <a:t>Kto jest klientem uczelni?</a:t>
-            </a:r>
-          </a:p>
-          <a:p>
-            <a:r>
-              <a:rPr lang="pl-PL" sz="2600" b="0" i="0" dirty="0">
-                <a:solidFill>
-                  <a:srgbClr val="181818"/>
-                </a:solidFill>
-                <a:effectLst/>
-              </a:rPr>
-              <a:t>Nieudane implementacje </a:t>
-            </a:r>
-            <a:r>
-              <a:rPr lang="en-GB" sz="2600" dirty="0">
-                <a:solidFill>
-                  <a:srgbClr val="181818"/>
-                </a:solidFill>
-              </a:rPr>
-              <a:t>TQM, Lean </a:t>
-            </a:r>
-            <a:r>
-              <a:rPr lang="pl-PL" dirty="0">
-                <a:solidFill>
-                  <a:srgbClr val="181818"/>
-                </a:solidFill>
-              </a:rPr>
-              <a:t>lub</a:t>
-            </a:r>
-            <a:r>
-              <a:rPr lang="en-GB" sz="2600" dirty="0">
-                <a:solidFill>
-                  <a:srgbClr val="181818"/>
-                </a:solidFill>
-              </a:rPr>
-              <a:t> </a:t>
-            </a:r>
-            <a:r>
-              <a:rPr lang="en-GB" sz="2600" dirty="0" err="1">
-                <a:solidFill>
-                  <a:srgbClr val="181818"/>
-                </a:solidFill>
-              </a:rPr>
-              <a:t>SixSigma</a:t>
-            </a:r>
-            <a:r>
-              <a:rPr lang="pl-PL" sz="2600" dirty="0">
-                <a:solidFill>
-                  <a:srgbClr val="181818"/>
-                </a:solidFill>
-              </a:rPr>
-              <a:t> na uczelniach</a:t>
-            </a:r>
-            <a:endParaRPr lang="en-GB" sz="2600" dirty="0">
-              <a:solidFill>
-                <a:srgbClr val="181818"/>
-              </a:solidFill>
-            </a:endParaRPr>
-          </a:p>
-          <a:p>
-            <a:r>
-              <a:rPr lang="en-GB" sz="2600" dirty="0">
-                <a:solidFill>
-                  <a:srgbClr val="181818"/>
-                </a:solidFill>
-              </a:rPr>
-              <a:t>CAF (</a:t>
-            </a:r>
-            <a:r>
-              <a:rPr lang="en-GB" sz="2600" i="1" dirty="0">
-                <a:solidFill>
-                  <a:srgbClr val="181818"/>
-                </a:solidFill>
-              </a:rPr>
-              <a:t>Common Assessment Framework)</a:t>
-            </a:r>
-            <a:r>
-              <a:rPr lang="en-GB" sz="2600" dirty="0">
-                <a:solidFill>
-                  <a:srgbClr val="181818"/>
-                </a:solidFill>
-              </a:rPr>
-              <a:t> </a:t>
-            </a:r>
-            <a:r>
-              <a:rPr lang="pl-PL" sz="2600" dirty="0">
-                <a:solidFill>
-                  <a:srgbClr val="181818"/>
-                </a:solidFill>
-              </a:rPr>
-              <a:t>Wspólna Metoda Oceny </a:t>
-            </a:r>
-            <a:br>
-              <a:rPr lang="pl-PL" sz="2600" dirty="0">
-                <a:solidFill>
-                  <a:srgbClr val="181818"/>
-                </a:solidFill>
-              </a:rPr>
-            </a:br>
-            <a:r>
-              <a:rPr lang="pl-PL" sz="2600" dirty="0">
-                <a:solidFill>
-                  <a:srgbClr val="181818"/>
-                </a:solidFill>
-              </a:rPr>
-              <a:t>dla instytucji publicznych</a:t>
-            </a:r>
-            <a:r>
-              <a:rPr lang="en-GB" sz="2600" dirty="0">
-                <a:solidFill>
-                  <a:srgbClr val="181818"/>
-                </a:solidFill>
-              </a:rPr>
-              <a:t> – </a:t>
-            </a:r>
-            <a:r>
-              <a:rPr lang="pl-PL" sz="2600" dirty="0">
-                <a:solidFill>
-                  <a:srgbClr val="181818"/>
-                </a:solidFill>
-              </a:rPr>
-              <a:t>bliskie idei zarządzania jakością</a:t>
-            </a:r>
-            <a:endParaRPr lang="en-GB" sz="2600" dirty="0">
-              <a:solidFill>
-                <a:srgbClr val="181818"/>
-              </a:solidFill>
-            </a:endParaRPr>
-          </a:p>
-          <a:p>
-            <a:r>
-              <a:rPr lang="en-GB" sz="2600" b="0" i="0" dirty="0">
-                <a:solidFill>
-                  <a:srgbClr val="181818"/>
-                </a:solidFill>
-                <a:effectLst/>
-              </a:rPr>
-              <a:t>PKA (</a:t>
-            </a:r>
-            <a:r>
-              <a:rPr lang="pl-PL" sz="2600" i="1" dirty="0">
-                <a:solidFill>
-                  <a:srgbClr val="181818"/>
-                </a:solidFill>
-              </a:rPr>
-              <a:t>Państwowa Komisja Akredytacyjna</a:t>
-            </a:r>
-            <a:r>
-              <a:rPr lang="en-GB" sz="2600" b="0" i="0" dirty="0">
-                <a:solidFill>
-                  <a:srgbClr val="181818"/>
-                </a:solidFill>
-                <a:effectLst/>
-              </a:rPr>
-              <a:t>) – 10 </a:t>
-            </a:r>
-            <a:r>
-              <a:rPr lang="pl-PL" sz="2600" b="0" i="0" dirty="0">
-                <a:solidFill>
-                  <a:srgbClr val="181818"/>
-                </a:solidFill>
-                <a:effectLst/>
-              </a:rPr>
-              <a:t>kryteriów jakości</a:t>
-            </a:r>
-            <a:br>
-              <a:rPr lang="pl-PL" sz="2600" b="0" i="0" dirty="0">
-                <a:solidFill>
-                  <a:srgbClr val="181818"/>
-                </a:solidFill>
-                <a:effectLst/>
-              </a:rPr>
-            </a:br>
-            <a:r>
-              <a:rPr lang="en-GB" sz="2600" b="0" i="0" dirty="0">
-                <a:solidFill>
-                  <a:srgbClr val="181818"/>
-                </a:solidFill>
-                <a:effectLst/>
-              </a:rPr>
-              <a:t> – </a:t>
-            </a:r>
-            <a:r>
-              <a:rPr lang="pl-PL" dirty="0">
-                <a:solidFill>
-                  <a:srgbClr val="181818"/>
-                </a:solidFill>
-              </a:rPr>
-              <a:t>daleko od idei zarządzania jakością</a:t>
-            </a:r>
-            <a:endParaRPr lang="en-GB" sz="2600" b="0" i="0" dirty="0">
-              <a:solidFill>
-                <a:srgbClr val="181818"/>
-              </a:solidFill>
-              <a:effectLst/>
-            </a:endParaRPr>
-          </a:p>
-          <a:p>
-            <a:r>
-              <a:rPr lang="pl-PL" dirty="0">
-                <a:solidFill>
-                  <a:srgbClr val="181818"/>
-                </a:solidFill>
-              </a:rPr>
-              <a:t>Kluczowa rola liderów organizacji</a:t>
-            </a:r>
-            <a:endParaRPr lang="en-GB" sz="2600" dirty="0">
-              <a:solidFill>
-                <a:srgbClr val="181818"/>
-              </a:solidFill>
-            </a:endParaRPr>
-          </a:p>
-          <a:p>
-            <a:r>
-              <a:rPr lang="en-GB" sz="2600" b="0" i="0" dirty="0">
-                <a:solidFill>
-                  <a:srgbClr val="181818"/>
-                </a:solidFill>
-                <a:effectLst/>
-              </a:rPr>
-              <a:t>ISO </a:t>
-            </a:r>
-            <a:r>
-              <a:rPr lang="en-GB" sz="2600" dirty="0">
-                <a:solidFill>
-                  <a:srgbClr val="181818"/>
-                </a:solidFill>
-              </a:rPr>
-              <a:t>21001:2018 </a:t>
-            </a:r>
-            <a:r>
-              <a:rPr lang="en-GB" sz="2600" b="0" i="0" dirty="0">
-                <a:solidFill>
-                  <a:srgbClr val="181818"/>
-                </a:solidFill>
-                <a:effectLst/>
-              </a:rPr>
-              <a:t>–</a:t>
-            </a:r>
-            <a:r>
-              <a:rPr lang="en-GB" sz="2600" dirty="0">
-                <a:solidFill>
-                  <a:srgbClr val="181818"/>
-                </a:solidFill>
-              </a:rPr>
-              <a:t> </a:t>
-            </a:r>
-            <a:r>
-              <a:rPr lang="pl-PL" sz="2600" dirty="0">
-                <a:solidFill>
-                  <a:srgbClr val="181818"/>
-                </a:solidFill>
-              </a:rPr>
-              <a:t>System zarządzania organizacją edukacyjną</a:t>
-            </a:r>
-            <a:endParaRPr lang="en-GB" dirty="0"/>
-          </a:p>
-        </p:txBody>
-      </p:sp>
-      <p:sp>
-        <p:nvSpPr>
-          <p:cNvPr id="4" name="Scroll: Horizontal 3">
-            <a:extLst>
-              <a:ext uri="{FF2B5EF4-FFF2-40B4-BE49-F238E27FC236}">
-                <a16:creationId xmlns:a16="http://schemas.microsoft.com/office/drawing/2014/main" id="{D221825B-B07B-DF61-C34D-74AAA5803C91}"/>
-              </a:ext>
-            </a:extLst>
-          </p:cNvPr>
-          <p:cNvSpPr/>
-          <p:nvPr/>
-        </p:nvSpPr>
-        <p:spPr>
-          <a:xfrm>
-            <a:off x="5858730" y="1379813"/>
-            <a:ext cx="5688992" cy="1708340"/>
-          </a:xfrm>
-          <a:prstGeom prst="horizontalScroll">
-            <a:avLst>
-              <a:gd name="adj" fmla="val 8378"/>
-            </a:avLst>
-          </a:prstGeom>
-          <a:solidFill>
-            <a:srgbClr val="DABE82"/>
-          </a:solidFill>
-          <a:effectLst>
-            <a:innerShdw blurRad="114300">
-              <a:prstClr val="black"/>
-            </a:innerShdw>
-          </a:effectLst>
-        </p:spPr>
-        <p:style>
-          <a:lnRef idx="2">
-            <a:schemeClr val="accent1">
-              <a:shade val="15000"/>
-            </a:schemeClr>
-          </a:lnRef>
-          <a:fillRef idx="1">
-            <a:schemeClr val="accent1"/>
-          </a:fillRef>
-          <a:effectRef idx="0">
-            <a:schemeClr val="accent1"/>
-          </a:effectRef>
-          <a:fontRef idx="minor">
-            <a:schemeClr val="lt1"/>
-          </a:fontRef>
-        </p:style>
-        <p:txBody>
-          <a:bodyPr rtlCol="0" anchor="ctr"/>
-          <a:lstStyle/>
-          <a:p>
-            <a:pPr marL="180000" lvl="1"/>
-            <a:r>
-              <a:rPr lang="en-GB" sz="1600" dirty="0">
-                <a:solidFill>
-                  <a:srgbClr val="181818"/>
-                </a:solidFill>
-                <a:latin typeface="Century Schoolbook" panose="02040604050505020304" pitchFamily="18" charset="0"/>
-              </a:rPr>
-              <a:t>1900’s → QI – </a:t>
-            </a:r>
-            <a:r>
-              <a:rPr lang="pl-PL" sz="1600" dirty="0">
-                <a:solidFill>
-                  <a:srgbClr val="181818"/>
-                </a:solidFill>
-                <a:latin typeface="Century Schoolbook" panose="02040604050505020304" pitchFamily="18" charset="0"/>
-              </a:rPr>
-              <a:t>Kontrola jakości </a:t>
-            </a:r>
-            <a:r>
-              <a:rPr lang="pl-PL" sz="1400" dirty="0">
-                <a:solidFill>
-                  <a:srgbClr val="181818"/>
-                </a:solidFill>
-                <a:latin typeface="Century Schoolbook" panose="02040604050505020304" pitchFamily="18" charset="0"/>
-              </a:rPr>
-              <a:t>(</a:t>
-            </a:r>
-            <a:r>
-              <a:rPr lang="en-GB" sz="1400" i="1" dirty="0">
-                <a:solidFill>
-                  <a:srgbClr val="181818"/>
-                </a:solidFill>
-                <a:latin typeface="Century Schoolbook" panose="02040604050505020304" pitchFamily="18" charset="0"/>
-              </a:rPr>
-              <a:t>Quality Inspection</a:t>
-            </a:r>
-            <a:r>
-              <a:rPr lang="pl-PL" sz="1400" dirty="0">
-                <a:solidFill>
-                  <a:srgbClr val="181818"/>
-                </a:solidFill>
-                <a:latin typeface="Century Schoolbook" panose="02040604050505020304" pitchFamily="18" charset="0"/>
-              </a:rPr>
-              <a:t>)</a:t>
-            </a:r>
-            <a:endParaRPr lang="en-GB" sz="1600" dirty="0">
-              <a:solidFill>
-                <a:srgbClr val="181818"/>
-              </a:solidFill>
-              <a:latin typeface="Century Schoolbook" panose="02040604050505020304" pitchFamily="18" charset="0"/>
-            </a:endParaRPr>
-          </a:p>
-          <a:p>
-            <a:pPr marL="180000" lvl="1"/>
-            <a:r>
-              <a:rPr lang="en-GB" sz="1600" dirty="0">
-                <a:solidFill>
-                  <a:srgbClr val="181818"/>
-                </a:solidFill>
-                <a:latin typeface="Century Schoolbook" panose="02040604050505020304" pitchFamily="18" charset="0"/>
-              </a:rPr>
-              <a:t>1920’s → QC – </a:t>
-            </a:r>
-            <a:r>
-              <a:rPr lang="pl-PL" sz="1600" dirty="0">
-                <a:solidFill>
-                  <a:srgbClr val="181818"/>
-                </a:solidFill>
-                <a:latin typeface="Century Schoolbook" panose="02040604050505020304" pitchFamily="18" charset="0"/>
-              </a:rPr>
-              <a:t>Sterowanie jakością (</a:t>
-            </a:r>
-            <a:r>
-              <a:rPr lang="en-GB" sz="1400" i="1" dirty="0">
-                <a:solidFill>
-                  <a:srgbClr val="181818"/>
-                </a:solidFill>
-                <a:latin typeface="Century Schoolbook" panose="02040604050505020304" pitchFamily="18" charset="0"/>
-              </a:rPr>
-              <a:t>Quality Control</a:t>
-            </a:r>
-            <a:r>
-              <a:rPr lang="pl-PL" sz="1400" dirty="0">
-                <a:solidFill>
-                  <a:srgbClr val="181818"/>
-                </a:solidFill>
-                <a:latin typeface="Century Schoolbook" panose="02040604050505020304" pitchFamily="18" charset="0"/>
-              </a:rPr>
-              <a:t>)</a:t>
-            </a:r>
-            <a:endParaRPr lang="en-GB" sz="1600" dirty="0">
-              <a:solidFill>
-                <a:srgbClr val="181818"/>
-              </a:solidFill>
-              <a:latin typeface="Century Schoolbook" panose="02040604050505020304" pitchFamily="18" charset="0"/>
-            </a:endParaRPr>
-          </a:p>
-          <a:p>
-            <a:pPr marL="180000" lvl="1"/>
-            <a:r>
-              <a:rPr lang="en-GB" sz="1600" dirty="0">
-                <a:solidFill>
-                  <a:srgbClr val="181818"/>
-                </a:solidFill>
-                <a:latin typeface="Century Schoolbook" panose="02040604050505020304" pitchFamily="18" charset="0"/>
-              </a:rPr>
-              <a:t>1960’s → QA – </a:t>
-            </a:r>
-            <a:r>
-              <a:rPr lang="pl-PL" sz="1600" dirty="0">
-                <a:solidFill>
-                  <a:srgbClr val="181818"/>
-                </a:solidFill>
-                <a:latin typeface="Century Schoolbook" panose="02040604050505020304" pitchFamily="18" charset="0"/>
-              </a:rPr>
-              <a:t>Zapewnianie jakości </a:t>
-            </a:r>
-            <a:r>
-              <a:rPr lang="pl-PL" sz="1400" dirty="0">
-                <a:solidFill>
-                  <a:srgbClr val="181818"/>
-                </a:solidFill>
-                <a:latin typeface="Century Schoolbook" panose="02040604050505020304" pitchFamily="18" charset="0"/>
-              </a:rPr>
-              <a:t>(</a:t>
-            </a:r>
-            <a:r>
-              <a:rPr lang="en-GB" sz="1400" i="1" dirty="0">
-                <a:solidFill>
-                  <a:srgbClr val="181818"/>
-                </a:solidFill>
-                <a:latin typeface="Century Schoolbook" panose="02040604050505020304" pitchFamily="18" charset="0"/>
-              </a:rPr>
-              <a:t>Quality Assurance</a:t>
-            </a:r>
-            <a:r>
-              <a:rPr lang="pl-PL" sz="1400" dirty="0">
-                <a:solidFill>
-                  <a:srgbClr val="181818"/>
-                </a:solidFill>
-                <a:latin typeface="Century Schoolbook" panose="02040604050505020304" pitchFamily="18" charset="0"/>
-              </a:rPr>
-              <a:t>)</a:t>
-            </a:r>
-            <a:endParaRPr lang="en-GB" sz="1600" dirty="0">
-              <a:solidFill>
-                <a:srgbClr val="181818"/>
-              </a:solidFill>
-              <a:latin typeface="Century Schoolbook" panose="02040604050505020304" pitchFamily="18" charset="0"/>
-            </a:endParaRPr>
-          </a:p>
-          <a:p>
-            <a:pPr marL="180000" lvl="1"/>
-            <a:r>
-              <a:rPr lang="en-GB" sz="1600" dirty="0">
-                <a:solidFill>
-                  <a:srgbClr val="181818"/>
-                </a:solidFill>
-                <a:latin typeface="Century Schoolbook" panose="02040604050505020304" pitchFamily="18" charset="0"/>
-              </a:rPr>
-              <a:t>1980’s → QM / TQM – </a:t>
-            </a:r>
-            <a:r>
-              <a:rPr lang="pl-PL" sz="1600" dirty="0">
-                <a:solidFill>
-                  <a:srgbClr val="181818"/>
-                </a:solidFill>
-                <a:latin typeface="Century Schoolbook" panose="02040604050505020304" pitchFamily="18" charset="0"/>
-              </a:rPr>
-              <a:t>Kompleksowe zarządzanie jakością (</a:t>
-            </a:r>
-            <a:r>
-              <a:rPr lang="en-GB" sz="1600" i="1" dirty="0">
-                <a:solidFill>
-                  <a:srgbClr val="181818"/>
-                </a:solidFill>
-                <a:latin typeface="Century Schoolbook" panose="02040604050505020304" pitchFamily="18" charset="0"/>
-              </a:rPr>
-              <a:t>Total Quality Management</a:t>
-            </a:r>
-            <a:r>
-              <a:rPr lang="pl-PL" sz="1600" dirty="0">
-                <a:solidFill>
-                  <a:srgbClr val="181818"/>
-                </a:solidFill>
-                <a:latin typeface="Century Schoolbook" panose="02040604050505020304" pitchFamily="18" charset="0"/>
-              </a:rPr>
-              <a:t>)</a:t>
-            </a:r>
-            <a:endParaRPr lang="en-GB" sz="1600" dirty="0">
-              <a:solidFill>
-                <a:srgbClr val="181818"/>
-              </a:solidFill>
-              <a:latin typeface="Century Schoolbook" panose="02040604050505020304" pitchFamily="18" charset="0"/>
-            </a:endParaRPr>
-          </a:p>
-        </p:txBody>
-      </p:sp>
-      <p:sp>
-        <p:nvSpPr>
-          <p:cNvPr id="5" name="Slide Number Placeholder 4">
-            <a:extLst>
-              <a:ext uri="{FF2B5EF4-FFF2-40B4-BE49-F238E27FC236}">
-                <a16:creationId xmlns:a16="http://schemas.microsoft.com/office/drawing/2014/main" id="{CD66043F-DBD1-68AC-9F1E-6D3787309C0C}"/>
-              </a:ext>
-            </a:extLst>
-          </p:cNvPr>
-          <p:cNvSpPr>
-            <a:spLocks noGrp="1"/>
-          </p:cNvSpPr>
-          <p:nvPr>
-            <p:ph type="sldNum" sz="quarter" idx="12"/>
-          </p:nvPr>
-        </p:nvSpPr>
-        <p:spPr/>
-        <p:txBody>
-          <a:bodyPr/>
-          <a:lstStyle/>
-          <a:p>
-            <a:fld id="{ADC9AAA0-29FB-4B62-AB65-7094BA6E939A}" type="slidenum">
-              <a:rPr lang="en-GB" smtClean="0"/>
-              <a:pPr/>
-              <a:t>27</a:t>
-            </a:fld>
-            <a:endParaRPr lang="en-GB" dirty="0"/>
-          </a:p>
-        </p:txBody>
-      </p:sp>
-    </p:spTree>
-    <p:extLst>
-      <p:ext uri="{BB962C8B-B14F-4D97-AF65-F5344CB8AC3E}">
-        <p14:creationId xmlns:p14="http://schemas.microsoft.com/office/powerpoint/2010/main" val="3909959401"/>
-      </p:ext>
-    </p:extLst>
-  </p:cSld>
-  <p:clrMapOvr>
-    <a:masterClrMapping/>
-  </p:clrMapOvr>
-</p:sld>
-</file>
-
-<file path=ppt/slides/slide28.xml><?xml version="1.0" encoding="utf-8"?>
-<p:sld xmlns:a="http://schemas.openxmlformats.org/drawingml/2006/main" xmlns:r="http://schemas.openxmlformats.org/officeDocument/2006/relationships" xmlns:p="http://schemas.openxmlformats.org/presentationml/2006/main">
-  <p:cSld>
-    <p:spTree>
-      <p:nvGrpSpPr>
-        <p:cNvPr id="1" name=""/>
-        <p:cNvGrpSpPr/>
-        <p:nvPr/>
-      </p:nvGrpSpPr>
-      <p:grpSpPr>
-        <a:xfrm>
-          <a:off x="0" y="0"/>
-          <a:ext cx="0" cy="0"/>
-          <a:chOff x="0" y="0"/>
-          <a:chExt cx="0" cy="0"/>
-        </a:xfrm>
-      </p:grpSpPr>
       <p:pic>
         <p:nvPicPr>
-          <p:cNvPr id="7" name="Picture 6">
-            <a:extLst>
-              <a:ext uri="{FF2B5EF4-FFF2-40B4-BE49-F238E27FC236}">
-                <a16:creationId xmlns:a16="http://schemas.microsoft.com/office/drawing/2014/main" id="{C826C596-948F-F80E-E9EE-EE1A73CC88EF}"/>
+          <p:cNvPr id="8" name="Picture 7">
+            <a:extLst>
+              <a:ext uri="{FF2B5EF4-FFF2-40B4-BE49-F238E27FC236}">
+                <a16:creationId xmlns:a16="http://schemas.microsoft.com/office/drawing/2014/main" id="{872342CC-98F0-B2BC-5071-04E4A6FEBCF2}"/>
               </a:ext>
             </a:extLst>
           </p:cNvPr>
@@ -13223,400 +12227,18 @@
         </p:blipFill>
         <p:spPr>
           <a:xfrm>
-            <a:off x="6824216" y="2611071"/>
-            <a:ext cx="5308473" cy="2163135"/>
+            <a:off x="1179803" y="2045400"/>
+            <a:ext cx="9832393" cy="2767200"/>
           </a:xfrm>
           <a:prstGeom prst="rect">
             <a:avLst/>
           </a:prstGeom>
         </p:spPr>
       </p:pic>
-      <p:sp>
-        <p:nvSpPr>
-          <p:cNvPr id="2" name="Tytuł 1">
-            <a:extLst>
-              <a:ext uri="{FF2B5EF4-FFF2-40B4-BE49-F238E27FC236}">
-                <a16:creationId xmlns:a16="http://schemas.microsoft.com/office/drawing/2014/main" id="{23619B1C-ACF5-E6EC-AB5C-E36EC32066A4}"/>
-              </a:ext>
-            </a:extLst>
-          </p:cNvPr>
-          <p:cNvSpPr>
-            <a:spLocks noGrp="1"/>
-          </p:cNvSpPr>
-          <p:nvPr>
-            <p:ph type="title"/>
-          </p:nvPr>
-        </p:nvSpPr>
-        <p:spPr/>
-        <p:txBody>
-          <a:bodyPr/>
-          <a:lstStyle/>
-          <a:p>
-            <a:r>
-              <a:rPr lang="pl-PL" dirty="0"/>
-              <a:t>Czy jeśli nie klient to interesariusz</a:t>
-            </a:r>
-            <a:r>
-              <a:rPr lang="en-GB" dirty="0"/>
-              <a:t>?</a:t>
-            </a:r>
-          </a:p>
-        </p:txBody>
-      </p:sp>
-      <p:sp>
-        <p:nvSpPr>
-          <p:cNvPr id="3" name="Symbol zastępczy zawartości 2">
-            <a:extLst>
-              <a:ext uri="{FF2B5EF4-FFF2-40B4-BE49-F238E27FC236}">
-                <a16:creationId xmlns:a16="http://schemas.microsoft.com/office/drawing/2014/main" id="{C504B623-DA54-D1B2-D8C7-1772E1CEC98D}"/>
-              </a:ext>
-            </a:extLst>
-          </p:cNvPr>
-          <p:cNvSpPr>
-            <a:spLocks noGrp="1"/>
-          </p:cNvSpPr>
-          <p:nvPr>
-            <p:ph idx="1"/>
-          </p:nvPr>
-        </p:nvSpPr>
-        <p:spPr/>
-        <p:txBody>
-          <a:bodyPr>
-            <a:normAutofit fontScale="92500" lnSpcReduction="20000"/>
-          </a:bodyPr>
-          <a:lstStyle/>
-          <a:p>
-            <a:r>
-              <a:rPr lang="pl-PL" sz="2400" dirty="0">
-                <a:solidFill>
-                  <a:srgbClr val="181818"/>
-                </a:solidFill>
-              </a:rPr>
-              <a:t>Teorie interesariuszy od lat 60. XX w.</a:t>
-            </a:r>
-            <a:endParaRPr lang="en-GB" sz="2400" dirty="0">
-              <a:solidFill>
-                <a:srgbClr val="181818"/>
-              </a:solidFill>
-            </a:endParaRPr>
-          </a:p>
-          <a:p>
-            <a:r>
-              <a:rPr lang="pl-PL" sz="2400" dirty="0">
-                <a:solidFill>
-                  <a:srgbClr val="181818"/>
-                </a:solidFill>
-              </a:rPr>
-              <a:t>Interesariusz</a:t>
-            </a:r>
-            <a:r>
-              <a:rPr lang="en-GB" sz="2400" dirty="0">
-                <a:solidFill>
-                  <a:srgbClr val="181818"/>
-                </a:solidFill>
-              </a:rPr>
-              <a:t> – „</a:t>
-            </a:r>
-            <a:r>
-              <a:rPr lang="pl-PL" sz="2400" dirty="0">
-                <a:solidFill>
-                  <a:srgbClr val="181818"/>
-                </a:solidFill>
-              </a:rPr>
-              <a:t>może wypływać i może być pod wpływem</a:t>
-            </a:r>
-            <a:r>
-              <a:rPr lang="en-GB" sz="2400" dirty="0">
-                <a:solidFill>
-                  <a:srgbClr val="181818"/>
-                </a:solidFill>
-              </a:rPr>
-              <a:t>” </a:t>
-            </a:r>
-            <a:r>
-              <a:rPr lang="en-GB" sz="1800" b="1" dirty="0">
-                <a:solidFill>
-                  <a:srgbClr val="181818"/>
-                </a:solidFill>
-              </a:rPr>
-              <a:t>Freeman (1984)</a:t>
-            </a:r>
-          </a:p>
-          <a:p>
-            <a:r>
-              <a:rPr lang="pl-PL" sz="2400" b="0" i="0" dirty="0">
-                <a:solidFill>
-                  <a:srgbClr val="181818"/>
-                </a:solidFill>
-                <a:effectLst/>
-              </a:rPr>
-              <a:t>Po analizie abstraktów</a:t>
-            </a:r>
-            <a:r>
-              <a:rPr lang="en-GB" sz="2400" b="0" i="0" dirty="0">
-                <a:solidFill>
-                  <a:srgbClr val="181818"/>
-                </a:solidFill>
-                <a:effectLst/>
-              </a:rPr>
-              <a:t> 474 art</a:t>
-            </a:r>
-            <a:r>
-              <a:rPr lang="pl-PL" sz="2400" b="0" i="0" dirty="0" err="1">
-                <a:solidFill>
-                  <a:srgbClr val="181818"/>
-                </a:solidFill>
-                <a:effectLst/>
-              </a:rPr>
-              <a:t>ykułów</a:t>
-            </a:r>
-            <a:r>
-              <a:rPr lang="en-GB" sz="2400" b="0" i="0" dirty="0">
-                <a:solidFill>
-                  <a:srgbClr val="181818"/>
-                </a:solidFill>
-                <a:effectLst/>
-              </a:rPr>
-              <a:t>:</a:t>
-            </a:r>
-          </a:p>
-          <a:p>
-            <a:r>
-              <a:rPr lang="pl-PL" sz="2400" dirty="0">
-                <a:solidFill>
-                  <a:srgbClr val="181818"/>
-                </a:solidFill>
-              </a:rPr>
-              <a:t>Metody analizy interesariuszy</a:t>
-            </a:r>
-            <a:r>
-              <a:rPr lang="en-GB" sz="2400" dirty="0">
-                <a:solidFill>
-                  <a:srgbClr val="181818"/>
-                </a:solidFill>
-              </a:rPr>
-              <a:t>:</a:t>
-            </a:r>
-          </a:p>
-          <a:p>
-            <a:pPr lvl="1"/>
-            <a:r>
-              <a:rPr lang="pl-PL" sz="2000" dirty="0">
-                <a:solidFill>
-                  <a:srgbClr val="181818"/>
-                </a:solidFill>
-              </a:rPr>
-              <a:t>Diagram interes – siła</a:t>
-            </a:r>
-            <a:endParaRPr lang="en-GB" sz="2000" dirty="0">
-              <a:solidFill>
-                <a:srgbClr val="181818"/>
-              </a:solidFill>
-            </a:endParaRPr>
-          </a:p>
-          <a:p>
-            <a:pPr lvl="1"/>
-            <a:r>
-              <a:rPr lang="pl-PL" sz="2000" dirty="0">
-                <a:solidFill>
-                  <a:srgbClr val="181818"/>
-                </a:solidFill>
-              </a:rPr>
-              <a:t>Diagramy relacji</a:t>
-            </a:r>
-          </a:p>
-          <a:p>
-            <a:pPr lvl="1"/>
-            <a:r>
-              <a:rPr lang="pl-PL" sz="2100" dirty="0">
-                <a:solidFill>
-                  <a:srgbClr val="181818"/>
-                </a:solidFill>
-              </a:rPr>
-              <a:t>Mapa atrakcyjności rozwiązań versus możliwości </a:t>
-            </a:r>
-            <a:br>
-              <a:rPr lang="pl-PL" sz="2100" dirty="0">
-                <a:solidFill>
-                  <a:srgbClr val="181818"/>
-                </a:solidFill>
-              </a:rPr>
-            </a:br>
-            <a:r>
-              <a:rPr lang="pl-PL" sz="2100" dirty="0">
-                <a:solidFill>
-                  <a:srgbClr val="181818"/>
-                </a:solidFill>
-              </a:rPr>
-              <a:t>przyjęcia przez interesariuszy</a:t>
-            </a:r>
-            <a:endParaRPr lang="en-GB" sz="2100" dirty="0">
-              <a:solidFill>
-                <a:srgbClr val="181818"/>
-              </a:solidFill>
-            </a:endParaRPr>
-          </a:p>
-          <a:p>
-            <a:pPr lvl="1"/>
-            <a:r>
-              <a:rPr lang="pl-PL" sz="2100" dirty="0">
-                <a:solidFill>
-                  <a:srgbClr val="181818"/>
-                </a:solidFill>
-              </a:rPr>
-              <a:t>Mapy interesariuszy</a:t>
-            </a:r>
-            <a:endParaRPr lang="en-GB" sz="2100" dirty="0">
-              <a:solidFill>
-                <a:srgbClr val="181818"/>
-              </a:solidFill>
-            </a:endParaRPr>
-          </a:p>
-          <a:p>
-            <a:r>
-              <a:rPr lang="pl-PL" sz="2400" dirty="0">
-                <a:solidFill>
-                  <a:srgbClr val="181818"/>
-                </a:solidFill>
-              </a:rPr>
-              <a:t>Rekomendacje dla zarządzających na podstawie wyników analiz</a:t>
-            </a:r>
-            <a:endParaRPr lang="en-GB" sz="2400" dirty="0">
-              <a:solidFill>
-                <a:srgbClr val="181818"/>
-              </a:solidFill>
-            </a:endParaRPr>
-          </a:p>
-          <a:p>
-            <a:r>
-              <a:rPr lang="pl-PL" sz="2400" dirty="0">
-                <a:solidFill>
-                  <a:srgbClr val="181818"/>
-                </a:solidFill>
-              </a:rPr>
-              <a:t>Czy mierzyć jakość jako satysfakcję interesariuszy?</a:t>
-            </a:r>
-            <a:endParaRPr lang="en-GB" sz="2400" dirty="0">
-              <a:solidFill>
-                <a:srgbClr val="181818"/>
-              </a:solidFill>
-            </a:endParaRPr>
-          </a:p>
-          <a:p>
-            <a:r>
-              <a:rPr lang="en-GB" sz="2400" dirty="0">
-                <a:solidFill>
-                  <a:srgbClr val="181818"/>
-                </a:solidFill>
-              </a:rPr>
-              <a:t>ISO 21001:2018 – </a:t>
-            </a:r>
-            <a:r>
-              <a:rPr lang="pl-PL" sz="2400" dirty="0">
-                <a:solidFill>
-                  <a:srgbClr val="181818"/>
-                </a:solidFill>
-              </a:rPr>
-              <a:t>bardzo wiele odniesień do </a:t>
-            </a:r>
-            <a:r>
-              <a:rPr lang="en-GB" sz="2400" dirty="0">
-                <a:solidFill>
-                  <a:srgbClr val="181818"/>
-                </a:solidFill>
-              </a:rPr>
-              <a:t>„group</a:t>
-            </a:r>
-            <a:r>
-              <a:rPr lang="pl-PL" sz="2400" dirty="0">
-                <a:solidFill>
-                  <a:srgbClr val="181818"/>
-                </a:solidFill>
-              </a:rPr>
-              <a:t> zainteresowanych</a:t>
-            </a:r>
-            <a:r>
-              <a:rPr lang="en-GB" sz="2400" dirty="0">
-                <a:solidFill>
-                  <a:srgbClr val="181818"/>
-                </a:solidFill>
-              </a:rPr>
-              <a:t>”</a:t>
-            </a:r>
-          </a:p>
-          <a:p>
-            <a:pPr lvl="1"/>
-            <a:endParaRPr lang="en-GB" sz="2000" dirty="0">
-              <a:solidFill>
-                <a:srgbClr val="181818"/>
-              </a:solidFill>
-            </a:endParaRPr>
-          </a:p>
-          <a:p>
-            <a:endParaRPr lang="en-GB" sz="2400" b="0" i="0" dirty="0">
-              <a:solidFill>
-                <a:srgbClr val="181818"/>
-              </a:solidFill>
-              <a:effectLst/>
-            </a:endParaRPr>
-          </a:p>
-          <a:p>
-            <a:endParaRPr lang="en-GB" sz="2400" dirty="0">
-              <a:solidFill>
-                <a:srgbClr val="181818"/>
-              </a:solidFill>
-            </a:endParaRPr>
-          </a:p>
-          <a:p>
-            <a:endParaRPr lang="en-GB" sz="2400" b="0" i="0" dirty="0">
-              <a:solidFill>
-                <a:srgbClr val="181818"/>
-              </a:solidFill>
-              <a:effectLst/>
-            </a:endParaRPr>
-          </a:p>
-          <a:p>
-            <a:pPr marL="0" indent="0">
-              <a:buNone/>
-            </a:pPr>
-            <a:endParaRPr lang="en-GB" dirty="0"/>
-          </a:p>
-        </p:txBody>
-      </p:sp>
-      <p:sp>
-        <p:nvSpPr>
-          <p:cNvPr id="4" name="Slide Number Placeholder 3">
-            <a:extLst>
-              <a:ext uri="{FF2B5EF4-FFF2-40B4-BE49-F238E27FC236}">
-                <a16:creationId xmlns:a16="http://schemas.microsoft.com/office/drawing/2014/main" id="{E5795693-37E4-F7BC-02D8-69AD48FF015D}"/>
-              </a:ext>
-            </a:extLst>
-          </p:cNvPr>
-          <p:cNvSpPr>
-            <a:spLocks noGrp="1"/>
-          </p:cNvSpPr>
-          <p:nvPr>
-            <p:ph type="sldNum" sz="quarter" idx="12"/>
-          </p:nvPr>
-        </p:nvSpPr>
-        <p:spPr/>
-        <p:txBody>
-          <a:bodyPr/>
-          <a:lstStyle/>
-          <a:p>
-            <a:fld id="{ADC9AAA0-29FB-4B62-AB65-7094BA6E939A}" type="slidenum">
-              <a:rPr lang="pl-PL" smtClean="0"/>
-              <a:pPr/>
-              <a:t>28</a:t>
-            </a:fld>
-            <a:endParaRPr lang="pl-PL" dirty="0"/>
-          </a:p>
-        </p:txBody>
-      </p:sp>
     </p:spTree>
     <p:extLst>
       <p:ext uri="{BB962C8B-B14F-4D97-AF65-F5344CB8AC3E}">
-        <p14:creationId xmlns:p14="http://schemas.microsoft.com/office/powerpoint/2010/main" val="3292773749"/>
+        <p14:creationId xmlns:p14="http://schemas.microsoft.com/office/powerpoint/2010/main" val="3697006433"/>
       </p:ext>
     </p:extLst>
   </p:cSld>
@@ -13921,23 +12543,6 @@
                 </a:solidFill>
                 <a:latin typeface="+mn-lt"/>
               </a:rPr>
-              <a:t>od lat 60. XX w.</a:t>
-            </a:r>
-            <a:endParaRPr lang="en-GB" sz="2400" dirty="0">
-              <a:solidFill>
-                <a:srgbClr val="181818"/>
-              </a:solidFill>
-              <a:latin typeface="+mn-lt"/>
-            </a:endParaRPr>
-          </a:p>
-          <a:p>
-            <a:r>
-              <a:rPr lang="pl-PL" sz="2400" dirty="0">
-                <a:solidFill>
-                  <a:srgbClr val="181818"/>
-                </a:solidFill>
-                <a:latin typeface="+mn-lt"/>
-              </a:rPr>
               <a:t>interesariusz</a:t>
             </a:r>
             <a:r>
@@ -13992,7 +12597,7 @@
                 </a:solidFill>
                 <a:latin typeface="+mn-lt"/>
               </a:rPr>
-              <a:t>Umiejętność analizy interesariuszy</a:t>
+              <a:t>umiejętność analizy interesariuszy</a:t>
             </a:r>
           </a:p>
           <a:p>
@@ -14004,7 +12609,7 @@
                 </a:solidFill>
                 <a:latin typeface="+mn-lt"/>
               </a:rPr>
-              <a:t>Wdrażanie wniosków z analizy</a:t>
+              <a:t>wdrażanie wniosków z analizy</a:t>
             </a:r>
           </a:p>
           <a:p>
@@ -14016,7 +12621,7 @@
                 </a:solidFill>
                 <a:latin typeface="+mn-lt"/>
               </a:rPr>
-              <a:t>m. in. postawa „służenia interesariuszom” </a:t>
+              <a:t>postawa „służenia interesariuszom” </a:t>
             </a:r>
             <a:r>
               <a:rPr lang="pl-PL" sz="1800" b="1" dirty="0">
@@ -14109,6 +12714,26 @@
               </a:rPr>
               <a:t>”</a:t>
             </a:r>
+            <a:endParaRPr lang="pl-PL" sz="2400" dirty="0">
+              <a:solidFill>
+                <a:srgbClr val="181818"/>
+              </a:solidFill>
+            </a:endParaRPr>
+          </a:p>
+          <a:p>
+            <a:r>
+              <a:rPr lang="pl-PL" sz="2400" dirty="0">
+                <a:solidFill>
+                  <a:srgbClr val="181818"/>
+                </a:solidFill>
+              </a:rPr>
+              <a:t>luka – brak narzędzia doskonalenia SZJ uwzględniającego zarządzanie interesariuszy i kontekst polskich uczelni technicznych</a:t>
+            </a:r>
+            <a:endParaRPr lang="en-GB" sz="2400" dirty="0">
+              <a:solidFill>
+                <a:srgbClr val="181818"/>
+              </a:solidFill>
+            </a:endParaRPr>
           </a:p>
           <a:p>
             <a:pPr lvl="1"/>
@@ -14527,6 +13152,23 @@
               </a:rPr>
               <a:t>Jakie wyniki uzyskują najlepsze uczelnie techniczne w Polsce, w ramach różnych miar efektów działań?</a:t>
             </a:r>
+            <a:endParaRPr lang="pl-PL" b="0" i="0" u="none" strike="noStrike" baseline="0" dirty="0">
+              <a:solidFill>
+                <a:srgbClr val="000000"/>
+              </a:solidFill>
+              <a:latin typeface="Arial" panose="020B0604020202020204" pitchFamily="34" charset="0"/>
+            </a:endParaRPr>
+          </a:p>
+          <a:p>
+            <a:r>
+              <a:rPr lang="pl-PL" b="1" i="0" u="none" strike="noStrike" baseline="0" dirty="0">
+                <a:solidFill>
+                  <a:srgbClr val="000000"/>
+                </a:solidFill>
+                <a:latin typeface="Arial" panose="020B0604020202020204" pitchFamily="34" charset="0"/>
+              </a:rPr>
+              <a:t>P4:</a:t>
+            </a:r>
             <a:r>
               <a:rPr lang="pl-PL" b="0" i="0" u="none" strike="noStrike" baseline="0" dirty="0">
                 <a:solidFill>
@@ -14536,26 +13178,6 @@
               </a:rPr>
               <a:t> </a:t>
             </a:r>
-          </a:p>
-          <a:p>
-            <a:r>
-              <a:rPr lang="pl-PL" b="1" i="0" u="none" strike="noStrike" baseline="0" dirty="0">
-                <a:solidFill>
-                  <a:srgbClr val="000000"/>
-                </a:solidFill>
-                <a:latin typeface="Arial" panose="020B0604020202020204" pitchFamily="34" charset="0"/>
-              </a:rPr>
-              <a:t>P4:</a:t>
-            </a:r>
-            <a:r>
-              <a:rPr lang="pl-PL" b="0" i="0" u="none" strike="noStrike" baseline="0" dirty="0">
-                <a:solidFill>
-                  <a:srgbClr val="000000"/>
-                </a:solidFill>
-                <a:latin typeface="Arial" panose="020B0604020202020204" pitchFamily="34" charset="0"/>
-              </a:rPr>
-              <a:t> </a:t>
-            </a:r>
             <a:r>
               <a:rPr lang="pl-PL" b="0" i="1" u="none" strike="noStrike" baseline="0" dirty="0">
                 <a:solidFill>
@@ -14563,17 +13185,14 @@
                 </a:solidFill>
                 <a:latin typeface="Arial" panose="020B0604020202020204" pitchFamily="34" charset="0"/>
               </a:rPr>
-              <a:t>Czy usługi publicznych uczelni technicznych są oceniane wyżej niż wyniki pozostałych polskich uczelni?</a:t>
-            </a:r>
-            <a:r>
-              <a:rPr lang="pl-PL" b="0" i="0" u="none" strike="noStrike" baseline="0" dirty="0">
-                <a:solidFill>
-                  <a:srgbClr val="000000"/>
-                </a:solidFill>
-                <a:latin typeface="Arial" panose="020B0604020202020204" pitchFamily="34" charset="0"/>
-              </a:rPr>
-              <a:t> </a:t>
-            </a:r>
+              <a:t>Czy usługi publicznych uczelni technicznych są oceniane wyżej niż usługi pozostałych polskich uczelni?</a:t>
+            </a:r>
+            <a:endParaRPr lang="pl-PL" b="0" i="0" u="none" strike="noStrike" baseline="0" dirty="0">
+              <a:solidFill>
+                <a:srgbClr val="000000"/>
+              </a:solidFill>
+              <a:latin typeface="Arial" panose="020B0604020202020204" pitchFamily="34" charset="0"/>
+            </a:endParaRPr>
           </a:p>
           <a:p>
             <a:endParaRPr lang="en-GB" i="1" dirty="0"/>
